--- a/Quality control analysis with new update vs old/LMM quality control comparison.pptx
+++ b/Quality control analysis with new update vs old/LMM quality control comparison.pptx
@@ -4,16 +4,30 @@
   <p:sldMasterIdLst>
     <p:sldMasterId id="2147483648" r:id="rId1"/>
   </p:sldMasterIdLst>
+  <p:notesMasterIdLst>
+    <p:notesMasterId r:id="rId22"/>
+  </p:notesMasterIdLst>
   <p:sldIdLst>
-    <p:sldId id="256" r:id="rId2"/>
-    <p:sldId id="257" r:id="rId3"/>
-    <p:sldId id="258" r:id="rId4"/>
-    <p:sldId id="266" r:id="rId5"/>
-    <p:sldId id="267" r:id="rId6"/>
-    <p:sldId id="269" r:id="rId7"/>
-    <p:sldId id="260" r:id="rId8"/>
-    <p:sldId id="262" r:id="rId9"/>
-    <p:sldId id="261" r:id="rId10"/>
+    <p:sldId id="288" r:id="rId2"/>
+    <p:sldId id="256" r:id="rId3"/>
+    <p:sldId id="257" r:id="rId4"/>
+    <p:sldId id="258" r:id="rId5"/>
+    <p:sldId id="293" r:id="rId6"/>
+    <p:sldId id="280" r:id="rId7"/>
+    <p:sldId id="279" r:id="rId8"/>
+    <p:sldId id="289" r:id="rId9"/>
+    <p:sldId id="273" r:id="rId10"/>
+    <p:sldId id="274" r:id="rId11"/>
+    <p:sldId id="282" r:id="rId12"/>
+    <p:sldId id="275" r:id="rId13"/>
+    <p:sldId id="290" r:id="rId14"/>
+    <p:sldId id="276" r:id="rId15"/>
+    <p:sldId id="285" r:id="rId16"/>
+    <p:sldId id="286" r:id="rId17"/>
+    <p:sldId id="294" r:id="rId18"/>
+    <p:sldId id="267" r:id="rId19"/>
+    <p:sldId id="269" r:id="rId20"/>
+    <p:sldId id="284" r:id="rId21"/>
   </p:sldIdLst>
   <p:sldSz cx="12192000" cy="6858000"/>
   <p:notesSz cx="6858000" cy="9144000"/>
@@ -112,7 +126,466 @@
       </a:defRPr>
     </a:lvl9pPr>
   </p:defaultTextStyle>
+  <p:extLst>
+    <p:ext uri="{EFAFB233-063F-42B5-8137-9DF3F51BA10A}">
+      <p15:sldGuideLst xmlns:p15="http://schemas.microsoft.com/office/powerpoint/2012/main"/>
+    </p:ext>
+  </p:extLst>
 </p:presentation>
+</file>
+
+<file path=ppt/notesMasters/notesMaster1.xml><?xml version="1.0" encoding="utf-8"?>
+<p:notesMaster xmlns:a="http://schemas.openxmlformats.org/drawingml/2006/main" xmlns:r="http://schemas.openxmlformats.org/officeDocument/2006/relationships" xmlns:p="http://schemas.openxmlformats.org/presentationml/2006/main">
+  <p:cSld>
+    <p:bg>
+      <p:bgRef idx="1001">
+        <a:schemeClr val="bg1"/>
+      </p:bgRef>
+    </p:bg>
+    <p:spTree>
+      <p:nvGrpSpPr>
+        <p:cNvPr id="1" name=""/>
+        <p:cNvGrpSpPr/>
+        <p:nvPr/>
+      </p:nvGrpSpPr>
+      <p:grpSpPr>
+        <a:xfrm>
+          <a:off x="0" y="0"/>
+          <a:ext cx="0" cy="0"/>
+          <a:chOff x="0" y="0"/>
+          <a:chExt cx="0" cy="0"/>
+        </a:xfrm>
+      </p:grpSpPr>
+      <p:sp>
+        <p:nvSpPr>
+          <p:cNvPr id="2" name="Header Placeholder 1"/>
+          <p:cNvSpPr>
+            <a:spLocks noGrp="1"/>
+          </p:cNvSpPr>
+          <p:nvPr>
+            <p:ph type="hdr" sz="quarter"/>
+          </p:nvPr>
+        </p:nvSpPr>
+        <p:spPr>
+          <a:xfrm>
+            <a:off x="0" y="0"/>
+            <a:ext cx="2971800" cy="458788"/>
+          </a:xfrm>
+          <a:prstGeom prst="rect">
+            <a:avLst/>
+          </a:prstGeom>
+        </p:spPr>
+        <p:txBody>
+          <a:bodyPr vert="horz" lIns="91440" tIns="45720" rIns="91440" bIns="45720" rtlCol="0"/>
+          <a:lstStyle>
+            <a:lvl1pPr algn="l">
+              <a:defRPr sz="1200"/>
+            </a:lvl1pPr>
+          </a:lstStyle>
+          <a:p>
+            <a:endParaRPr lang="en-GB"/>
+          </a:p>
+        </p:txBody>
+      </p:sp>
+      <p:sp>
+        <p:nvSpPr>
+          <p:cNvPr id="3" name="Date Placeholder 2"/>
+          <p:cNvSpPr>
+            <a:spLocks noGrp="1"/>
+          </p:cNvSpPr>
+          <p:nvPr>
+            <p:ph type="dt" idx="1"/>
+          </p:nvPr>
+        </p:nvSpPr>
+        <p:spPr>
+          <a:xfrm>
+            <a:off x="3884613" y="0"/>
+            <a:ext cx="2971800" cy="458788"/>
+          </a:xfrm>
+          <a:prstGeom prst="rect">
+            <a:avLst/>
+          </a:prstGeom>
+        </p:spPr>
+        <p:txBody>
+          <a:bodyPr vert="horz" lIns="91440" tIns="45720" rIns="91440" bIns="45720" rtlCol="0"/>
+          <a:lstStyle>
+            <a:lvl1pPr algn="r">
+              <a:defRPr sz="1200"/>
+            </a:lvl1pPr>
+          </a:lstStyle>
+          <a:p>
+            <a:fld id="{7CCD21DE-D581-4067-803D-48EF381E082D}" type="datetimeFigureOut">
+              <a:rPr lang="en-GB" smtClean="0"/>
+              <a:t>13/10/2023</a:t>
+            </a:fld>
+            <a:endParaRPr lang="en-GB"/>
+          </a:p>
+        </p:txBody>
+      </p:sp>
+      <p:sp>
+        <p:nvSpPr>
+          <p:cNvPr id="4" name="Slide Image Placeholder 3"/>
+          <p:cNvSpPr>
+            <a:spLocks noGrp="1" noRot="1" noChangeAspect="1"/>
+          </p:cNvSpPr>
+          <p:nvPr>
+            <p:ph type="sldImg" idx="2"/>
+          </p:nvPr>
+        </p:nvSpPr>
+        <p:spPr>
+          <a:xfrm>
+            <a:off x="685800" y="1143000"/>
+            <a:ext cx="5486400" cy="3086100"/>
+          </a:xfrm>
+          <a:prstGeom prst="rect">
+            <a:avLst/>
+          </a:prstGeom>
+          <a:noFill/>
+          <a:ln w="12700">
+            <a:solidFill>
+              <a:prstClr val="black"/>
+            </a:solidFill>
+          </a:ln>
+        </p:spPr>
+        <p:txBody>
+          <a:bodyPr vert="horz" lIns="91440" tIns="45720" rIns="91440" bIns="45720" rtlCol="0" anchor="ctr"/>
+          <a:lstStyle/>
+          <a:p>
+            <a:endParaRPr lang="en-GB"/>
+          </a:p>
+        </p:txBody>
+      </p:sp>
+      <p:sp>
+        <p:nvSpPr>
+          <p:cNvPr id="5" name="Notes Placeholder 4"/>
+          <p:cNvSpPr>
+            <a:spLocks noGrp="1"/>
+          </p:cNvSpPr>
+          <p:nvPr>
+            <p:ph type="body" sz="quarter" idx="3"/>
+          </p:nvPr>
+        </p:nvSpPr>
+        <p:spPr>
+          <a:xfrm>
+            <a:off x="685800" y="4400550"/>
+            <a:ext cx="5486400" cy="3600450"/>
+          </a:xfrm>
+          <a:prstGeom prst="rect">
+            <a:avLst/>
+          </a:prstGeom>
+        </p:spPr>
+        <p:txBody>
+          <a:bodyPr vert="horz" lIns="91440" tIns="45720" rIns="91440" bIns="45720" rtlCol="0"/>
+          <a:lstStyle/>
+          <a:p>
+            <a:pPr lvl="0"/>
+            <a:r>
+              <a:rPr lang="en-US"/>
+              <a:t>Click to edit Master text styles</a:t>
+            </a:r>
+          </a:p>
+          <a:p>
+            <a:pPr lvl="1"/>
+            <a:r>
+              <a:rPr lang="en-US"/>
+              <a:t>Second level</a:t>
+            </a:r>
+          </a:p>
+          <a:p>
+            <a:pPr lvl="2"/>
+            <a:r>
+              <a:rPr lang="en-US"/>
+              <a:t>Third level</a:t>
+            </a:r>
+          </a:p>
+          <a:p>
+            <a:pPr lvl="3"/>
+            <a:r>
+              <a:rPr lang="en-US"/>
+              <a:t>Fourth level</a:t>
+            </a:r>
+          </a:p>
+          <a:p>
+            <a:pPr lvl="4"/>
+            <a:r>
+              <a:rPr lang="en-US"/>
+              <a:t>Fifth level</a:t>
+            </a:r>
+            <a:endParaRPr lang="en-GB"/>
+          </a:p>
+        </p:txBody>
+      </p:sp>
+      <p:sp>
+        <p:nvSpPr>
+          <p:cNvPr id="6" name="Footer Placeholder 5"/>
+          <p:cNvSpPr>
+            <a:spLocks noGrp="1"/>
+          </p:cNvSpPr>
+          <p:nvPr>
+            <p:ph type="ftr" sz="quarter" idx="4"/>
+          </p:nvPr>
+        </p:nvSpPr>
+        <p:spPr>
+          <a:xfrm>
+            <a:off x="0" y="8685213"/>
+            <a:ext cx="2971800" cy="458787"/>
+          </a:xfrm>
+          <a:prstGeom prst="rect">
+            <a:avLst/>
+          </a:prstGeom>
+        </p:spPr>
+        <p:txBody>
+          <a:bodyPr vert="horz" lIns="91440" tIns="45720" rIns="91440" bIns="45720" rtlCol="0" anchor="b"/>
+          <a:lstStyle>
+            <a:lvl1pPr algn="l">
+              <a:defRPr sz="1200"/>
+            </a:lvl1pPr>
+          </a:lstStyle>
+          <a:p>
+            <a:endParaRPr lang="en-GB"/>
+          </a:p>
+        </p:txBody>
+      </p:sp>
+      <p:sp>
+        <p:nvSpPr>
+          <p:cNvPr id="7" name="Slide Number Placeholder 6"/>
+          <p:cNvSpPr>
+            <a:spLocks noGrp="1"/>
+          </p:cNvSpPr>
+          <p:nvPr>
+            <p:ph type="sldNum" sz="quarter" idx="5"/>
+          </p:nvPr>
+        </p:nvSpPr>
+        <p:spPr>
+          <a:xfrm>
+            <a:off x="3884613" y="8685213"/>
+            <a:ext cx="2971800" cy="458787"/>
+          </a:xfrm>
+          <a:prstGeom prst="rect">
+            <a:avLst/>
+          </a:prstGeom>
+        </p:spPr>
+        <p:txBody>
+          <a:bodyPr vert="horz" lIns="91440" tIns="45720" rIns="91440" bIns="45720" rtlCol="0" anchor="b"/>
+          <a:lstStyle>
+            <a:lvl1pPr algn="r">
+              <a:defRPr sz="1200"/>
+            </a:lvl1pPr>
+          </a:lstStyle>
+          <a:p>
+            <a:fld id="{7571C352-2A52-4CF9-9017-AF6D36773741}" type="slidenum">
+              <a:rPr lang="en-GB" smtClean="0"/>
+              <a:t>‹#›</a:t>
+            </a:fld>
+            <a:endParaRPr lang="en-GB"/>
+          </a:p>
+        </p:txBody>
+      </p:sp>
+    </p:spTree>
+    <p:extLst>
+      <p:ext uri="{BB962C8B-B14F-4D97-AF65-F5344CB8AC3E}">
+        <p14:creationId xmlns:p14="http://schemas.microsoft.com/office/powerpoint/2010/main" val="1879432180"/>
+      </p:ext>
+    </p:extLst>
+  </p:cSld>
+  <p:clrMap bg1="lt1" tx1="dk1" bg2="lt2" tx2="dk2" accent1="accent1" accent2="accent2" accent3="accent3" accent4="accent4" accent5="accent5" accent6="accent6" hlink="hlink" folHlink="folHlink"/>
+  <p:notesStyle>
+    <a:lvl1pPr marL="0" algn="l" defTabSz="914400" rtl="0" eaLnBrk="1" latinLnBrk="0" hangingPunct="1">
+      <a:defRPr sz="1200" kern="1200">
+        <a:solidFill>
+          <a:schemeClr val="tx1"/>
+        </a:solidFill>
+        <a:latin typeface="+mn-lt"/>
+        <a:ea typeface="+mn-ea"/>
+        <a:cs typeface="+mn-cs"/>
+      </a:defRPr>
+    </a:lvl1pPr>
+    <a:lvl2pPr marL="457200" algn="l" defTabSz="914400" rtl="0" eaLnBrk="1" latinLnBrk="0" hangingPunct="1">
+      <a:defRPr sz="1200" kern="1200">
+        <a:solidFill>
+          <a:schemeClr val="tx1"/>
+        </a:solidFill>
+        <a:latin typeface="+mn-lt"/>
+        <a:ea typeface="+mn-ea"/>
+        <a:cs typeface="+mn-cs"/>
+      </a:defRPr>
+    </a:lvl2pPr>
+    <a:lvl3pPr marL="914400" algn="l" defTabSz="914400" rtl="0" eaLnBrk="1" latinLnBrk="0" hangingPunct="1">
+      <a:defRPr sz="1200" kern="1200">
+        <a:solidFill>
+          <a:schemeClr val="tx1"/>
+        </a:solidFill>
+        <a:latin typeface="+mn-lt"/>
+        <a:ea typeface="+mn-ea"/>
+        <a:cs typeface="+mn-cs"/>
+      </a:defRPr>
+    </a:lvl3pPr>
+    <a:lvl4pPr marL="1371600" algn="l" defTabSz="914400" rtl="0" eaLnBrk="1" latinLnBrk="0" hangingPunct="1">
+      <a:defRPr sz="1200" kern="1200">
+        <a:solidFill>
+          <a:schemeClr val="tx1"/>
+        </a:solidFill>
+        <a:latin typeface="+mn-lt"/>
+        <a:ea typeface="+mn-ea"/>
+        <a:cs typeface="+mn-cs"/>
+      </a:defRPr>
+    </a:lvl4pPr>
+    <a:lvl5pPr marL="1828800" algn="l" defTabSz="914400" rtl="0" eaLnBrk="1" latinLnBrk="0" hangingPunct="1">
+      <a:defRPr sz="1200" kern="1200">
+        <a:solidFill>
+          <a:schemeClr val="tx1"/>
+        </a:solidFill>
+        <a:latin typeface="+mn-lt"/>
+        <a:ea typeface="+mn-ea"/>
+        <a:cs typeface="+mn-cs"/>
+      </a:defRPr>
+    </a:lvl5pPr>
+    <a:lvl6pPr marL="2286000" algn="l" defTabSz="914400" rtl="0" eaLnBrk="1" latinLnBrk="0" hangingPunct="1">
+      <a:defRPr sz="1200" kern="1200">
+        <a:solidFill>
+          <a:schemeClr val="tx1"/>
+        </a:solidFill>
+        <a:latin typeface="+mn-lt"/>
+        <a:ea typeface="+mn-ea"/>
+        <a:cs typeface="+mn-cs"/>
+      </a:defRPr>
+    </a:lvl6pPr>
+    <a:lvl7pPr marL="2743200" algn="l" defTabSz="914400" rtl="0" eaLnBrk="1" latinLnBrk="0" hangingPunct="1">
+      <a:defRPr sz="1200" kern="1200">
+        <a:solidFill>
+          <a:schemeClr val="tx1"/>
+        </a:solidFill>
+        <a:latin typeface="+mn-lt"/>
+        <a:ea typeface="+mn-ea"/>
+        <a:cs typeface="+mn-cs"/>
+      </a:defRPr>
+    </a:lvl7pPr>
+    <a:lvl8pPr marL="3200400" algn="l" defTabSz="914400" rtl="0" eaLnBrk="1" latinLnBrk="0" hangingPunct="1">
+      <a:defRPr sz="1200" kern="1200">
+        <a:solidFill>
+          <a:schemeClr val="tx1"/>
+        </a:solidFill>
+        <a:latin typeface="+mn-lt"/>
+        <a:ea typeface="+mn-ea"/>
+        <a:cs typeface="+mn-cs"/>
+      </a:defRPr>
+    </a:lvl8pPr>
+    <a:lvl9pPr marL="3657600" algn="l" defTabSz="914400" rtl="0" eaLnBrk="1" latinLnBrk="0" hangingPunct="1">
+      <a:defRPr sz="1200" kern="1200">
+        <a:solidFill>
+          <a:schemeClr val="tx1"/>
+        </a:solidFill>
+        <a:latin typeface="+mn-lt"/>
+        <a:ea typeface="+mn-ea"/>
+        <a:cs typeface="+mn-cs"/>
+      </a:defRPr>
+    </a:lvl9pPr>
+  </p:notesStyle>
+</p:notesMaster>
+</file>
+
+<file path=ppt/notesSlides/notesSlide1.xml><?xml version="1.0" encoding="utf-8"?>
+<p:notes xmlns:a="http://schemas.openxmlformats.org/drawingml/2006/main" xmlns:r="http://schemas.openxmlformats.org/officeDocument/2006/relationships" xmlns:p="http://schemas.openxmlformats.org/presentationml/2006/main" showMasterSp="0" showMasterPhAnim="0">
+  <p:cSld>
+    <p:spTree>
+      <p:nvGrpSpPr>
+        <p:cNvPr id="1" name="Shape 561"/>
+        <p:cNvGrpSpPr/>
+        <p:nvPr/>
+      </p:nvGrpSpPr>
+      <p:grpSpPr>
+        <a:xfrm>
+          <a:off x="0" y="0"/>
+          <a:ext cx="0" cy="0"/>
+          <a:chOff x="0" y="0"/>
+          <a:chExt cx="0" cy="0"/>
+        </a:xfrm>
+      </p:grpSpPr>
+      <p:sp>
+        <p:nvSpPr>
+          <p:cNvPr id="562" name="Google Shape;562;g340422e078_0_16:notes"/>
+          <p:cNvSpPr>
+            <a:spLocks noGrp="1" noRot="1" noChangeAspect="1"/>
+          </p:cNvSpPr>
+          <p:nvPr>
+            <p:ph type="sldImg" idx="2"/>
+          </p:nvPr>
+        </p:nvSpPr>
+        <p:spPr>
+          <a:xfrm>
+            <a:off x="381000" y="685800"/>
+            <a:ext cx="6096000" cy="3429000"/>
+          </a:xfrm>
+          <a:custGeom>
+            <a:avLst/>
+            <a:gdLst/>
+            <a:ahLst/>
+            <a:cxnLst/>
+            <a:rect l="l" t="t" r="r" b="b"/>
+            <a:pathLst>
+              <a:path w="120000" h="120000" extrusionOk="0">
+                <a:moveTo>
+                  <a:pt x="0" y="0"/>
+                </a:moveTo>
+                <a:lnTo>
+                  <a:pt x="120000" y="0"/>
+                </a:lnTo>
+                <a:lnTo>
+                  <a:pt x="120000" y="120000"/>
+                </a:lnTo>
+                <a:lnTo>
+                  <a:pt x="0" y="120000"/>
+                </a:lnTo>
+                <a:close/>
+              </a:path>
+            </a:pathLst>
+          </a:custGeom>
+        </p:spPr>
+      </p:sp>
+      <p:sp>
+        <p:nvSpPr>
+          <p:cNvPr id="563" name="Google Shape;563;g340422e078_0_16:notes"/>
+          <p:cNvSpPr txBox="1">
+            <a:spLocks noGrp="1"/>
+          </p:cNvSpPr>
+          <p:nvPr>
+            <p:ph type="body" idx="1"/>
+          </p:nvPr>
+        </p:nvSpPr>
+        <p:spPr>
+          <a:xfrm>
+            <a:off x="685800" y="4343400"/>
+            <a:ext cx="5486400" cy="4114800"/>
+          </a:xfrm>
+          <a:prstGeom prst="rect">
+            <a:avLst/>
+          </a:prstGeom>
+        </p:spPr>
+        <p:txBody>
+          <a:bodyPr spcFirstLastPara="1" wrap="square" lIns="91425" tIns="91425" rIns="91425" bIns="91425" anchor="t" anchorCtr="0">
+            <a:noAutofit/>
+          </a:bodyPr>
+          <a:lstStyle/>
+          <a:p>
+            <a:pPr marL="0" lvl="0" indent="0" algn="l" rtl="0">
+              <a:spcBef>
+                <a:spcPts val="0"/>
+              </a:spcBef>
+              <a:spcAft>
+                <a:spcPts val="0"/>
+              </a:spcAft>
+              <a:buNone/>
+            </a:pPr>
+            <a:endParaRPr/>
+          </a:p>
+        </p:txBody>
+      </p:sp>
+    </p:spTree>
+  </p:cSld>
+  <p:clrMapOvr>
+    <a:masterClrMapping/>
+  </p:clrMapOvr>
+</p:notes>
 </file>
 
 <file path=ppt/slideLayouts/slideLayout1.xml><?xml version="1.0" encoding="utf-8"?>
@@ -264,7 +737,7 @@
           <a:p>
             <a:fld id="{977A8715-1F4D-4642-A259-8A7B8E15AED0}" type="datetimeFigureOut">
               <a:rPr lang="en-GB" smtClean="0"/>
-              <a:t>08/10/2023</a:t>
+              <a:t>12/10/2023</a:t>
             </a:fld>
             <a:endParaRPr lang="en-GB"/>
           </a:p>
@@ -464,7 +937,7 @@
           <a:p>
             <a:fld id="{977A8715-1F4D-4642-A259-8A7B8E15AED0}" type="datetimeFigureOut">
               <a:rPr lang="en-GB" smtClean="0"/>
-              <a:t>08/10/2023</a:t>
+              <a:t>12/10/2023</a:t>
             </a:fld>
             <a:endParaRPr lang="en-GB"/>
           </a:p>
@@ -674,7 +1147,7 @@
           <a:p>
             <a:fld id="{977A8715-1F4D-4642-A259-8A7B8E15AED0}" type="datetimeFigureOut">
               <a:rPr lang="en-GB" smtClean="0"/>
-              <a:t>08/10/2023</a:t>
+              <a:t>12/10/2023</a:t>
             </a:fld>
             <a:endParaRPr lang="en-GB"/>
           </a:p>
@@ -738,6 +1211,182 @@
     <p:extLst>
       <p:ext uri="{BB962C8B-B14F-4D97-AF65-F5344CB8AC3E}">
         <p14:creationId xmlns:p14="http://schemas.microsoft.com/office/powerpoint/2010/main" val="833571057"/>
+      </p:ext>
+    </p:extLst>
+  </p:cSld>
+  <p:clrMapOvr>
+    <a:masterClrMapping/>
+  </p:clrMapOvr>
+</p:sldLayout>
+</file>
+
+<file path=ppt/slideLayouts/slideLayout12.xml><?xml version="1.0" encoding="utf-8"?>
+<p:sldLayout xmlns:a="http://schemas.openxmlformats.org/drawingml/2006/main" xmlns:r="http://schemas.openxmlformats.org/officeDocument/2006/relationships" xmlns:p="http://schemas.openxmlformats.org/presentationml/2006/main" matchingName="Title + Design 5">
+  <p:cSld name="Title + Design 5">
+    <p:bg>
+      <p:bgPr>
+        <a:blipFill>
+          <a:blip r:embed="rId2">
+            <a:alphaModFix/>
+          </a:blip>
+          <a:stretch>
+            <a:fillRect/>
+          </a:stretch>
+        </a:blipFill>
+        <a:effectLst/>
+      </p:bgPr>
+    </p:bg>
+    <p:spTree>
+      <p:nvGrpSpPr>
+        <p:cNvPr id="1" name="Shape 118"/>
+        <p:cNvGrpSpPr/>
+        <p:nvPr/>
+      </p:nvGrpSpPr>
+      <p:grpSpPr>
+        <a:xfrm>
+          <a:off x="0" y="0"/>
+          <a:ext cx="0" cy="0"/>
+          <a:chOff x="0" y="0"/>
+          <a:chExt cx="0" cy="0"/>
+        </a:xfrm>
+      </p:grpSpPr>
+      <p:sp>
+        <p:nvSpPr>
+          <p:cNvPr id="119" name="Google Shape;119;p22"/>
+          <p:cNvSpPr txBox="1">
+            <a:spLocks noGrp="1"/>
+          </p:cNvSpPr>
+          <p:nvPr>
+            <p:ph type="ctrTitle"/>
+          </p:nvPr>
+        </p:nvSpPr>
+        <p:spPr>
+          <a:xfrm>
+            <a:off x="2619801" y="470467"/>
+            <a:ext cx="6952400" cy="1261600"/>
+          </a:xfrm>
+          <a:prstGeom prst="rect">
+            <a:avLst/>
+          </a:prstGeom>
+        </p:spPr>
+        <p:txBody>
+          <a:bodyPr spcFirstLastPara="1" wrap="square" lIns="91425" tIns="91425" rIns="91425" bIns="91425" anchor="t" anchorCtr="0">
+            <a:noAutofit/>
+          </a:bodyPr>
+          <a:lstStyle>
+            <a:lvl1pPr lvl="0" algn="ctr" rtl="0">
+              <a:spcBef>
+                <a:spcPts val="0"/>
+              </a:spcBef>
+              <a:spcAft>
+                <a:spcPts val="0"/>
+              </a:spcAft>
+              <a:buSzPts val="2400"/>
+              <a:buNone/>
+              <a:defRPr sz="3200"/>
+            </a:lvl1pPr>
+            <a:lvl2pPr lvl="1" algn="r" rtl="0">
+              <a:spcBef>
+                <a:spcPts val="0"/>
+              </a:spcBef>
+              <a:spcAft>
+                <a:spcPts val="0"/>
+              </a:spcAft>
+              <a:buSzPts val="2400"/>
+              <a:buNone/>
+              <a:defRPr sz="3200"/>
+            </a:lvl2pPr>
+            <a:lvl3pPr lvl="2" algn="r" rtl="0">
+              <a:spcBef>
+                <a:spcPts val="0"/>
+              </a:spcBef>
+              <a:spcAft>
+                <a:spcPts val="0"/>
+              </a:spcAft>
+              <a:buSzPts val="2400"/>
+              <a:buNone/>
+              <a:defRPr sz="3200"/>
+            </a:lvl3pPr>
+            <a:lvl4pPr lvl="3" algn="r" rtl="0">
+              <a:spcBef>
+                <a:spcPts val="0"/>
+              </a:spcBef>
+              <a:spcAft>
+                <a:spcPts val="0"/>
+              </a:spcAft>
+              <a:buSzPts val="2400"/>
+              <a:buNone/>
+              <a:defRPr sz="3200"/>
+            </a:lvl4pPr>
+            <a:lvl5pPr lvl="4" algn="r" rtl="0">
+              <a:spcBef>
+                <a:spcPts val="0"/>
+              </a:spcBef>
+              <a:spcAft>
+                <a:spcPts val="0"/>
+              </a:spcAft>
+              <a:buSzPts val="2400"/>
+              <a:buNone/>
+              <a:defRPr sz="3200"/>
+            </a:lvl5pPr>
+            <a:lvl6pPr lvl="5" algn="r" rtl="0">
+              <a:spcBef>
+                <a:spcPts val="0"/>
+              </a:spcBef>
+              <a:spcAft>
+                <a:spcPts val="0"/>
+              </a:spcAft>
+              <a:buSzPts val="2400"/>
+              <a:buNone/>
+              <a:defRPr sz="3200"/>
+            </a:lvl6pPr>
+            <a:lvl7pPr lvl="6" algn="r" rtl="0">
+              <a:spcBef>
+                <a:spcPts val="0"/>
+              </a:spcBef>
+              <a:spcAft>
+                <a:spcPts val="0"/>
+              </a:spcAft>
+              <a:buSzPts val="2400"/>
+              <a:buNone/>
+              <a:defRPr sz="3200"/>
+            </a:lvl7pPr>
+            <a:lvl8pPr lvl="7" algn="r" rtl="0">
+              <a:spcBef>
+                <a:spcPts val="0"/>
+              </a:spcBef>
+              <a:spcAft>
+                <a:spcPts val="0"/>
+              </a:spcAft>
+              <a:buSzPts val="2400"/>
+              <a:buNone/>
+              <a:defRPr sz="3200"/>
+            </a:lvl8pPr>
+            <a:lvl9pPr lvl="8" algn="r" rtl="0">
+              <a:spcBef>
+                <a:spcPts val="0"/>
+              </a:spcBef>
+              <a:spcAft>
+                <a:spcPts val="0"/>
+              </a:spcAft>
+              <a:buSzPts val="2400"/>
+              <a:buNone/>
+              <a:defRPr sz="3200"/>
+            </a:lvl9pPr>
+          </a:lstStyle>
+          <a:p>
+            <a:r>
+              <a:rPr lang="en-US"/>
+              <a:t>Click to edit Master title style</a:t>
+            </a:r>
+            <a:endParaRPr/>
+          </a:p>
+        </p:txBody>
+      </p:sp>
+    </p:spTree>
+    <p:extLst>
+      <p:ext uri="{BB962C8B-B14F-4D97-AF65-F5344CB8AC3E}">
+        <p14:creationId xmlns:p14="http://schemas.microsoft.com/office/powerpoint/2010/main" val="114729474"/>
       </p:ext>
     </p:extLst>
   </p:cSld>
@@ -874,7 +1523,7 @@
           <a:p>
             <a:fld id="{977A8715-1F4D-4642-A259-8A7B8E15AED0}" type="datetimeFigureOut">
               <a:rPr lang="en-GB" smtClean="0"/>
-              <a:t>08/10/2023</a:t>
+              <a:t>12/10/2023</a:t>
             </a:fld>
             <a:endParaRPr lang="en-GB"/>
           </a:p>
@@ -1150,7 +1799,7 @@
           <a:p>
             <a:fld id="{977A8715-1F4D-4642-A259-8A7B8E15AED0}" type="datetimeFigureOut">
               <a:rPr lang="en-GB" smtClean="0"/>
-              <a:t>08/10/2023</a:t>
+              <a:t>12/10/2023</a:t>
             </a:fld>
             <a:endParaRPr lang="en-GB"/>
           </a:p>
@@ -1418,7 +2067,7 @@
           <a:p>
             <a:fld id="{977A8715-1F4D-4642-A259-8A7B8E15AED0}" type="datetimeFigureOut">
               <a:rPr lang="en-GB" smtClean="0"/>
-              <a:t>08/10/2023</a:t>
+              <a:t>12/10/2023</a:t>
             </a:fld>
             <a:endParaRPr lang="en-GB"/>
           </a:p>
@@ -1833,7 +2482,7 @@
           <a:p>
             <a:fld id="{977A8715-1F4D-4642-A259-8A7B8E15AED0}" type="datetimeFigureOut">
               <a:rPr lang="en-GB" smtClean="0"/>
-              <a:t>08/10/2023</a:t>
+              <a:t>12/10/2023</a:t>
             </a:fld>
             <a:endParaRPr lang="en-GB"/>
           </a:p>
@@ -1975,7 +2624,7 @@
           <a:p>
             <a:fld id="{977A8715-1F4D-4642-A259-8A7B8E15AED0}" type="datetimeFigureOut">
               <a:rPr lang="en-GB" smtClean="0"/>
-              <a:t>08/10/2023</a:t>
+              <a:t>12/10/2023</a:t>
             </a:fld>
             <a:endParaRPr lang="en-GB"/>
           </a:p>
@@ -2088,7 +2737,7 @@
           <a:p>
             <a:fld id="{977A8715-1F4D-4642-A259-8A7B8E15AED0}" type="datetimeFigureOut">
               <a:rPr lang="en-GB" smtClean="0"/>
-              <a:t>08/10/2023</a:t>
+              <a:t>12/10/2023</a:t>
             </a:fld>
             <a:endParaRPr lang="en-GB"/>
           </a:p>
@@ -2401,7 +3050,7 @@
           <a:p>
             <a:fld id="{977A8715-1F4D-4642-A259-8A7B8E15AED0}" type="datetimeFigureOut">
               <a:rPr lang="en-GB" smtClean="0"/>
-              <a:t>08/10/2023</a:t>
+              <a:t>12/10/2023</a:t>
             </a:fld>
             <a:endParaRPr lang="en-GB"/>
           </a:p>
@@ -2690,7 +3339,7 @@
           <a:p>
             <a:fld id="{977A8715-1F4D-4642-A259-8A7B8E15AED0}" type="datetimeFigureOut">
               <a:rPr lang="en-GB" smtClean="0"/>
-              <a:t>08/10/2023</a:t>
+              <a:t>12/10/2023</a:t>
             </a:fld>
             <a:endParaRPr lang="en-GB"/>
           </a:p>
@@ -2933,7 +3582,7 @@
           <a:p>
             <a:fld id="{977A8715-1F4D-4642-A259-8A7B8E15AED0}" type="datetimeFigureOut">
               <a:rPr lang="en-GB" smtClean="0"/>
-              <a:t>08/10/2023</a:t>
+              <a:t>12/10/2023</a:t>
             </a:fld>
             <a:endParaRPr lang="en-GB"/>
           </a:p>
@@ -3049,6 +3698,7 @@
     <p:sldLayoutId id="2147483657" r:id="rId9"/>
     <p:sldLayoutId id="2147483658" r:id="rId10"/>
     <p:sldLayoutId id="2147483659" r:id="rId11"/>
+    <p:sldLayoutId id="2147483660" r:id="rId12"/>
   </p:sldLayoutIdLst>
   <p:txStyles>
     <p:titleStyle>
@@ -3352,10 +4002,3160 @@
       </p:grpSpPr>
       <p:pic>
         <p:nvPicPr>
-          <p:cNvPr id="5" name="Picture 4" descr="A graph of different colored rectangular shapes&#10;&#10;Description automatically generated with medium confidence">
-            <a:extLst>
-              <a:ext uri="{FF2B5EF4-FFF2-40B4-BE49-F238E27FC236}">
-                <a16:creationId xmlns:a16="http://schemas.microsoft.com/office/drawing/2014/main" id="{876A56F2-8B0F-FDB4-3A4F-1FD960252174}"/>
+          <p:cNvPr id="1026" name="Picture 2" descr="Python GUI Programming With Tkinter – Real Python">
+            <a:extLst>
+              <a:ext uri="{FF2B5EF4-FFF2-40B4-BE49-F238E27FC236}">
+                <a16:creationId xmlns:a16="http://schemas.microsoft.com/office/drawing/2014/main" id="{ABD36FC3-881B-1F5D-21FF-FF5E2164AA09}"/>
+              </a:ext>
+            </a:extLst>
+          </p:cNvPr>
+          <p:cNvPicPr>
+            <a:picLocks noChangeAspect="1" noChangeArrowheads="1"/>
+          </p:cNvPicPr>
+          <p:nvPr/>
+        </p:nvPicPr>
+        <p:blipFill rotWithShape="1">
+          <a:blip r:embed="rId2">
+            <a:extLst>
+              <a:ext uri="{28A0092B-C50C-407E-A947-70E740481C1C}">
+                <a14:useLocalDpi xmlns:a14="http://schemas.microsoft.com/office/drawing/2010/main" val="0"/>
+              </a:ext>
+            </a:extLst>
+          </a:blip>
+          <a:srcRect t="1438" r="1" b="1"/>
+          <a:stretch/>
+        </p:blipFill>
+        <p:spPr bwMode="auto">
+          <a:xfrm>
+            <a:off x="0" y="0"/>
+            <a:ext cx="12192000" cy="6858000"/>
+          </a:xfrm>
+          <a:prstGeom prst="rect">
+            <a:avLst/>
+          </a:prstGeom>
+          <a:noFill/>
+          <a:extLst>
+            <a:ext uri="{909E8E84-426E-40DD-AFC4-6F175D3DCCD1}">
+              <a14:hiddenFill xmlns:a14="http://schemas.microsoft.com/office/drawing/2010/main">
+                <a:solidFill>
+                  <a:srgbClr val="FFFFFF"/>
+                </a:solidFill>
+              </a14:hiddenFill>
+            </a:ext>
+          </a:extLst>
+        </p:spPr>
+      </p:pic>
+      <p:sp>
+        <p:nvSpPr>
+          <p:cNvPr id="4" name="TextBox 3">
+            <a:extLst>
+              <a:ext uri="{FF2B5EF4-FFF2-40B4-BE49-F238E27FC236}">
+                <a16:creationId xmlns:a16="http://schemas.microsoft.com/office/drawing/2014/main" id="{75C651FE-B823-1AEF-07A8-02A6422E73E7}"/>
+              </a:ext>
+            </a:extLst>
+          </p:cNvPr>
+          <p:cNvSpPr txBox="1"/>
+          <p:nvPr/>
+        </p:nvSpPr>
+        <p:spPr>
+          <a:xfrm>
+            <a:off x="717970" y="6034116"/>
+            <a:ext cx="8012130" cy="584775"/>
+          </a:xfrm>
+          <a:prstGeom prst="rect">
+            <a:avLst/>
+          </a:prstGeom>
+          <a:noFill/>
+        </p:spPr>
+        <p:txBody>
+          <a:bodyPr wrap="none" rtlCol="0">
+            <a:spAutoFit/>
+          </a:bodyPr>
+          <a:lstStyle/>
+          <a:p>
+            <a:pPr>
+              <a:spcAft>
+                <a:spcPts val="600"/>
+              </a:spcAft>
+            </a:pPr>
+            <a:r>
+              <a:rPr lang="tr-TR" sz="3200" b="1" i="0" u="none" strike="noStrike" cap="none" dirty="0">
+                <a:solidFill>
+                  <a:srgbClr val="153448"/>
+                </a:solidFill>
+                <a:latin typeface="Bradley Hand ITC" panose="03070402050302030203" pitchFamily="66" charset="0"/>
+                <a:ea typeface="Arial"/>
+                <a:cs typeface="Arial"/>
+                <a:sym typeface="Arial"/>
+              </a:rPr>
+              <a:t>Süleyman Bozkurt – </a:t>
+            </a:r>
+            <a:r>
+              <a:rPr lang="en-US" sz="2400" b="1" i="0" u="none" strike="noStrike" cap="none" dirty="0" err="1">
+                <a:solidFill>
+                  <a:schemeClr val="accent2">
+                    <a:lumMod val="50000"/>
+                  </a:schemeClr>
+                </a:solidFill>
+                <a:latin typeface="Arial"/>
+                <a:ea typeface="Adobe Song Std L" panose="02020300000000000000" pitchFamily="18" charset="-128"/>
+                <a:cs typeface="Arial"/>
+                <a:sym typeface="Arial"/>
+              </a:rPr>
+              <a:t>DynaTMT</a:t>
+            </a:r>
+            <a:r>
+              <a:rPr lang="en-US" sz="2400" b="1" i="0" u="none" strike="noStrike" cap="none" dirty="0">
+                <a:solidFill>
+                  <a:schemeClr val="accent2">
+                    <a:lumMod val="50000"/>
+                  </a:schemeClr>
+                </a:solidFill>
+                <a:latin typeface="Arial"/>
+                <a:ea typeface="Adobe Song Std L" panose="02020300000000000000" pitchFamily="18" charset="-128"/>
+                <a:cs typeface="Arial"/>
+                <a:sym typeface="Arial"/>
+              </a:rPr>
+              <a:t> changes-updates</a:t>
+            </a:r>
+            <a:endParaRPr lang="en-GB" sz="4000" b="1" dirty="0">
+              <a:solidFill>
+                <a:srgbClr val="153448"/>
+              </a:solidFill>
+              <a:latin typeface="Bradley Hand ITC" panose="03070402050302030203" pitchFamily="66" charset="0"/>
+            </a:endParaRPr>
+          </a:p>
+        </p:txBody>
+      </p:sp>
+    </p:spTree>
+    <p:extLst>
+      <p:ext uri="{BB962C8B-B14F-4D97-AF65-F5344CB8AC3E}">
+        <p14:creationId xmlns:p14="http://schemas.microsoft.com/office/powerpoint/2010/main" val="1524120394"/>
+      </p:ext>
+    </p:extLst>
+  </p:cSld>
+  <p:clrMapOvr>
+    <a:masterClrMapping/>
+  </p:clrMapOvr>
+</p:sld>
+</file>
+
+<file path=ppt/slides/slide10.xml><?xml version="1.0" encoding="utf-8"?>
+<p:sld xmlns:a="http://schemas.openxmlformats.org/drawingml/2006/main" xmlns:r="http://schemas.openxmlformats.org/officeDocument/2006/relationships" xmlns:p="http://schemas.openxmlformats.org/presentationml/2006/main">
+  <p:cSld>
+    <p:spTree>
+      <p:nvGrpSpPr>
+        <p:cNvPr id="1" name=""/>
+        <p:cNvGrpSpPr/>
+        <p:nvPr/>
+      </p:nvGrpSpPr>
+      <p:grpSpPr>
+        <a:xfrm>
+          <a:off x="0" y="0"/>
+          <a:ext cx="0" cy="0"/>
+          <a:chOff x="0" y="0"/>
+          <a:chExt cx="0" cy="0"/>
+        </a:xfrm>
+      </p:grpSpPr>
+      <p:pic>
+        <p:nvPicPr>
+          <p:cNvPr id="3" name="Picture 2">
+            <a:extLst>
+              <a:ext uri="{FF2B5EF4-FFF2-40B4-BE49-F238E27FC236}">
+                <a16:creationId xmlns:a16="http://schemas.microsoft.com/office/drawing/2014/main" id="{017480FA-D8BE-9D5C-90B2-299F9AE02DD6}"/>
+              </a:ext>
+            </a:extLst>
+          </p:cNvPr>
+          <p:cNvPicPr>
+            <a:picLocks noChangeAspect="1"/>
+          </p:cNvPicPr>
+          <p:nvPr/>
+        </p:nvPicPr>
+        <p:blipFill>
+          <a:blip r:embed="rId2"/>
+          <a:stretch>
+            <a:fillRect/>
+          </a:stretch>
+        </p:blipFill>
+        <p:spPr>
+          <a:xfrm>
+            <a:off x="1055043" y="1341508"/>
+            <a:ext cx="7430821" cy="4832869"/>
+          </a:xfrm>
+          <a:prstGeom prst="rect">
+            <a:avLst/>
+          </a:prstGeom>
+        </p:spPr>
+      </p:pic>
+      <p:sp>
+        <p:nvSpPr>
+          <p:cNvPr id="4" name="TextBox 3">
+            <a:extLst>
+              <a:ext uri="{FF2B5EF4-FFF2-40B4-BE49-F238E27FC236}">
+                <a16:creationId xmlns:a16="http://schemas.microsoft.com/office/drawing/2014/main" id="{28A29100-D925-B363-DC15-4D0EF367EBAB}"/>
+              </a:ext>
+            </a:extLst>
+          </p:cNvPr>
+          <p:cNvSpPr txBox="1"/>
+          <p:nvPr/>
+        </p:nvSpPr>
+        <p:spPr>
+          <a:xfrm>
+            <a:off x="8485864" y="1561122"/>
+            <a:ext cx="2577950" cy="646331"/>
+          </a:xfrm>
+          <a:prstGeom prst="rect">
+            <a:avLst/>
+          </a:prstGeom>
+          <a:noFill/>
+        </p:spPr>
+        <p:txBody>
+          <a:bodyPr wrap="none" rtlCol="0">
+            <a:spAutoFit/>
+          </a:bodyPr>
+          <a:lstStyle/>
+          <a:p>
+            <a:r>
+              <a:rPr lang="en-GB" dirty="0"/>
+              <a:t>Number of PSMs: </a:t>
+            </a:r>
+            <a:r>
+              <a:rPr lang="en-GB" dirty="0">
+                <a:solidFill>
+                  <a:srgbClr val="FF0000"/>
+                </a:solidFill>
+              </a:rPr>
+              <a:t>59,832</a:t>
+            </a:r>
+            <a:r>
+              <a:rPr lang="en-GB" dirty="0"/>
+              <a:t> </a:t>
+            </a:r>
+          </a:p>
+          <a:p>
+            <a:r>
+              <a:rPr lang="en-GB" dirty="0"/>
+              <a:t>After baseline correction</a:t>
+            </a:r>
+          </a:p>
+        </p:txBody>
+      </p:sp>
+      <p:sp>
+        <p:nvSpPr>
+          <p:cNvPr id="8" name="Content Placeholder 2">
+            <a:extLst>
+              <a:ext uri="{FF2B5EF4-FFF2-40B4-BE49-F238E27FC236}">
+                <a16:creationId xmlns:a16="http://schemas.microsoft.com/office/drawing/2014/main" id="{AF4AFC18-C5A5-E864-52A0-20A005BA1C61}"/>
+              </a:ext>
+            </a:extLst>
+          </p:cNvPr>
+          <p:cNvSpPr txBox="1">
+            <a:spLocks/>
+          </p:cNvSpPr>
+          <p:nvPr/>
+        </p:nvSpPr>
+        <p:spPr>
+          <a:xfrm>
+            <a:off x="1128186" y="410298"/>
+            <a:ext cx="9935628" cy="424732"/>
+          </a:xfrm>
+          <a:prstGeom prst="rect">
+            <a:avLst/>
+          </a:prstGeom>
+          <a:noFill/>
+          <a:ln w="9525">
+            <a:noFill/>
+            <a:miter lim="800000"/>
+            <a:headEnd/>
+            <a:tailEnd/>
+          </a:ln>
+        </p:spPr>
+        <p:txBody>
+          <a:bodyPr vert="horz" wrap="square" lIns="91440" tIns="45720" rIns="91440" bIns="45720" rtlCol="0" anchor="ctr">
+            <a:spAutoFit/>
+          </a:bodyPr>
+          <a:lstStyle>
+            <a:defPPr>
+              <a:defRPr lang="en-US"/>
+            </a:defPPr>
+            <a:lvl1pPr>
+              <a:lnSpc>
+                <a:spcPct val="90000"/>
+              </a:lnSpc>
+              <a:spcBef>
+                <a:spcPct val="0"/>
+              </a:spcBef>
+              <a:defRPr sz="2800" b="1">
+                <a:solidFill>
+                  <a:schemeClr val="accent1"/>
+                </a:solidFill>
+                <a:latin typeface="Calibri" panose="020F0502020204030204" pitchFamily="34" charset="0"/>
+                <a:ea typeface="ＭＳ Ｐゴシック" panose="020B0600070205080204" pitchFamily="34" charset="-128"/>
+                <a:cs typeface="+mj-cs"/>
+              </a:defRPr>
+            </a:lvl1pPr>
+            <a:lvl2pPr marL="685800" indent="-228600" algn="l" defTabSz="914400" rtl="0" eaLnBrk="1" latinLnBrk="0" hangingPunct="1">
+              <a:lnSpc>
+                <a:spcPct val="90000"/>
+              </a:lnSpc>
+              <a:spcBef>
+                <a:spcPts val="500"/>
+              </a:spcBef>
+              <a:buFont typeface="Arial" panose="020B0604020202020204" pitchFamily="34" charset="0"/>
+              <a:buChar char="•"/>
+              <a:defRPr sz="2400" kern="1200">
+                <a:solidFill>
+                  <a:schemeClr val="tx1"/>
+                </a:solidFill>
+                <a:latin typeface="+mn-lt"/>
+                <a:ea typeface="+mn-ea"/>
+                <a:cs typeface="+mn-cs"/>
+              </a:defRPr>
+            </a:lvl2pPr>
+            <a:lvl3pPr marL="1143000" indent="-228600" algn="l" defTabSz="914400" rtl="0" eaLnBrk="1" latinLnBrk="0" hangingPunct="1">
+              <a:lnSpc>
+                <a:spcPct val="90000"/>
+              </a:lnSpc>
+              <a:spcBef>
+                <a:spcPts val="500"/>
+              </a:spcBef>
+              <a:buFont typeface="Arial" panose="020B0604020202020204" pitchFamily="34" charset="0"/>
+              <a:buChar char="•"/>
+              <a:defRPr sz="2000" kern="1200">
+                <a:solidFill>
+                  <a:schemeClr val="tx1"/>
+                </a:solidFill>
+                <a:latin typeface="+mn-lt"/>
+                <a:ea typeface="+mn-ea"/>
+                <a:cs typeface="+mn-cs"/>
+              </a:defRPr>
+            </a:lvl3pPr>
+            <a:lvl4pPr marL="1600200" indent="-228600" algn="l" defTabSz="914400" rtl="0" eaLnBrk="1" latinLnBrk="0" hangingPunct="1">
+              <a:lnSpc>
+                <a:spcPct val="90000"/>
+              </a:lnSpc>
+              <a:spcBef>
+                <a:spcPts val="500"/>
+              </a:spcBef>
+              <a:buFont typeface="Arial" panose="020B0604020202020204" pitchFamily="34" charset="0"/>
+              <a:buChar char="•"/>
+              <a:defRPr sz="1800" kern="1200">
+                <a:solidFill>
+                  <a:schemeClr val="tx1"/>
+                </a:solidFill>
+                <a:latin typeface="+mn-lt"/>
+                <a:ea typeface="+mn-ea"/>
+                <a:cs typeface="+mn-cs"/>
+              </a:defRPr>
+            </a:lvl4pPr>
+            <a:lvl5pPr marL="2057400" indent="-228600" algn="l" defTabSz="914400" rtl="0" eaLnBrk="1" latinLnBrk="0" hangingPunct="1">
+              <a:lnSpc>
+                <a:spcPct val="90000"/>
+              </a:lnSpc>
+              <a:spcBef>
+                <a:spcPts val="500"/>
+              </a:spcBef>
+              <a:buFont typeface="Arial" panose="020B0604020202020204" pitchFamily="34" charset="0"/>
+              <a:buChar char="•"/>
+              <a:defRPr sz="1800" kern="1200">
+                <a:solidFill>
+                  <a:schemeClr val="tx1"/>
+                </a:solidFill>
+                <a:latin typeface="+mn-lt"/>
+                <a:ea typeface="+mn-ea"/>
+                <a:cs typeface="+mn-cs"/>
+              </a:defRPr>
+            </a:lvl5pPr>
+            <a:lvl6pPr marL="2514600" indent="-228600" algn="l" defTabSz="914400" rtl="0" eaLnBrk="1" latinLnBrk="0" hangingPunct="1">
+              <a:lnSpc>
+                <a:spcPct val="90000"/>
+              </a:lnSpc>
+              <a:spcBef>
+                <a:spcPts val="500"/>
+              </a:spcBef>
+              <a:buFont typeface="Arial" panose="020B0604020202020204" pitchFamily="34" charset="0"/>
+              <a:buChar char="•"/>
+              <a:defRPr sz="1800" kern="1200">
+                <a:solidFill>
+                  <a:schemeClr val="tx1"/>
+                </a:solidFill>
+                <a:latin typeface="+mn-lt"/>
+                <a:ea typeface="+mn-ea"/>
+                <a:cs typeface="+mn-cs"/>
+              </a:defRPr>
+            </a:lvl6pPr>
+            <a:lvl7pPr marL="2971800" indent="-228600" algn="l" defTabSz="914400" rtl="0" eaLnBrk="1" latinLnBrk="0" hangingPunct="1">
+              <a:lnSpc>
+                <a:spcPct val="90000"/>
+              </a:lnSpc>
+              <a:spcBef>
+                <a:spcPts val="500"/>
+              </a:spcBef>
+              <a:buFont typeface="Arial" panose="020B0604020202020204" pitchFamily="34" charset="0"/>
+              <a:buChar char="•"/>
+              <a:defRPr sz="1800" kern="1200">
+                <a:solidFill>
+                  <a:schemeClr val="tx1"/>
+                </a:solidFill>
+                <a:latin typeface="+mn-lt"/>
+                <a:ea typeface="+mn-ea"/>
+                <a:cs typeface="+mn-cs"/>
+              </a:defRPr>
+            </a:lvl7pPr>
+            <a:lvl8pPr marL="3429000" indent="-228600" algn="l" defTabSz="914400" rtl="0" eaLnBrk="1" latinLnBrk="0" hangingPunct="1">
+              <a:lnSpc>
+                <a:spcPct val="90000"/>
+              </a:lnSpc>
+              <a:spcBef>
+                <a:spcPts val="500"/>
+              </a:spcBef>
+              <a:buFont typeface="Arial" panose="020B0604020202020204" pitchFamily="34" charset="0"/>
+              <a:buChar char="•"/>
+              <a:defRPr sz="1800" kern="1200">
+                <a:solidFill>
+                  <a:schemeClr val="tx1"/>
+                </a:solidFill>
+                <a:latin typeface="+mn-lt"/>
+                <a:ea typeface="+mn-ea"/>
+                <a:cs typeface="+mn-cs"/>
+              </a:defRPr>
+            </a:lvl8pPr>
+            <a:lvl9pPr marL="3886200" indent="-228600" algn="l" defTabSz="914400" rtl="0" eaLnBrk="1" latinLnBrk="0" hangingPunct="1">
+              <a:lnSpc>
+                <a:spcPct val="90000"/>
+              </a:lnSpc>
+              <a:spcBef>
+                <a:spcPts val="500"/>
+              </a:spcBef>
+              <a:buFont typeface="Arial" panose="020B0604020202020204" pitchFamily="34" charset="0"/>
+              <a:buChar char="•"/>
+              <a:defRPr sz="1800" kern="1200">
+                <a:solidFill>
+                  <a:schemeClr val="tx1"/>
+                </a:solidFill>
+                <a:latin typeface="+mn-lt"/>
+                <a:ea typeface="+mn-ea"/>
+                <a:cs typeface="+mn-cs"/>
+              </a:defRPr>
+            </a:lvl9pPr>
+          </a:lstStyle>
+          <a:p>
+            <a:r>
+              <a:rPr lang="en-GB" sz="2400" dirty="0">
+                <a:solidFill>
+                  <a:srgbClr val="002060"/>
+                </a:solidFill>
+                <a:latin typeface="Lora"/>
+              </a:rPr>
+              <a:t>Baseline correction old function 1 (peptide return) Result - filtered</a:t>
+            </a:r>
+          </a:p>
+        </p:txBody>
+      </p:sp>
+    </p:spTree>
+    <p:extLst>
+      <p:ext uri="{BB962C8B-B14F-4D97-AF65-F5344CB8AC3E}">
+        <p14:creationId xmlns:p14="http://schemas.microsoft.com/office/powerpoint/2010/main" val="3810733748"/>
+      </p:ext>
+    </p:extLst>
+  </p:cSld>
+  <p:clrMapOvr>
+    <a:masterClrMapping/>
+  </p:clrMapOvr>
+</p:sld>
+</file>
+
+<file path=ppt/slides/slide11.xml><?xml version="1.0" encoding="utf-8"?>
+<p:sld xmlns:a="http://schemas.openxmlformats.org/drawingml/2006/main" xmlns:r="http://schemas.openxmlformats.org/officeDocument/2006/relationships" xmlns:p="http://schemas.openxmlformats.org/presentationml/2006/main">
+  <p:cSld>
+    <p:spTree>
+      <p:nvGrpSpPr>
+        <p:cNvPr id="1" name=""/>
+        <p:cNvGrpSpPr/>
+        <p:nvPr/>
+      </p:nvGrpSpPr>
+      <p:grpSpPr>
+        <a:xfrm>
+          <a:off x="0" y="0"/>
+          <a:ext cx="0" cy="0"/>
+          <a:chOff x="0" y="0"/>
+          <a:chExt cx="0" cy="0"/>
+        </a:xfrm>
+      </p:grpSpPr>
+      <p:pic>
+        <p:nvPicPr>
+          <p:cNvPr id="3" name="Picture 2">
+            <a:extLst>
+              <a:ext uri="{FF2B5EF4-FFF2-40B4-BE49-F238E27FC236}">
+                <a16:creationId xmlns:a16="http://schemas.microsoft.com/office/drawing/2014/main" id="{0572AC8C-A8D0-BCFD-1952-4AEBFD7D0C33}"/>
+              </a:ext>
+            </a:extLst>
+          </p:cNvPr>
+          <p:cNvPicPr>
+            <a:picLocks noChangeAspect="1"/>
+          </p:cNvPicPr>
+          <p:nvPr/>
+        </p:nvPicPr>
+        <p:blipFill>
+          <a:blip r:embed="rId2"/>
+          <a:stretch>
+            <a:fillRect/>
+          </a:stretch>
+        </p:blipFill>
+        <p:spPr>
+          <a:xfrm>
+            <a:off x="825813" y="947057"/>
+            <a:ext cx="5270187" cy="5486400"/>
+          </a:xfrm>
+          <a:prstGeom prst="rect">
+            <a:avLst/>
+          </a:prstGeom>
+        </p:spPr>
+      </p:pic>
+      <p:sp>
+        <p:nvSpPr>
+          <p:cNvPr id="4" name="Content Placeholder 2">
+            <a:extLst>
+              <a:ext uri="{FF2B5EF4-FFF2-40B4-BE49-F238E27FC236}">
+                <a16:creationId xmlns:a16="http://schemas.microsoft.com/office/drawing/2014/main" id="{BB69C45C-EB26-05CF-797B-B0E11F380B39}"/>
+              </a:ext>
+            </a:extLst>
+          </p:cNvPr>
+          <p:cNvSpPr txBox="1">
+            <a:spLocks/>
+          </p:cNvSpPr>
+          <p:nvPr/>
+        </p:nvSpPr>
+        <p:spPr>
+          <a:xfrm>
+            <a:off x="1211343" y="296209"/>
+            <a:ext cx="9935628" cy="424732"/>
+          </a:xfrm>
+          <a:prstGeom prst="rect">
+            <a:avLst/>
+          </a:prstGeom>
+          <a:noFill/>
+          <a:ln w="9525">
+            <a:noFill/>
+            <a:miter lim="800000"/>
+            <a:headEnd/>
+            <a:tailEnd/>
+          </a:ln>
+        </p:spPr>
+        <p:txBody>
+          <a:bodyPr vert="horz" wrap="square" lIns="91440" tIns="45720" rIns="91440" bIns="45720" rtlCol="0" anchor="ctr">
+            <a:spAutoFit/>
+          </a:bodyPr>
+          <a:lstStyle>
+            <a:defPPr>
+              <a:defRPr lang="en-US"/>
+            </a:defPPr>
+            <a:lvl1pPr>
+              <a:lnSpc>
+                <a:spcPct val="90000"/>
+              </a:lnSpc>
+              <a:spcBef>
+                <a:spcPct val="0"/>
+              </a:spcBef>
+              <a:defRPr sz="2800" b="1">
+                <a:solidFill>
+                  <a:schemeClr val="accent1"/>
+                </a:solidFill>
+                <a:latin typeface="Calibri" panose="020F0502020204030204" pitchFamily="34" charset="0"/>
+                <a:ea typeface="ＭＳ Ｐゴシック" panose="020B0600070205080204" pitchFamily="34" charset="-128"/>
+                <a:cs typeface="+mj-cs"/>
+              </a:defRPr>
+            </a:lvl1pPr>
+            <a:lvl2pPr marL="685800" indent="-228600" algn="l" defTabSz="914400" rtl="0" eaLnBrk="1" latinLnBrk="0" hangingPunct="1">
+              <a:lnSpc>
+                <a:spcPct val="90000"/>
+              </a:lnSpc>
+              <a:spcBef>
+                <a:spcPts val="500"/>
+              </a:spcBef>
+              <a:buFont typeface="Arial" panose="020B0604020202020204" pitchFamily="34" charset="0"/>
+              <a:buChar char="•"/>
+              <a:defRPr sz="2400" kern="1200">
+                <a:solidFill>
+                  <a:schemeClr val="tx1"/>
+                </a:solidFill>
+                <a:latin typeface="+mn-lt"/>
+                <a:ea typeface="+mn-ea"/>
+                <a:cs typeface="+mn-cs"/>
+              </a:defRPr>
+            </a:lvl2pPr>
+            <a:lvl3pPr marL="1143000" indent="-228600" algn="l" defTabSz="914400" rtl="0" eaLnBrk="1" latinLnBrk="0" hangingPunct="1">
+              <a:lnSpc>
+                <a:spcPct val="90000"/>
+              </a:lnSpc>
+              <a:spcBef>
+                <a:spcPts val="500"/>
+              </a:spcBef>
+              <a:buFont typeface="Arial" panose="020B0604020202020204" pitchFamily="34" charset="0"/>
+              <a:buChar char="•"/>
+              <a:defRPr sz="2000" kern="1200">
+                <a:solidFill>
+                  <a:schemeClr val="tx1"/>
+                </a:solidFill>
+                <a:latin typeface="+mn-lt"/>
+                <a:ea typeface="+mn-ea"/>
+                <a:cs typeface="+mn-cs"/>
+              </a:defRPr>
+            </a:lvl3pPr>
+            <a:lvl4pPr marL="1600200" indent="-228600" algn="l" defTabSz="914400" rtl="0" eaLnBrk="1" latinLnBrk="0" hangingPunct="1">
+              <a:lnSpc>
+                <a:spcPct val="90000"/>
+              </a:lnSpc>
+              <a:spcBef>
+                <a:spcPts val="500"/>
+              </a:spcBef>
+              <a:buFont typeface="Arial" panose="020B0604020202020204" pitchFamily="34" charset="0"/>
+              <a:buChar char="•"/>
+              <a:defRPr sz="1800" kern="1200">
+                <a:solidFill>
+                  <a:schemeClr val="tx1"/>
+                </a:solidFill>
+                <a:latin typeface="+mn-lt"/>
+                <a:ea typeface="+mn-ea"/>
+                <a:cs typeface="+mn-cs"/>
+              </a:defRPr>
+            </a:lvl4pPr>
+            <a:lvl5pPr marL="2057400" indent="-228600" algn="l" defTabSz="914400" rtl="0" eaLnBrk="1" latinLnBrk="0" hangingPunct="1">
+              <a:lnSpc>
+                <a:spcPct val="90000"/>
+              </a:lnSpc>
+              <a:spcBef>
+                <a:spcPts val="500"/>
+              </a:spcBef>
+              <a:buFont typeface="Arial" panose="020B0604020202020204" pitchFamily="34" charset="0"/>
+              <a:buChar char="•"/>
+              <a:defRPr sz="1800" kern="1200">
+                <a:solidFill>
+                  <a:schemeClr val="tx1"/>
+                </a:solidFill>
+                <a:latin typeface="+mn-lt"/>
+                <a:ea typeface="+mn-ea"/>
+                <a:cs typeface="+mn-cs"/>
+              </a:defRPr>
+            </a:lvl5pPr>
+            <a:lvl6pPr marL="2514600" indent="-228600" algn="l" defTabSz="914400" rtl="0" eaLnBrk="1" latinLnBrk="0" hangingPunct="1">
+              <a:lnSpc>
+                <a:spcPct val="90000"/>
+              </a:lnSpc>
+              <a:spcBef>
+                <a:spcPts val="500"/>
+              </a:spcBef>
+              <a:buFont typeface="Arial" panose="020B0604020202020204" pitchFamily="34" charset="0"/>
+              <a:buChar char="•"/>
+              <a:defRPr sz="1800" kern="1200">
+                <a:solidFill>
+                  <a:schemeClr val="tx1"/>
+                </a:solidFill>
+                <a:latin typeface="+mn-lt"/>
+                <a:ea typeface="+mn-ea"/>
+                <a:cs typeface="+mn-cs"/>
+              </a:defRPr>
+            </a:lvl6pPr>
+            <a:lvl7pPr marL="2971800" indent="-228600" algn="l" defTabSz="914400" rtl="0" eaLnBrk="1" latinLnBrk="0" hangingPunct="1">
+              <a:lnSpc>
+                <a:spcPct val="90000"/>
+              </a:lnSpc>
+              <a:spcBef>
+                <a:spcPts val="500"/>
+              </a:spcBef>
+              <a:buFont typeface="Arial" panose="020B0604020202020204" pitchFamily="34" charset="0"/>
+              <a:buChar char="•"/>
+              <a:defRPr sz="1800" kern="1200">
+                <a:solidFill>
+                  <a:schemeClr val="tx1"/>
+                </a:solidFill>
+                <a:latin typeface="+mn-lt"/>
+                <a:ea typeface="+mn-ea"/>
+                <a:cs typeface="+mn-cs"/>
+              </a:defRPr>
+            </a:lvl7pPr>
+            <a:lvl8pPr marL="3429000" indent="-228600" algn="l" defTabSz="914400" rtl="0" eaLnBrk="1" latinLnBrk="0" hangingPunct="1">
+              <a:lnSpc>
+                <a:spcPct val="90000"/>
+              </a:lnSpc>
+              <a:spcBef>
+                <a:spcPts val="500"/>
+              </a:spcBef>
+              <a:buFont typeface="Arial" panose="020B0604020202020204" pitchFamily="34" charset="0"/>
+              <a:buChar char="•"/>
+              <a:defRPr sz="1800" kern="1200">
+                <a:solidFill>
+                  <a:schemeClr val="tx1"/>
+                </a:solidFill>
+                <a:latin typeface="+mn-lt"/>
+                <a:ea typeface="+mn-ea"/>
+                <a:cs typeface="+mn-cs"/>
+              </a:defRPr>
+            </a:lvl8pPr>
+            <a:lvl9pPr marL="3886200" indent="-228600" algn="l" defTabSz="914400" rtl="0" eaLnBrk="1" latinLnBrk="0" hangingPunct="1">
+              <a:lnSpc>
+                <a:spcPct val="90000"/>
+              </a:lnSpc>
+              <a:spcBef>
+                <a:spcPts val="500"/>
+              </a:spcBef>
+              <a:buFont typeface="Arial" panose="020B0604020202020204" pitchFamily="34" charset="0"/>
+              <a:buChar char="•"/>
+              <a:defRPr sz="1800" kern="1200">
+                <a:solidFill>
+                  <a:schemeClr val="tx1"/>
+                </a:solidFill>
+                <a:latin typeface="+mn-lt"/>
+                <a:ea typeface="+mn-ea"/>
+                <a:cs typeface="+mn-cs"/>
+              </a:defRPr>
+            </a:lvl9pPr>
+          </a:lstStyle>
+          <a:p>
+            <a:r>
+              <a:rPr lang="en-GB" sz="2400" dirty="0">
+                <a:solidFill>
+                  <a:srgbClr val="002060"/>
+                </a:solidFill>
+                <a:latin typeface="Lora"/>
+              </a:rPr>
+              <a:t>Baseline correction old function 2 (protein return)</a:t>
+            </a:r>
+          </a:p>
+        </p:txBody>
+      </p:sp>
+      <p:pic>
+        <p:nvPicPr>
+          <p:cNvPr id="5" name="Picture 4">
+            <a:extLst>
+              <a:ext uri="{FF2B5EF4-FFF2-40B4-BE49-F238E27FC236}">
+                <a16:creationId xmlns:a16="http://schemas.microsoft.com/office/drawing/2014/main" id="{94DBC3B6-48CA-9508-6DAD-90A96F76D83A}"/>
+              </a:ext>
+            </a:extLst>
+          </p:cNvPr>
+          <p:cNvPicPr>
+            <a:picLocks noChangeAspect="1"/>
+          </p:cNvPicPr>
+          <p:nvPr/>
+        </p:nvPicPr>
+        <p:blipFill>
+          <a:blip r:embed="rId3"/>
+          <a:stretch>
+            <a:fillRect/>
+          </a:stretch>
+        </p:blipFill>
+        <p:spPr>
+          <a:xfrm>
+            <a:off x="9214199" y="792047"/>
+            <a:ext cx="2903039" cy="5599228"/>
+          </a:xfrm>
+          <a:prstGeom prst="rect">
+            <a:avLst/>
+          </a:prstGeom>
+        </p:spPr>
+      </p:pic>
+      <p:sp>
+        <p:nvSpPr>
+          <p:cNvPr id="6" name="Arrow: Right 5">
+            <a:extLst>
+              <a:ext uri="{FF2B5EF4-FFF2-40B4-BE49-F238E27FC236}">
+                <a16:creationId xmlns:a16="http://schemas.microsoft.com/office/drawing/2014/main" id="{94682523-9037-D77A-1EDC-665C2662AABD}"/>
+              </a:ext>
+            </a:extLst>
+          </p:cNvPr>
+          <p:cNvSpPr/>
+          <p:nvPr/>
+        </p:nvSpPr>
+        <p:spPr>
+          <a:xfrm>
+            <a:off x="8957024" y="4668978"/>
+            <a:ext cx="257175" cy="285750"/>
+          </a:xfrm>
+          <a:prstGeom prst="rightArrow">
+            <a:avLst/>
+          </a:prstGeom>
+          <a:solidFill>
+            <a:srgbClr val="FF0000"/>
+          </a:solidFill>
+          <a:ln>
+            <a:solidFill>
+              <a:schemeClr val="bg1"/>
+            </a:solidFill>
+          </a:ln>
+        </p:spPr>
+        <p:style>
+          <a:lnRef idx="2">
+            <a:schemeClr val="accent1">
+              <a:shade val="15000"/>
+            </a:schemeClr>
+          </a:lnRef>
+          <a:fillRef idx="1">
+            <a:schemeClr val="accent1"/>
+          </a:fillRef>
+          <a:effectRef idx="0">
+            <a:schemeClr val="accent1"/>
+          </a:effectRef>
+          <a:fontRef idx="minor">
+            <a:schemeClr val="lt1"/>
+          </a:fontRef>
+        </p:style>
+        <p:txBody>
+          <a:bodyPr rtlCol="0" anchor="ctr"/>
+          <a:lstStyle/>
+          <a:p>
+            <a:pPr algn="ctr"/>
+            <a:endParaRPr lang="en-GB"/>
+          </a:p>
+        </p:txBody>
+      </p:sp>
+    </p:spTree>
+    <p:extLst>
+      <p:ext uri="{BB962C8B-B14F-4D97-AF65-F5344CB8AC3E}">
+        <p14:creationId xmlns:p14="http://schemas.microsoft.com/office/powerpoint/2010/main" val="3567066068"/>
+      </p:ext>
+    </p:extLst>
+  </p:cSld>
+  <p:clrMapOvr>
+    <a:masterClrMapping/>
+  </p:clrMapOvr>
+</p:sld>
+</file>
+
+<file path=ppt/slides/slide12.xml><?xml version="1.0" encoding="utf-8"?>
+<p:sld xmlns:a="http://schemas.openxmlformats.org/drawingml/2006/main" xmlns:r="http://schemas.openxmlformats.org/officeDocument/2006/relationships" xmlns:p="http://schemas.openxmlformats.org/presentationml/2006/main">
+  <p:cSld>
+    <p:spTree>
+      <p:nvGrpSpPr>
+        <p:cNvPr id="1" name=""/>
+        <p:cNvGrpSpPr/>
+        <p:nvPr/>
+      </p:nvGrpSpPr>
+      <p:grpSpPr>
+        <a:xfrm>
+          <a:off x="0" y="0"/>
+          <a:ext cx="0" cy="0"/>
+          <a:chOff x="0" y="0"/>
+          <a:chExt cx="0" cy="0"/>
+        </a:xfrm>
+      </p:grpSpPr>
+      <p:pic>
+        <p:nvPicPr>
+          <p:cNvPr id="3" name="Picture 2">
+            <a:extLst>
+              <a:ext uri="{FF2B5EF4-FFF2-40B4-BE49-F238E27FC236}">
+                <a16:creationId xmlns:a16="http://schemas.microsoft.com/office/drawing/2014/main" id="{F8277D32-C4E6-FCB1-AAC0-AD51FD930025}"/>
+              </a:ext>
+            </a:extLst>
+          </p:cNvPr>
+          <p:cNvPicPr>
+            <a:picLocks noChangeAspect="1"/>
+          </p:cNvPicPr>
+          <p:nvPr/>
+        </p:nvPicPr>
+        <p:blipFill>
+          <a:blip r:embed="rId2"/>
+          <a:stretch>
+            <a:fillRect/>
+          </a:stretch>
+        </p:blipFill>
+        <p:spPr>
+          <a:xfrm>
+            <a:off x="699766" y="1349830"/>
+            <a:ext cx="7090255" cy="4868090"/>
+          </a:xfrm>
+          <a:prstGeom prst="rect">
+            <a:avLst/>
+          </a:prstGeom>
+        </p:spPr>
+      </p:pic>
+      <p:sp>
+        <p:nvSpPr>
+          <p:cNvPr id="4" name="TextBox 3">
+            <a:extLst>
+              <a:ext uri="{FF2B5EF4-FFF2-40B4-BE49-F238E27FC236}">
+                <a16:creationId xmlns:a16="http://schemas.microsoft.com/office/drawing/2014/main" id="{17AE8B0C-50AE-6052-9F1C-298F78D77103}"/>
+              </a:ext>
+            </a:extLst>
+          </p:cNvPr>
+          <p:cNvSpPr txBox="1"/>
+          <p:nvPr/>
+        </p:nvSpPr>
+        <p:spPr>
+          <a:xfrm>
+            <a:off x="8064137" y="1534997"/>
+            <a:ext cx="2577950" cy="646331"/>
+          </a:xfrm>
+          <a:prstGeom prst="rect">
+            <a:avLst/>
+          </a:prstGeom>
+          <a:noFill/>
+        </p:spPr>
+        <p:txBody>
+          <a:bodyPr wrap="none" rtlCol="0">
+            <a:spAutoFit/>
+          </a:bodyPr>
+          <a:lstStyle/>
+          <a:p>
+            <a:r>
+              <a:rPr lang="en-GB" dirty="0"/>
+              <a:t>Number of PSMs: </a:t>
+            </a:r>
+            <a:r>
+              <a:rPr lang="en-GB" dirty="0">
+                <a:solidFill>
+                  <a:srgbClr val="FF0000"/>
+                </a:solidFill>
+              </a:rPr>
+              <a:t>5,466</a:t>
+            </a:r>
+            <a:r>
+              <a:rPr lang="en-GB" dirty="0"/>
+              <a:t> </a:t>
+            </a:r>
+          </a:p>
+          <a:p>
+            <a:r>
+              <a:rPr lang="en-GB" dirty="0"/>
+              <a:t>After baseline correction</a:t>
+            </a:r>
+          </a:p>
+        </p:txBody>
+      </p:sp>
+      <p:sp>
+        <p:nvSpPr>
+          <p:cNvPr id="5" name="Content Placeholder 2">
+            <a:extLst>
+              <a:ext uri="{FF2B5EF4-FFF2-40B4-BE49-F238E27FC236}">
+                <a16:creationId xmlns:a16="http://schemas.microsoft.com/office/drawing/2014/main" id="{80D1E99E-1C61-CA7F-F7F9-07943EDDDB54}"/>
+              </a:ext>
+            </a:extLst>
+          </p:cNvPr>
+          <p:cNvSpPr txBox="1">
+            <a:spLocks/>
+          </p:cNvSpPr>
+          <p:nvPr/>
+        </p:nvSpPr>
+        <p:spPr>
+          <a:xfrm>
+            <a:off x="1128186" y="409421"/>
+            <a:ext cx="9935628" cy="424732"/>
+          </a:xfrm>
+          <a:prstGeom prst="rect">
+            <a:avLst/>
+          </a:prstGeom>
+          <a:noFill/>
+          <a:ln w="9525">
+            <a:noFill/>
+            <a:miter lim="800000"/>
+            <a:headEnd/>
+            <a:tailEnd/>
+          </a:ln>
+        </p:spPr>
+        <p:txBody>
+          <a:bodyPr vert="horz" wrap="square" lIns="91440" tIns="45720" rIns="91440" bIns="45720" rtlCol="0" anchor="ctr">
+            <a:spAutoFit/>
+          </a:bodyPr>
+          <a:lstStyle>
+            <a:defPPr>
+              <a:defRPr lang="en-US"/>
+            </a:defPPr>
+            <a:lvl1pPr>
+              <a:lnSpc>
+                <a:spcPct val="90000"/>
+              </a:lnSpc>
+              <a:spcBef>
+                <a:spcPct val="0"/>
+              </a:spcBef>
+              <a:defRPr sz="2800" b="1">
+                <a:solidFill>
+                  <a:schemeClr val="accent1"/>
+                </a:solidFill>
+                <a:latin typeface="Calibri" panose="020F0502020204030204" pitchFamily="34" charset="0"/>
+                <a:ea typeface="ＭＳ Ｐゴシック" panose="020B0600070205080204" pitchFamily="34" charset="-128"/>
+                <a:cs typeface="+mj-cs"/>
+              </a:defRPr>
+            </a:lvl1pPr>
+            <a:lvl2pPr marL="685800" indent="-228600" algn="l" defTabSz="914400" rtl="0" eaLnBrk="1" latinLnBrk="0" hangingPunct="1">
+              <a:lnSpc>
+                <a:spcPct val="90000"/>
+              </a:lnSpc>
+              <a:spcBef>
+                <a:spcPts val="500"/>
+              </a:spcBef>
+              <a:buFont typeface="Arial" panose="020B0604020202020204" pitchFamily="34" charset="0"/>
+              <a:buChar char="•"/>
+              <a:defRPr sz="2400" kern="1200">
+                <a:solidFill>
+                  <a:schemeClr val="tx1"/>
+                </a:solidFill>
+                <a:latin typeface="+mn-lt"/>
+                <a:ea typeface="+mn-ea"/>
+                <a:cs typeface="+mn-cs"/>
+              </a:defRPr>
+            </a:lvl2pPr>
+            <a:lvl3pPr marL="1143000" indent="-228600" algn="l" defTabSz="914400" rtl="0" eaLnBrk="1" latinLnBrk="0" hangingPunct="1">
+              <a:lnSpc>
+                <a:spcPct val="90000"/>
+              </a:lnSpc>
+              <a:spcBef>
+                <a:spcPts val="500"/>
+              </a:spcBef>
+              <a:buFont typeface="Arial" panose="020B0604020202020204" pitchFamily="34" charset="0"/>
+              <a:buChar char="•"/>
+              <a:defRPr sz="2000" kern="1200">
+                <a:solidFill>
+                  <a:schemeClr val="tx1"/>
+                </a:solidFill>
+                <a:latin typeface="+mn-lt"/>
+                <a:ea typeface="+mn-ea"/>
+                <a:cs typeface="+mn-cs"/>
+              </a:defRPr>
+            </a:lvl3pPr>
+            <a:lvl4pPr marL="1600200" indent="-228600" algn="l" defTabSz="914400" rtl="0" eaLnBrk="1" latinLnBrk="0" hangingPunct="1">
+              <a:lnSpc>
+                <a:spcPct val="90000"/>
+              </a:lnSpc>
+              <a:spcBef>
+                <a:spcPts val="500"/>
+              </a:spcBef>
+              <a:buFont typeface="Arial" panose="020B0604020202020204" pitchFamily="34" charset="0"/>
+              <a:buChar char="•"/>
+              <a:defRPr sz="1800" kern="1200">
+                <a:solidFill>
+                  <a:schemeClr val="tx1"/>
+                </a:solidFill>
+                <a:latin typeface="+mn-lt"/>
+                <a:ea typeface="+mn-ea"/>
+                <a:cs typeface="+mn-cs"/>
+              </a:defRPr>
+            </a:lvl4pPr>
+            <a:lvl5pPr marL="2057400" indent="-228600" algn="l" defTabSz="914400" rtl="0" eaLnBrk="1" latinLnBrk="0" hangingPunct="1">
+              <a:lnSpc>
+                <a:spcPct val="90000"/>
+              </a:lnSpc>
+              <a:spcBef>
+                <a:spcPts val="500"/>
+              </a:spcBef>
+              <a:buFont typeface="Arial" panose="020B0604020202020204" pitchFamily="34" charset="0"/>
+              <a:buChar char="•"/>
+              <a:defRPr sz="1800" kern="1200">
+                <a:solidFill>
+                  <a:schemeClr val="tx1"/>
+                </a:solidFill>
+                <a:latin typeface="+mn-lt"/>
+                <a:ea typeface="+mn-ea"/>
+                <a:cs typeface="+mn-cs"/>
+              </a:defRPr>
+            </a:lvl5pPr>
+            <a:lvl6pPr marL="2514600" indent="-228600" algn="l" defTabSz="914400" rtl="0" eaLnBrk="1" latinLnBrk="0" hangingPunct="1">
+              <a:lnSpc>
+                <a:spcPct val="90000"/>
+              </a:lnSpc>
+              <a:spcBef>
+                <a:spcPts val="500"/>
+              </a:spcBef>
+              <a:buFont typeface="Arial" panose="020B0604020202020204" pitchFamily="34" charset="0"/>
+              <a:buChar char="•"/>
+              <a:defRPr sz="1800" kern="1200">
+                <a:solidFill>
+                  <a:schemeClr val="tx1"/>
+                </a:solidFill>
+                <a:latin typeface="+mn-lt"/>
+                <a:ea typeface="+mn-ea"/>
+                <a:cs typeface="+mn-cs"/>
+              </a:defRPr>
+            </a:lvl6pPr>
+            <a:lvl7pPr marL="2971800" indent="-228600" algn="l" defTabSz="914400" rtl="0" eaLnBrk="1" latinLnBrk="0" hangingPunct="1">
+              <a:lnSpc>
+                <a:spcPct val="90000"/>
+              </a:lnSpc>
+              <a:spcBef>
+                <a:spcPts val="500"/>
+              </a:spcBef>
+              <a:buFont typeface="Arial" panose="020B0604020202020204" pitchFamily="34" charset="0"/>
+              <a:buChar char="•"/>
+              <a:defRPr sz="1800" kern="1200">
+                <a:solidFill>
+                  <a:schemeClr val="tx1"/>
+                </a:solidFill>
+                <a:latin typeface="+mn-lt"/>
+                <a:ea typeface="+mn-ea"/>
+                <a:cs typeface="+mn-cs"/>
+              </a:defRPr>
+            </a:lvl7pPr>
+            <a:lvl8pPr marL="3429000" indent="-228600" algn="l" defTabSz="914400" rtl="0" eaLnBrk="1" latinLnBrk="0" hangingPunct="1">
+              <a:lnSpc>
+                <a:spcPct val="90000"/>
+              </a:lnSpc>
+              <a:spcBef>
+                <a:spcPts val="500"/>
+              </a:spcBef>
+              <a:buFont typeface="Arial" panose="020B0604020202020204" pitchFamily="34" charset="0"/>
+              <a:buChar char="•"/>
+              <a:defRPr sz="1800" kern="1200">
+                <a:solidFill>
+                  <a:schemeClr val="tx1"/>
+                </a:solidFill>
+                <a:latin typeface="+mn-lt"/>
+                <a:ea typeface="+mn-ea"/>
+                <a:cs typeface="+mn-cs"/>
+              </a:defRPr>
+            </a:lvl8pPr>
+            <a:lvl9pPr marL="3886200" indent="-228600" algn="l" defTabSz="914400" rtl="0" eaLnBrk="1" latinLnBrk="0" hangingPunct="1">
+              <a:lnSpc>
+                <a:spcPct val="90000"/>
+              </a:lnSpc>
+              <a:spcBef>
+                <a:spcPts val="500"/>
+              </a:spcBef>
+              <a:buFont typeface="Arial" panose="020B0604020202020204" pitchFamily="34" charset="0"/>
+              <a:buChar char="•"/>
+              <a:defRPr sz="1800" kern="1200">
+                <a:solidFill>
+                  <a:schemeClr val="tx1"/>
+                </a:solidFill>
+                <a:latin typeface="+mn-lt"/>
+                <a:ea typeface="+mn-ea"/>
+                <a:cs typeface="+mn-cs"/>
+              </a:defRPr>
+            </a:lvl9pPr>
+          </a:lstStyle>
+          <a:p>
+            <a:r>
+              <a:rPr lang="en-GB" sz="2400" dirty="0">
+                <a:solidFill>
+                  <a:srgbClr val="002060"/>
+                </a:solidFill>
+                <a:latin typeface="Lora"/>
+              </a:rPr>
+              <a:t>Baseline correction old function 2 (protein return)</a:t>
+            </a:r>
+          </a:p>
+        </p:txBody>
+      </p:sp>
+    </p:spTree>
+    <p:extLst>
+      <p:ext uri="{BB962C8B-B14F-4D97-AF65-F5344CB8AC3E}">
+        <p14:creationId xmlns:p14="http://schemas.microsoft.com/office/powerpoint/2010/main" val="2367813587"/>
+      </p:ext>
+    </p:extLst>
+  </p:cSld>
+  <p:clrMapOvr>
+    <a:masterClrMapping/>
+  </p:clrMapOvr>
+</p:sld>
+</file>
+
+<file path=ppt/slides/slide13.xml><?xml version="1.0" encoding="utf-8"?>
+<p:sld xmlns:a="http://schemas.openxmlformats.org/drawingml/2006/main" xmlns:r="http://schemas.openxmlformats.org/officeDocument/2006/relationships" xmlns:p="http://schemas.openxmlformats.org/presentationml/2006/main">
+  <p:cSld>
+    <p:spTree>
+      <p:nvGrpSpPr>
+        <p:cNvPr id="1" name=""/>
+        <p:cNvGrpSpPr/>
+        <p:nvPr/>
+      </p:nvGrpSpPr>
+      <p:grpSpPr>
+        <a:xfrm>
+          <a:off x="0" y="0"/>
+          <a:ext cx="0" cy="0"/>
+          <a:chOff x="0" y="0"/>
+          <a:chExt cx="0" cy="0"/>
+        </a:xfrm>
+      </p:grpSpPr>
+      <p:pic>
+        <p:nvPicPr>
+          <p:cNvPr id="7" name="Picture 6">
+            <a:extLst>
+              <a:ext uri="{FF2B5EF4-FFF2-40B4-BE49-F238E27FC236}">
+                <a16:creationId xmlns:a16="http://schemas.microsoft.com/office/drawing/2014/main" id="{3D5890E1-FC29-00D1-E3A1-D2A2322C600C}"/>
+              </a:ext>
+            </a:extLst>
+          </p:cNvPr>
+          <p:cNvPicPr>
+            <a:picLocks noChangeAspect="1"/>
+          </p:cNvPicPr>
+          <p:nvPr/>
+        </p:nvPicPr>
+        <p:blipFill>
+          <a:blip r:embed="rId2"/>
+          <a:stretch>
+            <a:fillRect/>
+          </a:stretch>
+        </p:blipFill>
+        <p:spPr>
+          <a:xfrm>
+            <a:off x="837466" y="4787622"/>
+            <a:ext cx="10517068" cy="933580"/>
+          </a:xfrm>
+          <a:prstGeom prst="rect">
+            <a:avLst/>
+          </a:prstGeom>
+        </p:spPr>
+      </p:pic>
+      <p:pic>
+        <p:nvPicPr>
+          <p:cNvPr id="9" name="Picture 8">
+            <a:extLst>
+              <a:ext uri="{FF2B5EF4-FFF2-40B4-BE49-F238E27FC236}">
+                <a16:creationId xmlns:a16="http://schemas.microsoft.com/office/drawing/2014/main" id="{E2B7F55E-96FC-B495-BF8E-FA15F67C8DB2}"/>
+              </a:ext>
+            </a:extLst>
+          </p:cNvPr>
+          <p:cNvPicPr>
+            <a:picLocks noChangeAspect="1"/>
+          </p:cNvPicPr>
+          <p:nvPr/>
+        </p:nvPicPr>
+        <p:blipFill>
+          <a:blip r:embed="rId3"/>
+          <a:stretch>
+            <a:fillRect/>
+          </a:stretch>
+        </p:blipFill>
+        <p:spPr>
+          <a:xfrm>
+            <a:off x="929931" y="1429417"/>
+            <a:ext cx="9478698" cy="2152950"/>
+          </a:xfrm>
+          <a:prstGeom prst="rect">
+            <a:avLst/>
+          </a:prstGeom>
+        </p:spPr>
+      </p:pic>
+      <p:sp>
+        <p:nvSpPr>
+          <p:cNvPr id="10" name="TextBox 9">
+            <a:extLst>
+              <a:ext uri="{FF2B5EF4-FFF2-40B4-BE49-F238E27FC236}">
+                <a16:creationId xmlns:a16="http://schemas.microsoft.com/office/drawing/2014/main" id="{4B9B582A-0320-AA87-AA08-3EF228589E32}"/>
+              </a:ext>
+            </a:extLst>
+          </p:cNvPr>
+          <p:cNvSpPr txBox="1"/>
+          <p:nvPr/>
+        </p:nvSpPr>
+        <p:spPr>
+          <a:xfrm>
+            <a:off x="4362994" y="719898"/>
+            <a:ext cx="1212127" cy="369332"/>
+          </a:xfrm>
+          <a:prstGeom prst="rect">
+            <a:avLst/>
+          </a:prstGeom>
+          <a:noFill/>
+        </p:spPr>
+        <p:txBody>
+          <a:bodyPr wrap="none" rtlCol="0">
+            <a:spAutoFit/>
+          </a:bodyPr>
+          <a:lstStyle/>
+          <a:p>
+            <a:r>
+              <a:rPr lang="en-GB" b="1" dirty="0"/>
+              <a:t>PSMs level</a:t>
+            </a:r>
+          </a:p>
+        </p:txBody>
+      </p:sp>
+      <p:sp>
+        <p:nvSpPr>
+          <p:cNvPr id="11" name="TextBox 10">
+            <a:extLst>
+              <a:ext uri="{FF2B5EF4-FFF2-40B4-BE49-F238E27FC236}">
+                <a16:creationId xmlns:a16="http://schemas.microsoft.com/office/drawing/2014/main" id="{03A2BCB1-20A8-E7A4-E707-040FB394FFE5}"/>
+              </a:ext>
+            </a:extLst>
+          </p:cNvPr>
+          <p:cNvSpPr txBox="1"/>
+          <p:nvPr/>
+        </p:nvSpPr>
+        <p:spPr>
+          <a:xfrm>
+            <a:off x="4362994" y="4329601"/>
+            <a:ext cx="2030236" cy="369332"/>
+          </a:xfrm>
+          <a:prstGeom prst="rect">
+            <a:avLst/>
+          </a:prstGeom>
+          <a:noFill/>
+        </p:spPr>
+        <p:txBody>
+          <a:bodyPr wrap="none" rtlCol="0">
+            <a:spAutoFit/>
+          </a:bodyPr>
+          <a:lstStyle/>
+          <a:p>
+            <a:r>
+              <a:rPr lang="en-GB" b="1" dirty="0"/>
+              <a:t>Peptide group level</a:t>
+            </a:r>
+          </a:p>
+        </p:txBody>
+      </p:sp>
+    </p:spTree>
+    <p:extLst>
+      <p:ext uri="{BB962C8B-B14F-4D97-AF65-F5344CB8AC3E}">
+        <p14:creationId xmlns:p14="http://schemas.microsoft.com/office/powerpoint/2010/main" val="2593006057"/>
+      </p:ext>
+    </p:extLst>
+  </p:cSld>
+  <p:clrMapOvr>
+    <a:masterClrMapping/>
+  </p:clrMapOvr>
+</p:sld>
+</file>
+
+<file path=ppt/slides/slide14.xml><?xml version="1.0" encoding="utf-8"?>
+<p:sld xmlns:a="http://schemas.openxmlformats.org/drawingml/2006/main" xmlns:r="http://schemas.openxmlformats.org/officeDocument/2006/relationships" xmlns:p="http://schemas.openxmlformats.org/presentationml/2006/main">
+  <p:cSld>
+    <p:spTree>
+      <p:nvGrpSpPr>
+        <p:cNvPr id="1" name=""/>
+        <p:cNvGrpSpPr/>
+        <p:nvPr/>
+      </p:nvGrpSpPr>
+      <p:grpSpPr>
+        <a:xfrm>
+          <a:off x="0" y="0"/>
+          <a:ext cx="0" cy="0"/>
+          <a:chOff x="0" y="0"/>
+          <a:chExt cx="0" cy="0"/>
+        </a:xfrm>
+      </p:grpSpPr>
+      <p:pic>
+        <p:nvPicPr>
+          <p:cNvPr id="3" name="Picture 2">
+            <a:extLst>
+              <a:ext uri="{FF2B5EF4-FFF2-40B4-BE49-F238E27FC236}">
+                <a16:creationId xmlns:a16="http://schemas.microsoft.com/office/drawing/2014/main" id="{81B6E041-764C-A11F-6F0F-083011D5BF00}"/>
+              </a:ext>
+            </a:extLst>
+          </p:cNvPr>
+          <p:cNvPicPr>
+            <a:picLocks noChangeAspect="1"/>
+          </p:cNvPicPr>
+          <p:nvPr/>
+        </p:nvPicPr>
+        <p:blipFill>
+          <a:blip r:embed="rId2"/>
+          <a:stretch>
+            <a:fillRect/>
+          </a:stretch>
+        </p:blipFill>
+        <p:spPr>
+          <a:xfrm>
+            <a:off x="667420" y="1419499"/>
+            <a:ext cx="6920887" cy="4354284"/>
+          </a:xfrm>
+          <a:prstGeom prst="rect">
+            <a:avLst/>
+          </a:prstGeom>
+        </p:spPr>
+      </p:pic>
+      <p:sp>
+        <p:nvSpPr>
+          <p:cNvPr id="4" name="TextBox 3">
+            <a:extLst>
+              <a:ext uri="{FF2B5EF4-FFF2-40B4-BE49-F238E27FC236}">
+                <a16:creationId xmlns:a16="http://schemas.microsoft.com/office/drawing/2014/main" id="{4A8A7815-7C6B-76F5-3053-8D2DFE8A1477}"/>
+              </a:ext>
+            </a:extLst>
+          </p:cNvPr>
+          <p:cNvSpPr txBox="1"/>
+          <p:nvPr/>
+        </p:nvSpPr>
+        <p:spPr>
+          <a:xfrm>
+            <a:off x="8064137" y="1534997"/>
+            <a:ext cx="2577950" cy="646331"/>
+          </a:xfrm>
+          <a:prstGeom prst="rect">
+            <a:avLst/>
+          </a:prstGeom>
+          <a:noFill/>
+        </p:spPr>
+        <p:txBody>
+          <a:bodyPr wrap="none" rtlCol="0">
+            <a:spAutoFit/>
+          </a:bodyPr>
+          <a:lstStyle/>
+          <a:p>
+            <a:r>
+              <a:rPr lang="en-GB" dirty="0"/>
+              <a:t>Number of PSMs: </a:t>
+            </a:r>
+            <a:r>
+              <a:rPr lang="en-GB" dirty="0">
+                <a:solidFill>
+                  <a:srgbClr val="FF0000"/>
+                </a:solidFill>
+              </a:rPr>
+              <a:t>34,318</a:t>
+            </a:r>
+            <a:r>
+              <a:rPr lang="en-GB" dirty="0"/>
+              <a:t> </a:t>
+            </a:r>
+          </a:p>
+          <a:p>
+            <a:r>
+              <a:rPr lang="en-GB" dirty="0"/>
+              <a:t>After baseline correction</a:t>
+            </a:r>
+          </a:p>
+        </p:txBody>
+      </p:sp>
+      <p:sp>
+        <p:nvSpPr>
+          <p:cNvPr id="5" name="Content Placeholder 2">
+            <a:extLst>
+              <a:ext uri="{FF2B5EF4-FFF2-40B4-BE49-F238E27FC236}">
+                <a16:creationId xmlns:a16="http://schemas.microsoft.com/office/drawing/2014/main" id="{035278B6-2136-6BD4-33B0-4D9EEB4A20A4}"/>
+              </a:ext>
+            </a:extLst>
+          </p:cNvPr>
+          <p:cNvSpPr txBox="1">
+            <a:spLocks/>
+          </p:cNvSpPr>
+          <p:nvPr/>
+        </p:nvSpPr>
+        <p:spPr>
+          <a:xfrm>
+            <a:off x="1350681" y="418129"/>
+            <a:ext cx="9935628" cy="424732"/>
+          </a:xfrm>
+          <a:prstGeom prst="rect">
+            <a:avLst/>
+          </a:prstGeom>
+          <a:noFill/>
+          <a:ln w="9525">
+            <a:noFill/>
+            <a:miter lim="800000"/>
+            <a:headEnd/>
+            <a:tailEnd/>
+          </a:ln>
+        </p:spPr>
+        <p:txBody>
+          <a:bodyPr vert="horz" wrap="square" lIns="91440" tIns="45720" rIns="91440" bIns="45720" rtlCol="0" anchor="ctr">
+            <a:spAutoFit/>
+          </a:bodyPr>
+          <a:lstStyle>
+            <a:defPPr>
+              <a:defRPr lang="en-US"/>
+            </a:defPPr>
+            <a:lvl1pPr>
+              <a:lnSpc>
+                <a:spcPct val="90000"/>
+              </a:lnSpc>
+              <a:spcBef>
+                <a:spcPct val="0"/>
+              </a:spcBef>
+              <a:defRPr sz="2800" b="1">
+                <a:solidFill>
+                  <a:schemeClr val="accent1"/>
+                </a:solidFill>
+                <a:latin typeface="Calibri" panose="020F0502020204030204" pitchFamily="34" charset="0"/>
+                <a:ea typeface="ＭＳ Ｐゴシック" panose="020B0600070205080204" pitchFamily="34" charset="-128"/>
+                <a:cs typeface="+mj-cs"/>
+              </a:defRPr>
+            </a:lvl1pPr>
+            <a:lvl2pPr marL="685800" indent="-228600" algn="l" defTabSz="914400" rtl="0" eaLnBrk="1" latinLnBrk="0" hangingPunct="1">
+              <a:lnSpc>
+                <a:spcPct val="90000"/>
+              </a:lnSpc>
+              <a:spcBef>
+                <a:spcPts val="500"/>
+              </a:spcBef>
+              <a:buFont typeface="Arial" panose="020B0604020202020204" pitchFamily="34" charset="0"/>
+              <a:buChar char="•"/>
+              <a:defRPr sz="2400" kern="1200">
+                <a:solidFill>
+                  <a:schemeClr val="tx1"/>
+                </a:solidFill>
+                <a:latin typeface="+mn-lt"/>
+                <a:ea typeface="+mn-ea"/>
+                <a:cs typeface="+mn-cs"/>
+              </a:defRPr>
+            </a:lvl2pPr>
+            <a:lvl3pPr marL="1143000" indent="-228600" algn="l" defTabSz="914400" rtl="0" eaLnBrk="1" latinLnBrk="0" hangingPunct="1">
+              <a:lnSpc>
+                <a:spcPct val="90000"/>
+              </a:lnSpc>
+              <a:spcBef>
+                <a:spcPts val="500"/>
+              </a:spcBef>
+              <a:buFont typeface="Arial" panose="020B0604020202020204" pitchFamily="34" charset="0"/>
+              <a:buChar char="•"/>
+              <a:defRPr sz="2000" kern="1200">
+                <a:solidFill>
+                  <a:schemeClr val="tx1"/>
+                </a:solidFill>
+                <a:latin typeface="+mn-lt"/>
+                <a:ea typeface="+mn-ea"/>
+                <a:cs typeface="+mn-cs"/>
+              </a:defRPr>
+            </a:lvl3pPr>
+            <a:lvl4pPr marL="1600200" indent="-228600" algn="l" defTabSz="914400" rtl="0" eaLnBrk="1" latinLnBrk="0" hangingPunct="1">
+              <a:lnSpc>
+                <a:spcPct val="90000"/>
+              </a:lnSpc>
+              <a:spcBef>
+                <a:spcPts val="500"/>
+              </a:spcBef>
+              <a:buFont typeface="Arial" panose="020B0604020202020204" pitchFamily="34" charset="0"/>
+              <a:buChar char="•"/>
+              <a:defRPr sz="1800" kern="1200">
+                <a:solidFill>
+                  <a:schemeClr val="tx1"/>
+                </a:solidFill>
+                <a:latin typeface="+mn-lt"/>
+                <a:ea typeface="+mn-ea"/>
+                <a:cs typeface="+mn-cs"/>
+              </a:defRPr>
+            </a:lvl4pPr>
+            <a:lvl5pPr marL="2057400" indent="-228600" algn="l" defTabSz="914400" rtl="0" eaLnBrk="1" latinLnBrk="0" hangingPunct="1">
+              <a:lnSpc>
+                <a:spcPct val="90000"/>
+              </a:lnSpc>
+              <a:spcBef>
+                <a:spcPts val="500"/>
+              </a:spcBef>
+              <a:buFont typeface="Arial" panose="020B0604020202020204" pitchFamily="34" charset="0"/>
+              <a:buChar char="•"/>
+              <a:defRPr sz="1800" kern="1200">
+                <a:solidFill>
+                  <a:schemeClr val="tx1"/>
+                </a:solidFill>
+                <a:latin typeface="+mn-lt"/>
+                <a:ea typeface="+mn-ea"/>
+                <a:cs typeface="+mn-cs"/>
+              </a:defRPr>
+            </a:lvl5pPr>
+            <a:lvl6pPr marL="2514600" indent="-228600" algn="l" defTabSz="914400" rtl="0" eaLnBrk="1" latinLnBrk="0" hangingPunct="1">
+              <a:lnSpc>
+                <a:spcPct val="90000"/>
+              </a:lnSpc>
+              <a:spcBef>
+                <a:spcPts val="500"/>
+              </a:spcBef>
+              <a:buFont typeface="Arial" panose="020B0604020202020204" pitchFamily="34" charset="0"/>
+              <a:buChar char="•"/>
+              <a:defRPr sz="1800" kern="1200">
+                <a:solidFill>
+                  <a:schemeClr val="tx1"/>
+                </a:solidFill>
+                <a:latin typeface="+mn-lt"/>
+                <a:ea typeface="+mn-ea"/>
+                <a:cs typeface="+mn-cs"/>
+              </a:defRPr>
+            </a:lvl6pPr>
+            <a:lvl7pPr marL="2971800" indent="-228600" algn="l" defTabSz="914400" rtl="0" eaLnBrk="1" latinLnBrk="0" hangingPunct="1">
+              <a:lnSpc>
+                <a:spcPct val="90000"/>
+              </a:lnSpc>
+              <a:spcBef>
+                <a:spcPts val="500"/>
+              </a:spcBef>
+              <a:buFont typeface="Arial" panose="020B0604020202020204" pitchFamily="34" charset="0"/>
+              <a:buChar char="•"/>
+              <a:defRPr sz="1800" kern="1200">
+                <a:solidFill>
+                  <a:schemeClr val="tx1"/>
+                </a:solidFill>
+                <a:latin typeface="+mn-lt"/>
+                <a:ea typeface="+mn-ea"/>
+                <a:cs typeface="+mn-cs"/>
+              </a:defRPr>
+            </a:lvl7pPr>
+            <a:lvl8pPr marL="3429000" indent="-228600" algn="l" defTabSz="914400" rtl="0" eaLnBrk="1" latinLnBrk="0" hangingPunct="1">
+              <a:lnSpc>
+                <a:spcPct val="90000"/>
+              </a:lnSpc>
+              <a:spcBef>
+                <a:spcPts val="500"/>
+              </a:spcBef>
+              <a:buFont typeface="Arial" panose="020B0604020202020204" pitchFamily="34" charset="0"/>
+              <a:buChar char="•"/>
+              <a:defRPr sz="1800" kern="1200">
+                <a:solidFill>
+                  <a:schemeClr val="tx1"/>
+                </a:solidFill>
+                <a:latin typeface="+mn-lt"/>
+                <a:ea typeface="+mn-ea"/>
+                <a:cs typeface="+mn-cs"/>
+              </a:defRPr>
+            </a:lvl8pPr>
+            <a:lvl9pPr marL="3886200" indent="-228600" algn="l" defTabSz="914400" rtl="0" eaLnBrk="1" latinLnBrk="0" hangingPunct="1">
+              <a:lnSpc>
+                <a:spcPct val="90000"/>
+              </a:lnSpc>
+              <a:spcBef>
+                <a:spcPts val="500"/>
+              </a:spcBef>
+              <a:buFont typeface="Arial" panose="020B0604020202020204" pitchFamily="34" charset="0"/>
+              <a:buChar char="•"/>
+              <a:defRPr sz="1800" kern="1200">
+                <a:solidFill>
+                  <a:schemeClr val="tx1"/>
+                </a:solidFill>
+                <a:latin typeface="+mn-lt"/>
+                <a:ea typeface="+mn-ea"/>
+                <a:cs typeface="+mn-cs"/>
+              </a:defRPr>
+            </a:lvl9pPr>
+          </a:lstStyle>
+          <a:p>
+            <a:r>
+              <a:rPr lang="en-GB" sz="2400" dirty="0">
+                <a:solidFill>
+                  <a:srgbClr val="002060"/>
+                </a:solidFill>
+                <a:latin typeface="Lora"/>
+              </a:rPr>
+              <a:t>New Baseline correction function</a:t>
+            </a:r>
+          </a:p>
+        </p:txBody>
+      </p:sp>
+    </p:spTree>
+    <p:extLst>
+      <p:ext uri="{BB962C8B-B14F-4D97-AF65-F5344CB8AC3E}">
+        <p14:creationId xmlns:p14="http://schemas.microsoft.com/office/powerpoint/2010/main" val="3174701717"/>
+      </p:ext>
+    </p:extLst>
+  </p:cSld>
+  <p:clrMapOvr>
+    <a:masterClrMapping/>
+  </p:clrMapOvr>
+</p:sld>
+</file>
+
+<file path=ppt/slides/slide15.xml><?xml version="1.0" encoding="utf-8"?>
+<p:sld xmlns:a="http://schemas.openxmlformats.org/drawingml/2006/main" xmlns:r="http://schemas.openxmlformats.org/officeDocument/2006/relationships" xmlns:p="http://schemas.openxmlformats.org/presentationml/2006/main">
+  <p:cSld>
+    <p:spTree>
+      <p:nvGrpSpPr>
+        <p:cNvPr id="1" name=""/>
+        <p:cNvGrpSpPr/>
+        <p:nvPr/>
+      </p:nvGrpSpPr>
+      <p:grpSpPr>
+        <a:xfrm>
+          <a:off x="0" y="0"/>
+          <a:ext cx="0" cy="0"/>
+          <a:chOff x="0" y="0"/>
+          <a:chExt cx="0" cy="0"/>
+        </a:xfrm>
+      </p:grpSpPr>
+      <p:pic>
+        <p:nvPicPr>
+          <p:cNvPr id="3" name="Picture 2">
+            <a:extLst>
+              <a:ext uri="{FF2B5EF4-FFF2-40B4-BE49-F238E27FC236}">
+                <a16:creationId xmlns:a16="http://schemas.microsoft.com/office/drawing/2014/main" id="{EBBF7D96-4BAE-3CE2-4E4E-A70D038A9E0F}"/>
+              </a:ext>
+            </a:extLst>
+          </p:cNvPr>
+          <p:cNvPicPr>
+            <a:picLocks noChangeAspect="1"/>
+          </p:cNvPicPr>
+          <p:nvPr/>
+        </p:nvPicPr>
+        <p:blipFill>
+          <a:blip r:embed="rId2"/>
+          <a:stretch>
+            <a:fillRect/>
+          </a:stretch>
+        </p:blipFill>
+        <p:spPr>
+          <a:xfrm>
+            <a:off x="599769" y="810006"/>
+            <a:ext cx="8396186" cy="5237988"/>
+          </a:xfrm>
+          <a:prstGeom prst="rect">
+            <a:avLst/>
+          </a:prstGeom>
+        </p:spPr>
+      </p:pic>
+      <p:cxnSp>
+        <p:nvCxnSpPr>
+          <p:cNvPr id="6" name="Straight Arrow Connector 5">
+            <a:extLst>
+              <a:ext uri="{FF2B5EF4-FFF2-40B4-BE49-F238E27FC236}">
+                <a16:creationId xmlns:a16="http://schemas.microsoft.com/office/drawing/2014/main" id="{F6BA5B70-F2C4-0EB4-0F8D-16A03C130EB1}"/>
+              </a:ext>
+            </a:extLst>
+          </p:cNvPr>
+          <p:cNvCxnSpPr>
+            <a:cxnSpLocks/>
+          </p:cNvCxnSpPr>
+          <p:nvPr/>
+        </p:nvCxnSpPr>
+        <p:spPr>
+          <a:xfrm>
+            <a:off x="5757615" y="5565492"/>
+            <a:ext cx="2634342" cy="0"/>
+          </a:xfrm>
+          <a:prstGeom prst="straightConnector1">
+            <a:avLst/>
+          </a:prstGeom>
+          <a:ln w="28575">
+            <a:tailEnd type="triangle"/>
+          </a:ln>
+        </p:spPr>
+        <p:style>
+          <a:lnRef idx="1">
+            <a:schemeClr val="accent1"/>
+          </a:lnRef>
+          <a:fillRef idx="0">
+            <a:schemeClr val="accent1"/>
+          </a:fillRef>
+          <a:effectRef idx="0">
+            <a:schemeClr val="accent1"/>
+          </a:effectRef>
+          <a:fontRef idx="minor">
+            <a:schemeClr val="tx1"/>
+          </a:fontRef>
+        </p:style>
+      </p:cxnSp>
+      <p:sp>
+        <p:nvSpPr>
+          <p:cNvPr id="7" name="TextBox 6">
+            <a:extLst>
+              <a:ext uri="{FF2B5EF4-FFF2-40B4-BE49-F238E27FC236}">
+                <a16:creationId xmlns:a16="http://schemas.microsoft.com/office/drawing/2014/main" id="{432D83CA-E91A-0960-37CA-9C9859C2F714}"/>
+              </a:ext>
+            </a:extLst>
+          </p:cNvPr>
+          <p:cNvSpPr txBox="1"/>
+          <p:nvPr/>
+        </p:nvSpPr>
+        <p:spPr>
+          <a:xfrm>
+            <a:off x="8476984" y="5384439"/>
+            <a:ext cx="3715016" cy="830997"/>
+          </a:xfrm>
+          <a:prstGeom prst="rect">
+            <a:avLst/>
+          </a:prstGeom>
+          <a:noFill/>
+        </p:spPr>
+        <p:txBody>
+          <a:bodyPr wrap="square" rtlCol="0">
+            <a:spAutoFit/>
+          </a:bodyPr>
+          <a:lstStyle/>
+          <a:p>
+            <a:r>
+              <a:rPr lang="en-GB" sz="1600" dirty="0">
+                <a:solidFill>
+                  <a:srgbClr val="FF0000"/>
+                </a:solidFill>
+              </a:rPr>
+              <a:t>Group and sum of the same PSMs into peptides by modifications, sequence and accession ID</a:t>
+            </a:r>
+          </a:p>
+        </p:txBody>
+      </p:sp>
+      <p:cxnSp>
+        <p:nvCxnSpPr>
+          <p:cNvPr id="8" name="Straight Arrow Connector 7">
+            <a:extLst>
+              <a:ext uri="{FF2B5EF4-FFF2-40B4-BE49-F238E27FC236}">
+                <a16:creationId xmlns:a16="http://schemas.microsoft.com/office/drawing/2014/main" id="{B6046487-322C-6720-B249-462EEB012C1F}"/>
+              </a:ext>
+            </a:extLst>
+          </p:cNvPr>
+          <p:cNvCxnSpPr>
+            <a:cxnSpLocks/>
+          </p:cNvCxnSpPr>
+          <p:nvPr/>
+        </p:nvCxnSpPr>
+        <p:spPr>
+          <a:xfrm>
+            <a:off x="6528323" y="1929664"/>
+            <a:ext cx="2634342" cy="0"/>
+          </a:xfrm>
+          <a:prstGeom prst="straightConnector1">
+            <a:avLst/>
+          </a:prstGeom>
+          <a:ln w="28575">
+            <a:tailEnd type="triangle"/>
+          </a:ln>
+        </p:spPr>
+        <p:style>
+          <a:lnRef idx="1">
+            <a:schemeClr val="accent1"/>
+          </a:lnRef>
+          <a:fillRef idx="0">
+            <a:schemeClr val="accent1"/>
+          </a:fillRef>
+          <a:effectRef idx="0">
+            <a:schemeClr val="accent1"/>
+          </a:effectRef>
+          <a:fontRef idx="minor">
+            <a:schemeClr val="tx1"/>
+          </a:fontRef>
+        </p:style>
+      </p:cxnSp>
+      <p:sp>
+        <p:nvSpPr>
+          <p:cNvPr id="9" name="TextBox 8">
+            <a:extLst>
+              <a:ext uri="{FF2B5EF4-FFF2-40B4-BE49-F238E27FC236}">
+                <a16:creationId xmlns:a16="http://schemas.microsoft.com/office/drawing/2014/main" id="{14B32895-8776-3DA2-124A-0747F3E84A2F}"/>
+              </a:ext>
+            </a:extLst>
+          </p:cNvPr>
+          <p:cNvSpPr txBox="1"/>
+          <p:nvPr/>
+        </p:nvSpPr>
+        <p:spPr>
+          <a:xfrm>
+            <a:off x="9247692" y="1748611"/>
+            <a:ext cx="3715016" cy="338554"/>
+          </a:xfrm>
+          <a:prstGeom prst="rect">
+            <a:avLst/>
+          </a:prstGeom>
+          <a:noFill/>
+        </p:spPr>
+        <p:txBody>
+          <a:bodyPr wrap="square" rtlCol="0">
+            <a:spAutoFit/>
+          </a:bodyPr>
+          <a:lstStyle/>
+          <a:p>
+            <a:r>
+              <a:rPr lang="en-GB" sz="1600" dirty="0">
+                <a:solidFill>
+                  <a:srgbClr val="FF0000"/>
+                </a:solidFill>
+              </a:rPr>
+              <a:t>Determine channels</a:t>
+            </a:r>
+          </a:p>
+        </p:txBody>
+      </p:sp>
+      <p:cxnSp>
+        <p:nvCxnSpPr>
+          <p:cNvPr id="10" name="Straight Arrow Connector 9">
+            <a:extLst>
+              <a:ext uri="{FF2B5EF4-FFF2-40B4-BE49-F238E27FC236}">
+                <a16:creationId xmlns:a16="http://schemas.microsoft.com/office/drawing/2014/main" id="{D306D6B4-53A6-5F05-DCC3-01CE5A1BEBBA}"/>
+              </a:ext>
+            </a:extLst>
+          </p:cNvPr>
+          <p:cNvCxnSpPr>
+            <a:cxnSpLocks/>
+          </p:cNvCxnSpPr>
+          <p:nvPr/>
+        </p:nvCxnSpPr>
+        <p:spPr>
+          <a:xfrm>
+            <a:off x="8602982" y="3780365"/>
+            <a:ext cx="894297" cy="0"/>
+          </a:xfrm>
+          <a:prstGeom prst="straightConnector1">
+            <a:avLst/>
+          </a:prstGeom>
+          <a:ln w="28575">
+            <a:tailEnd type="triangle"/>
+          </a:ln>
+        </p:spPr>
+        <p:style>
+          <a:lnRef idx="1">
+            <a:schemeClr val="accent1"/>
+          </a:lnRef>
+          <a:fillRef idx="0">
+            <a:schemeClr val="accent1"/>
+          </a:fillRef>
+          <a:effectRef idx="0">
+            <a:schemeClr val="accent1"/>
+          </a:effectRef>
+          <a:fontRef idx="minor">
+            <a:schemeClr val="tx1"/>
+          </a:fontRef>
+        </p:style>
+      </p:cxnSp>
+      <p:sp>
+        <p:nvSpPr>
+          <p:cNvPr id="11" name="TextBox 10">
+            <a:extLst>
+              <a:ext uri="{FF2B5EF4-FFF2-40B4-BE49-F238E27FC236}">
+                <a16:creationId xmlns:a16="http://schemas.microsoft.com/office/drawing/2014/main" id="{D0F8D21D-567E-3D66-D9DE-39F451A40EE4}"/>
+              </a:ext>
+            </a:extLst>
+          </p:cNvPr>
+          <p:cNvSpPr txBox="1"/>
+          <p:nvPr/>
+        </p:nvSpPr>
+        <p:spPr>
+          <a:xfrm>
+            <a:off x="9497279" y="3611088"/>
+            <a:ext cx="2590218" cy="584775"/>
+          </a:xfrm>
+          <a:prstGeom prst="rect">
+            <a:avLst/>
+          </a:prstGeom>
+          <a:noFill/>
+        </p:spPr>
+        <p:txBody>
+          <a:bodyPr wrap="square" rtlCol="0">
+            <a:spAutoFit/>
+          </a:bodyPr>
+          <a:lstStyle/>
+          <a:p>
+            <a:r>
+              <a:rPr lang="en-GB" sz="1600" dirty="0">
+                <a:solidFill>
+                  <a:srgbClr val="FF0000"/>
+                </a:solidFill>
+              </a:rPr>
+              <a:t>Determine only required columns</a:t>
+            </a:r>
+          </a:p>
+        </p:txBody>
+      </p:sp>
+      <p:sp>
+        <p:nvSpPr>
+          <p:cNvPr id="15" name="Content Placeholder 2">
+            <a:extLst>
+              <a:ext uri="{FF2B5EF4-FFF2-40B4-BE49-F238E27FC236}">
+                <a16:creationId xmlns:a16="http://schemas.microsoft.com/office/drawing/2014/main" id="{D49C59D1-58FE-5C28-2BBC-CDC4A36792AD}"/>
+              </a:ext>
+            </a:extLst>
+          </p:cNvPr>
+          <p:cNvSpPr txBox="1">
+            <a:spLocks/>
+          </p:cNvSpPr>
+          <p:nvPr/>
+        </p:nvSpPr>
+        <p:spPr>
+          <a:xfrm>
+            <a:off x="1281012" y="217832"/>
+            <a:ext cx="9935628" cy="424732"/>
+          </a:xfrm>
+          <a:prstGeom prst="rect">
+            <a:avLst/>
+          </a:prstGeom>
+          <a:noFill/>
+          <a:ln w="9525">
+            <a:noFill/>
+            <a:miter lim="800000"/>
+            <a:headEnd/>
+            <a:tailEnd/>
+          </a:ln>
+        </p:spPr>
+        <p:txBody>
+          <a:bodyPr vert="horz" wrap="square" lIns="91440" tIns="45720" rIns="91440" bIns="45720" rtlCol="0" anchor="ctr">
+            <a:spAutoFit/>
+          </a:bodyPr>
+          <a:lstStyle>
+            <a:defPPr>
+              <a:defRPr lang="en-US"/>
+            </a:defPPr>
+            <a:lvl1pPr>
+              <a:lnSpc>
+                <a:spcPct val="90000"/>
+              </a:lnSpc>
+              <a:spcBef>
+                <a:spcPct val="0"/>
+              </a:spcBef>
+              <a:defRPr sz="2800" b="1">
+                <a:solidFill>
+                  <a:schemeClr val="accent1"/>
+                </a:solidFill>
+                <a:latin typeface="Calibri" panose="020F0502020204030204" pitchFamily="34" charset="0"/>
+                <a:ea typeface="ＭＳ Ｐゴシック" panose="020B0600070205080204" pitchFamily="34" charset="-128"/>
+                <a:cs typeface="+mj-cs"/>
+              </a:defRPr>
+            </a:lvl1pPr>
+            <a:lvl2pPr marL="685800" indent="-228600" algn="l" defTabSz="914400" rtl="0" eaLnBrk="1" latinLnBrk="0" hangingPunct="1">
+              <a:lnSpc>
+                <a:spcPct val="90000"/>
+              </a:lnSpc>
+              <a:spcBef>
+                <a:spcPts val="500"/>
+              </a:spcBef>
+              <a:buFont typeface="Arial" panose="020B0604020202020204" pitchFamily="34" charset="0"/>
+              <a:buChar char="•"/>
+              <a:defRPr sz="2400" kern="1200">
+                <a:solidFill>
+                  <a:schemeClr val="tx1"/>
+                </a:solidFill>
+                <a:latin typeface="+mn-lt"/>
+                <a:ea typeface="+mn-ea"/>
+                <a:cs typeface="+mn-cs"/>
+              </a:defRPr>
+            </a:lvl2pPr>
+            <a:lvl3pPr marL="1143000" indent="-228600" algn="l" defTabSz="914400" rtl="0" eaLnBrk="1" latinLnBrk="0" hangingPunct="1">
+              <a:lnSpc>
+                <a:spcPct val="90000"/>
+              </a:lnSpc>
+              <a:spcBef>
+                <a:spcPts val="500"/>
+              </a:spcBef>
+              <a:buFont typeface="Arial" panose="020B0604020202020204" pitchFamily="34" charset="0"/>
+              <a:buChar char="•"/>
+              <a:defRPr sz="2000" kern="1200">
+                <a:solidFill>
+                  <a:schemeClr val="tx1"/>
+                </a:solidFill>
+                <a:latin typeface="+mn-lt"/>
+                <a:ea typeface="+mn-ea"/>
+                <a:cs typeface="+mn-cs"/>
+              </a:defRPr>
+            </a:lvl3pPr>
+            <a:lvl4pPr marL="1600200" indent="-228600" algn="l" defTabSz="914400" rtl="0" eaLnBrk="1" latinLnBrk="0" hangingPunct="1">
+              <a:lnSpc>
+                <a:spcPct val="90000"/>
+              </a:lnSpc>
+              <a:spcBef>
+                <a:spcPts val="500"/>
+              </a:spcBef>
+              <a:buFont typeface="Arial" panose="020B0604020202020204" pitchFamily="34" charset="0"/>
+              <a:buChar char="•"/>
+              <a:defRPr sz="1800" kern="1200">
+                <a:solidFill>
+                  <a:schemeClr val="tx1"/>
+                </a:solidFill>
+                <a:latin typeface="+mn-lt"/>
+                <a:ea typeface="+mn-ea"/>
+                <a:cs typeface="+mn-cs"/>
+              </a:defRPr>
+            </a:lvl4pPr>
+            <a:lvl5pPr marL="2057400" indent="-228600" algn="l" defTabSz="914400" rtl="0" eaLnBrk="1" latinLnBrk="0" hangingPunct="1">
+              <a:lnSpc>
+                <a:spcPct val="90000"/>
+              </a:lnSpc>
+              <a:spcBef>
+                <a:spcPts val="500"/>
+              </a:spcBef>
+              <a:buFont typeface="Arial" panose="020B0604020202020204" pitchFamily="34" charset="0"/>
+              <a:buChar char="•"/>
+              <a:defRPr sz="1800" kern="1200">
+                <a:solidFill>
+                  <a:schemeClr val="tx1"/>
+                </a:solidFill>
+                <a:latin typeface="+mn-lt"/>
+                <a:ea typeface="+mn-ea"/>
+                <a:cs typeface="+mn-cs"/>
+              </a:defRPr>
+            </a:lvl5pPr>
+            <a:lvl6pPr marL="2514600" indent="-228600" algn="l" defTabSz="914400" rtl="0" eaLnBrk="1" latinLnBrk="0" hangingPunct="1">
+              <a:lnSpc>
+                <a:spcPct val="90000"/>
+              </a:lnSpc>
+              <a:spcBef>
+                <a:spcPts val="500"/>
+              </a:spcBef>
+              <a:buFont typeface="Arial" panose="020B0604020202020204" pitchFamily="34" charset="0"/>
+              <a:buChar char="•"/>
+              <a:defRPr sz="1800" kern="1200">
+                <a:solidFill>
+                  <a:schemeClr val="tx1"/>
+                </a:solidFill>
+                <a:latin typeface="+mn-lt"/>
+                <a:ea typeface="+mn-ea"/>
+                <a:cs typeface="+mn-cs"/>
+              </a:defRPr>
+            </a:lvl6pPr>
+            <a:lvl7pPr marL="2971800" indent="-228600" algn="l" defTabSz="914400" rtl="0" eaLnBrk="1" latinLnBrk="0" hangingPunct="1">
+              <a:lnSpc>
+                <a:spcPct val="90000"/>
+              </a:lnSpc>
+              <a:spcBef>
+                <a:spcPts val="500"/>
+              </a:spcBef>
+              <a:buFont typeface="Arial" panose="020B0604020202020204" pitchFamily="34" charset="0"/>
+              <a:buChar char="•"/>
+              <a:defRPr sz="1800" kern="1200">
+                <a:solidFill>
+                  <a:schemeClr val="tx1"/>
+                </a:solidFill>
+                <a:latin typeface="+mn-lt"/>
+                <a:ea typeface="+mn-ea"/>
+                <a:cs typeface="+mn-cs"/>
+              </a:defRPr>
+            </a:lvl7pPr>
+            <a:lvl8pPr marL="3429000" indent="-228600" algn="l" defTabSz="914400" rtl="0" eaLnBrk="1" latinLnBrk="0" hangingPunct="1">
+              <a:lnSpc>
+                <a:spcPct val="90000"/>
+              </a:lnSpc>
+              <a:spcBef>
+                <a:spcPts val="500"/>
+              </a:spcBef>
+              <a:buFont typeface="Arial" panose="020B0604020202020204" pitchFamily="34" charset="0"/>
+              <a:buChar char="•"/>
+              <a:defRPr sz="1800" kern="1200">
+                <a:solidFill>
+                  <a:schemeClr val="tx1"/>
+                </a:solidFill>
+                <a:latin typeface="+mn-lt"/>
+                <a:ea typeface="+mn-ea"/>
+                <a:cs typeface="+mn-cs"/>
+              </a:defRPr>
+            </a:lvl8pPr>
+            <a:lvl9pPr marL="3886200" indent="-228600" algn="l" defTabSz="914400" rtl="0" eaLnBrk="1" latinLnBrk="0" hangingPunct="1">
+              <a:lnSpc>
+                <a:spcPct val="90000"/>
+              </a:lnSpc>
+              <a:spcBef>
+                <a:spcPts val="500"/>
+              </a:spcBef>
+              <a:buFont typeface="Arial" panose="020B0604020202020204" pitchFamily="34" charset="0"/>
+              <a:buChar char="•"/>
+              <a:defRPr sz="1800" kern="1200">
+                <a:solidFill>
+                  <a:schemeClr val="tx1"/>
+                </a:solidFill>
+                <a:latin typeface="+mn-lt"/>
+                <a:ea typeface="+mn-ea"/>
+                <a:cs typeface="+mn-cs"/>
+              </a:defRPr>
+            </a:lvl9pPr>
+          </a:lstStyle>
+          <a:p>
+            <a:r>
+              <a:rPr lang="en-GB" sz="2400" dirty="0">
+                <a:solidFill>
+                  <a:srgbClr val="002060"/>
+                </a:solidFill>
+                <a:latin typeface="Lora"/>
+              </a:rPr>
+              <a:t>New Baseline correction function</a:t>
+            </a:r>
+          </a:p>
+        </p:txBody>
+      </p:sp>
+    </p:spTree>
+    <p:extLst>
+      <p:ext uri="{BB962C8B-B14F-4D97-AF65-F5344CB8AC3E}">
+        <p14:creationId xmlns:p14="http://schemas.microsoft.com/office/powerpoint/2010/main" val="2284616300"/>
+      </p:ext>
+    </p:extLst>
+  </p:cSld>
+  <p:clrMapOvr>
+    <a:masterClrMapping/>
+  </p:clrMapOvr>
+</p:sld>
+</file>
+
+<file path=ppt/slides/slide16.xml><?xml version="1.0" encoding="utf-8"?>
+<p:sld xmlns:a="http://schemas.openxmlformats.org/drawingml/2006/main" xmlns:r="http://schemas.openxmlformats.org/officeDocument/2006/relationships" xmlns:p="http://schemas.openxmlformats.org/presentationml/2006/main">
+  <p:cSld>
+    <p:spTree>
+      <p:nvGrpSpPr>
+        <p:cNvPr id="1" name=""/>
+        <p:cNvGrpSpPr/>
+        <p:nvPr/>
+      </p:nvGrpSpPr>
+      <p:grpSpPr>
+        <a:xfrm>
+          <a:off x="0" y="0"/>
+          <a:ext cx="0" cy="0"/>
+          <a:chOff x="0" y="0"/>
+          <a:chExt cx="0" cy="0"/>
+        </a:xfrm>
+      </p:grpSpPr>
+      <p:pic>
+        <p:nvPicPr>
+          <p:cNvPr id="5" name="Picture 4">
+            <a:extLst>
+              <a:ext uri="{FF2B5EF4-FFF2-40B4-BE49-F238E27FC236}">
+                <a16:creationId xmlns:a16="http://schemas.microsoft.com/office/drawing/2014/main" id="{31BEE2AD-7F6A-2186-457F-CF0F169EA134}"/>
+              </a:ext>
+            </a:extLst>
+          </p:cNvPr>
+          <p:cNvPicPr>
+            <a:picLocks noChangeAspect="1"/>
+          </p:cNvPicPr>
+          <p:nvPr/>
+        </p:nvPicPr>
+        <p:blipFill>
+          <a:blip r:embed="rId2"/>
+          <a:stretch>
+            <a:fillRect/>
+          </a:stretch>
+        </p:blipFill>
+        <p:spPr>
+          <a:xfrm>
+            <a:off x="702546" y="1022784"/>
+            <a:ext cx="9465960" cy="5613148"/>
+          </a:xfrm>
+          <a:prstGeom prst="rect">
+            <a:avLst/>
+          </a:prstGeom>
+        </p:spPr>
+      </p:pic>
+      <p:sp>
+        <p:nvSpPr>
+          <p:cNvPr id="7" name="TextBox 6">
+            <a:extLst>
+              <a:ext uri="{FF2B5EF4-FFF2-40B4-BE49-F238E27FC236}">
+                <a16:creationId xmlns:a16="http://schemas.microsoft.com/office/drawing/2014/main" id="{64BCB0B2-3AE8-6F3E-A242-B98D822F9E12}"/>
+              </a:ext>
+            </a:extLst>
+          </p:cNvPr>
+          <p:cNvSpPr txBox="1"/>
+          <p:nvPr/>
+        </p:nvSpPr>
+        <p:spPr>
+          <a:xfrm>
+            <a:off x="8391957" y="975986"/>
+            <a:ext cx="4397894" cy="338554"/>
+          </a:xfrm>
+          <a:prstGeom prst="rect">
+            <a:avLst/>
+          </a:prstGeom>
+          <a:noFill/>
+        </p:spPr>
+        <p:txBody>
+          <a:bodyPr wrap="square" rtlCol="0">
+            <a:spAutoFit/>
+          </a:bodyPr>
+          <a:lstStyle/>
+          <a:p>
+            <a:r>
+              <a:rPr lang="en-GB" sz="1600" dirty="0">
+                <a:solidFill>
+                  <a:srgbClr val="FF0000"/>
+                </a:solidFill>
+              </a:rPr>
+              <a:t>Determine baseline location and column</a:t>
+            </a:r>
+          </a:p>
+        </p:txBody>
+      </p:sp>
+      <p:sp>
+        <p:nvSpPr>
+          <p:cNvPr id="9" name="TextBox 8">
+            <a:extLst>
+              <a:ext uri="{FF2B5EF4-FFF2-40B4-BE49-F238E27FC236}">
+                <a16:creationId xmlns:a16="http://schemas.microsoft.com/office/drawing/2014/main" id="{C5D75748-4A0F-1911-18F5-967B40356935}"/>
+              </a:ext>
+            </a:extLst>
+          </p:cNvPr>
+          <p:cNvSpPr txBox="1"/>
+          <p:nvPr/>
+        </p:nvSpPr>
+        <p:spPr>
+          <a:xfrm>
+            <a:off x="8391957" y="1583323"/>
+            <a:ext cx="3715016" cy="338554"/>
+          </a:xfrm>
+          <a:prstGeom prst="rect">
+            <a:avLst/>
+          </a:prstGeom>
+          <a:noFill/>
+        </p:spPr>
+        <p:txBody>
+          <a:bodyPr wrap="square" rtlCol="0">
+            <a:spAutoFit/>
+          </a:bodyPr>
+          <a:lstStyle/>
+          <a:p>
+            <a:r>
+              <a:rPr lang="en-GB" sz="1600" dirty="0" err="1">
+                <a:solidFill>
+                  <a:srgbClr val="FF0000"/>
+                </a:solidFill>
+              </a:rPr>
+              <a:t>Substract</a:t>
+            </a:r>
+            <a:r>
+              <a:rPr lang="en-GB" sz="1600" dirty="0">
+                <a:solidFill>
+                  <a:srgbClr val="FF0000"/>
+                </a:solidFill>
+              </a:rPr>
+              <a:t> baseline from other channels</a:t>
+            </a:r>
+          </a:p>
+        </p:txBody>
+      </p:sp>
+      <p:cxnSp>
+        <p:nvCxnSpPr>
+          <p:cNvPr id="11" name="Straight Arrow Connector 10">
+            <a:extLst>
+              <a:ext uri="{FF2B5EF4-FFF2-40B4-BE49-F238E27FC236}">
+                <a16:creationId xmlns:a16="http://schemas.microsoft.com/office/drawing/2014/main" id="{77A2E8D6-EAE7-64E6-B83B-3A972DA235CD}"/>
+              </a:ext>
+            </a:extLst>
+          </p:cNvPr>
+          <p:cNvCxnSpPr>
+            <a:cxnSpLocks/>
+          </p:cNvCxnSpPr>
+          <p:nvPr/>
+        </p:nvCxnSpPr>
+        <p:spPr>
+          <a:xfrm>
+            <a:off x="4484914" y="1145263"/>
+            <a:ext cx="3857897" cy="0"/>
+          </a:xfrm>
+          <a:prstGeom prst="straightConnector1">
+            <a:avLst/>
+          </a:prstGeom>
+          <a:ln w="28575">
+            <a:tailEnd type="triangle"/>
+          </a:ln>
+        </p:spPr>
+        <p:style>
+          <a:lnRef idx="1">
+            <a:schemeClr val="accent1"/>
+          </a:lnRef>
+          <a:fillRef idx="0">
+            <a:schemeClr val="accent1"/>
+          </a:fillRef>
+          <a:effectRef idx="0">
+            <a:schemeClr val="accent1"/>
+          </a:effectRef>
+          <a:fontRef idx="minor">
+            <a:schemeClr val="tx1"/>
+          </a:fontRef>
+        </p:style>
+      </p:cxnSp>
+      <p:cxnSp>
+        <p:nvCxnSpPr>
+          <p:cNvPr id="14" name="Straight Connector 13">
+            <a:extLst>
+              <a:ext uri="{FF2B5EF4-FFF2-40B4-BE49-F238E27FC236}">
+                <a16:creationId xmlns:a16="http://schemas.microsoft.com/office/drawing/2014/main" id="{F93B238E-651D-E549-07A1-2420ED08778C}"/>
+              </a:ext>
+            </a:extLst>
+          </p:cNvPr>
+          <p:cNvCxnSpPr/>
+          <p:nvPr/>
+        </p:nvCxnSpPr>
+        <p:spPr>
+          <a:xfrm flipV="1">
+            <a:off x="4223657" y="1145263"/>
+            <a:ext cx="2629989" cy="323166"/>
+          </a:xfrm>
+          <a:prstGeom prst="line">
+            <a:avLst/>
+          </a:prstGeom>
+          <a:ln w="28575"/>
+        </p:spPr>
+        <p:style>
+          <a:lnRef idx="1">
+            <a:schemeClr val="accent1"/>
+          </a:lnRef>
+          <a:fillRef idx="0">
+            <a:schemeClr val="accent1"/>
+          </a:fillRef>
+          <a:effectRef idx="0">
+            <a:schemeClr val="accent1"/>
+          </a:effectRef>
+          <a:fontRef idx="minor">
+            <a:schemeClr val="tx1"/>
+          </a:fontRef>
+        </p:style>
+      </p:cxnSp>
+      <p:cxnSp>
+        <p:nvCxnSpPr>
+          <p:cNvPr id="16" name="Straight Arrow Connector 15">
+            <a:extLst>
+              <a:ext uri="{FF2B5EF4-FFF2-40B4-BE49-F238E27FC236}">
+                <a16:creationId xmlns:a16="http://schemas.microsoft.com/office/drawing/2014/main" id="{CEB06CD4-2CA1-6DC2-2535-9374205BC3C9}"/>
+              </a:ext>
+            </a:extLst>
+          </p:cNvPr>
+          <p:cNvCxnSpPr/>
+          <p:nvPr/>
+        </p:nvCxnSpPr>
+        <p:spPr>
+          <a:xfrm>
+            <a:off x="7341326" y="1752600"/>
+            <a:ext cx="1001485" cy="0"/>
+          </a:xfrm>
+          <a:prstGeom prst="straightConnector1">
+            <a:avLst/>
+          </a:prstGeom>
+          <a:ln w="28575">
+            <a:tailEnd type="triangle"/>
+          </a:ln>
+        </p:spPr>
+        <p:style>
+          <a:lnRef idx="1">
+            <a:schemeClr val="accent1"/>
+          </a:lnRef>
+          <a:fillRef idx="0">
+            <a:schemeClr val="accent1"/>
+          </a:fillRef>
+          <a:effectRef idx="0">
+            <a:schemeClr val="accent1"/>
+          </a:effectRef>
+          <a:fontRef idx="minor">
+            <a:schemeClr val="tx1"/>
+          </a:fontRef>
+        </p:style>
+      </p:cxnSp>
+      <p:cxnSp>
+        <p:nvCxnSpPr>
+          <p:cNvPr id="17" name="Straight Arrow Connector 16">
+            <a:extLst>
+              <a:ext uri="{FF2B5EF4-FFF2-40B4-BE49-F238E27FC236}">
+                <a16:creationId xmlns:a16="http://schemas.microsoft.com/office/drawing/2014/main" id="{6AA89B11-01A6-BBA5-D7E6-50FD22B1563C}"/>
+              </a:ext>
+            </a:extLst>
+          </p:cNvPr>
+          <p:cNvCxnSpPr>
+            <a:cxnSpLocks/>
+          </p:cNvCxnSpPr>
+          <p:nvPr/>
+        </p:nvCxnSpPr>
+        <p:spPr>
+          <a:xfrm>
+            <a:off x="5708469" y="2000794"/>
+            <a:ext cx="2634342" cy="0"/>
+          </a:xfrm>
+          <a:prstGeom prst="straightConnector1">
+            <a:avLst/>
+          </a:prstGeom>
+          <a:ln w="28575">
+            <a:tailEnd type="triangle"/>
+          </a:ln>
+        </p:spPr>
+        <p:style>
+          <a:lnRef idx="1">
+            <a:schemeClr val="accent1"/>
+          </a:lnRef>
+          <a:fillRef idx="0">
+            <a:schemeClr val="accent1"/>
+          </a:fillRef>
+          <a:effectRef idx="0">
+            <a:schemeClr val="accent1"/>
+          </a:effectRef>
+          <a:fontRef idx="minor">
+            <a:schemeClr val="tx1"/>
+          </a:fontRef>
+        </p:style>
+      </p:cxnSp>
+      <p:sp>
+        <p:nvSpPr>
+          <p:cNvPr id="19" name="TextBox 18">
+            <a:extLst>
+              <a:ext uri="{FF2B5EF4-FFF2-40B4-BE49-F238E27FC236}">
+                <a16:creationId xmlns:a16="http://schemas.microsoft.com/office/drawing/2014/main" id="{719BF875-FF09-1CA9-61A5-30930513493C}"/>
+              </a:ext>
+            </a:extLst>
+          </p:cNvPr>
+          <p:cNvSpPr txBox="1"/>
+          <p:nvPr/>
+        </p:nvSpPr>
+        <p:spPr>
+          <a:xfrm>
+            <a:off x="8391957" y="1876157"/>
+            <a:ext cx="3715016" cy="338554"/>
+          </a:xfrm>
+          <a:prstGeom prst="rect">
+            <a:avLst/>
+          </a:prstGeom>
+          <a:noFill/>
+        </p:spPr>
+        <p:txBody>
+          <a:bodyPr wrap="square" rtlCol="0">
+            <a:spAutoFit/>
+          </a:bodyPr>
+          <a:lstStyle/>
+          <a:p>
+            <a:r>
+              <a:rPr lang="en-GB" sz="1600" dirty="0">
+                <a:solidFill>
+                  <a:srgbClr val="FF0000"/>
+                </a:solidFill>
+              </a:rPr>
+              <a:t>Mean of columns (including negatives)</a:t>
+            </a:r>
+          </a:p>
+        </p:txBody>
+      </p:sp>
+      <p:cxnSp>
+        <p:nvCxnSpPr>
+          <p:cNvPr id="20" name="Straight Arrow Connector 19">
+            <a:extLst>
+              <a:ext uri="{FF2B5EF4-FFF2-40B4-BE49-F238E27FC236}">
+                <a16:creationId xmlns:a16="http://schemas.microsoft.com/office/drawing/2014/main" id="{0A481CD0-3CAA-1148-7B33-AFCA4C8D5F48}"/>
+              </a:ext>
+            </a:extLst>
+          </p:cNvPr>
+          <p:cNvCxnSpPr>
+            <a:cxnSpLocks/>
+          </p:cNvCxnSpPr>
+          <p:nvPr/>
+        </p:nvCxnSpPr>
+        <p:spPr>
+          <a:xfrm>
+            <a:off x="5757615" y="2780211"/>
+            <a:ext cx="2634342" cy="0"/>
+          </a:xfrm>
+          <a:prstGeom prst="straightConnector1">
+            <a:avLst/>
+          </a:prstGeom>
+          <a:ln w="28575">
+            <a:tailEnd type="triangle"/>
+          </a:ln>
+        </p:spPr>
+        <p:style>
+          <a:lnRef idx="1">
+            <a:schemeClr val="accent1"/>
+          </a:lnRef>
+          <a:fillRef idx="0">
+            <a:schemeClr val="accent1"/>
+          </a:fillRef>
+          <a:effectRef idx="0">
+            <a:schemeClr val="accent1"/>
+          </a:effectRef>
+          <a:fontRef idx="minor">
+            <a:schemeClr val="tx1"/>
+          </a:fontRef>
+        </p:style>
+      </p:cxnSp>
+      <p:sp>
+        <p:nvSpPr>
+          <p:cNvPr id="21" name="TextBox 20">
+            <a:extLst>
+              <a:ext uri="{FF2B5EF4-FFF2-40B4-BE49-F238E27FC236}">
+                <a16:creationId xmlns:a16="http://schemas.microsoft.com/office/drawing/2014/main" id="{0E74A62C-BB2C-95A2-99D2-CC7EF530DC43}"/>
+              </a:ext>
+            </a:extLst>
+          </p:cNvPr>
+          <p:cNvSpPr txBox="1"/>
+          <p:nvPr/>
+        </p:nvSpPr>
+        <p:spPr>
+          <a:xfrm>
+            <a:off x="8391957" y="2610934"/>
+            <a:ext cx="3715016" cy="584775"/>
+          </a:xfrm>
+          <a:prstGeom prst="rect">
+            <a:avLst/>
+          </a:prstGeom>
+          <a:noFill/>
+        </p:spPr>
+        <p:txBody>
+          <a:bodyPr wrap="square" rtlCol="0">
+            <a:spAutoFit/>
+          </a:bodyPr>
+          <a:lstStyle/>
+          <a:p>
+            <a:r>
+              <a:rPr lang="en-GB" sz="1600" dirty="0">
+                <a:solidFill>
+                  <a:srgbClr val="FF0000"/>
+                </a:solidFill>
+              </a:rPr>
+              <a:t>Remove columns which the mean is less than threshold sett</a:t>
+            </a:r>
+          </a:p>
+        </p:txBody>
+      </p:sp>
+      <p:cxnSp>
+        <p:nvCxnSpPr>
+          <p:cNvPr id="22" name="Straight Connector 21">
+            <a:extLst>
+              <a:ext uri="{FF2B5EF4-FFF2-40B4-BE49-F238E27FC236}">
+                <a16:creationId xmlns:a16="http://schemas.microsoft.com/office/drawing/2014/main" id="{BB124285-5EBB-2B47-B787-CEDD919C242D}"/>
+              </a:ext>
+            </a:extLst>
+          </p:cNvPr>
+          <p:cNvCxnSpPr/>
+          <p:nvPr/>
+        </p:nvCxnSpPr>
+        <p:spPr>
+          <a:xfrm flipV="1">
+            <a:off x="4421777" y="2787905"/>
+            <a:ext cx="2629989" cy="323166"/>
+          </a:xfrm>
+          <a:prstGeom prst="line">
+            <a:avLst/>
+          </a:prstGeom>
+          <a:ln w="28575"/>
+        </p:spPr>
+        <p:style>
+          <a:lnRef idx="1">
+            <a:schemeClr val="accent1"/>
+          </a:lnRef>
+          <a:fillRef idx="0">
+            <a:schemeClr val="accent1"/>
+          </a:fillRef>
+          <a:effectRef idx="0">
+            <a:schemeClr val="accent1"/>
+          </a:effectRef>
+          <a:fontRef idx="minor">
+            <a:schemeClr val="tx1"/>
+          </a:fontRef>
+        </p:style>
+      </p:cxnSp>
+      <p:cxnSp>
+        <p:nvCxnSpPr>
+          <p:cNvPr id="23" name="Straight Arrow Connector 22">
+            <a:extLst>
+              <a:ext uri="{FF2B5EF4-FFF2-40B4-BE49-F238E27FC236}">
+                <a16:creationId xmlns:a16="http://schemas.microsoft.com/office/drawing/2014/main" id="{89F5EE7D-CE36-2673-834D-8F0B6E2453B8}"/>
+              </a:ext>
+            </a:extLst>
+          </p:cNvPr>
+          <p:cNvCxnSpPr>
+            <a:cxnSpLocks/>
+          </p:cNvCxnSpPr>
+          <p:nvPr/>
+        </p:nvCxnSpPr>
+        <p:spPr>
+          <a:xfrm>
+            <a:off x="5757615" y="3886200"/>
+            <a:ext cx="2634342" cy="0"/>
+          </a:xfrm>
+          <a:prstGeom prst="straightConnector1">
+            <a:avLst/>
+          </a:prstGeom>
+          <a:ln w="28575">
+            <a:tailEnd type="triangle"/>
+          </a:ln>
+        </p:spPr>
+        <p:style>
+          <a:lnRef idx="1">
+            <a:schemeClr val="accent1"/>
+          </a:lnRef>
+          <a:fillRef idx="0">
+            <a:schemeClr val="accent1"/>
+          </a:fillRef>
+          <a:effectRef idx="0">
+            <a:schemeClr val="accent1"/>
+          </a:effectRef>
+          <a:fontRef idx="minor">
+            <a:schemeClr val="tx1"/>
+          </a:fontRef>
+        </p:style>
+      </p:cxnSp>
+      <p:sp>
+        <p:nvSpPr>
+          <p:cNvPr id="24" name="TextBox 23">
+            <a:extLst>
+              <a:ext uri="{FF2B5EF4-FFF2-40B4-BE49-F238E27FC236}">
+                <a16:creationId xmlns:a16="http://schemas.microsoft.com/office/drawing/2014/main" id="{17A25FF9-3CCC-823D-13DA-6DDEF69021D8}"/>
+              </a:ext>
+            </a:extLst>
+          </p:cNvPr>
+          <p:cNvSpPr txBox="1"/>
+          <p:nvPr/>
+        </p:nvSpPr>
+        <p:spPr>
+          <a:xfrm>
+            <a:off x="8476984" y="3705147"/>
+            <a:ext cx="3715016" cy="338554"/>
+          </a:xfrm>
+          <a:prstGeom prst="rect">
+            <a:avLst/>
+          </a:prstGeom>
+          <a:noFill/>
+        </p:spPr>
+        <p:txBody>
+          <a:bodyPr wrap="square" rtlCol="0">
+            <a:spAutoFit/>
+          </a:bodyPr>
+          <a:lstStyle/>
+          <a:p>
+            <a:r>
+              <a:rPr lang="en-GB" sz="1600" dirty="0">
+                <a:solidFill>
+                  <a:srgbClr val="FF0000"/>
+                </a:solidFill>
+              </a:rPr>
+              <a:t>Make columns 0 which has negative values</a:t>
+            </a:r>
+          </a:p>
+        </p:txBody>
+      </p:sp>
+      <p:cxnSp>
+        <p:nvCxnSpPr>
+          <p:cNvPr id="25" name="Straight Arrow Connector 24">
+            <a:extLst>
+              <a:ext uri="{FF2B5EF4-FFF2-40B4-BE49-F238E27FC236}">
+                <a16:creationId xmlns:a16="http://schemas.microsoft.com/office/drawing/2014/main" id="{CED53D03-3CFA-A734-417D-89B86DE93207}"/>
+              </a:ext>
+            </a:extLst>
+          </p:cNvPr>
+          <p:cNvCxnSpPr>
+            <a:cxnSpLocks/>
+          </p:cNvCxnSpPr>
+          <p:nvPr/>
+        </p:nvCxnSpPr>
+        <p:spPr>
+          <a:xfrm>
+            <a:off x="5757615" y="5182315"/>
+            <a:ext cx="2634342" cy="0"/>
+          </a:xfrm>
+          <a:prstGeom prst="straightConnector1">
+            <a:avLst/>
+          </a:prstGeom>
+          <a:ln w="28575">
+            <a:tailEnd type="triangle"/>
+          </a:ln>
+        </p:spPr>
+        <p:style>
+          <a:lnRef idx="1">
+            <a:schemeClr val="accent1"/>
+          </a:lnRef>
+          <a:fillRef idx="0">
+            <a:schemeClr val="accent1"/>
+          </a:fillRef>
+          <a:effectRef idx="0">
+            <a:schemeClr val="accent1"/>
+          </a:effectRef>
+          <a:fontRef idx="minor">
+            <a:schemeClr val="tx1"/>
+          </a:fontRef>
+        </p:style>
+      </p:cxnSp>
+      <p:sp>
+        <p:nvSpPr>
+          <p:cNvPr id="26" name="TextBox 25">
+            <a:extLst>
+              <a:ext uri="{FF2B5EF4-FFF2-40B4-BE49-F238E27FC236}">
+                <a16:creationId xmlns:a16="http://schemas.microsoft.com/office/drawing/2014/main" id="{D22CFAC4-1027-221C-F5E0-337EDCC25CC0}"/>
+              </a:ext>
+            </a:extLst>
+          </p:cNvPr>
+          <p:cNvSpPr txBox="1"/>
+          <p:nvPr/>
+        </p:nvSpPr>
+        <p:spPr>
+          <a:xfrm>
+            <a:off x="8476984" y="5001262"/>
+            <a:ext cx="3715016" cy="584775"/>
+          </a:xfrm>
+          <a:prstGeom prst="rect">
+            <a:avLst/>
+          </a:prstGeom>
+          <a:noFill/>
+        </p:spPr>
+        <p:txBody>
+          <a:bodyPr wrap="square" rtlCol="0">
+            <a:spAutoFit/>
+          </a:bodyPr>
+          <a:lstStyle/>
+          <a:p>
+            <a:r>
+              <a:rPr lang="en-GB" sz="1600" dirty="0">
+                <a:solidFill>
+                  <a:srgbClr val="FF0000"/>
+                </a:solidFill>
+              </a:rPr>
+              <a:t>Make 0 values some random small number</a:t>
+            </a:r>
+          </a:p>
+        </p:txBody>
+      </p:sp>
+    </p:spTree>
+    <p:extLst>
+      <p:ext uri="{BB962C8B-B14F-4D97-AF65-F5344CB8AC3E}">
+        <p14:creationId xmlns:p14="http://schemas.microsoft.com/office/powerpoint/2010/main" val="2871331333"/>
+      </p:ext>
+    </p:extLst>
+  </p:cSld>
+  <p:clrMapOvr>
+    <a:masterClrMapping/>
+  </p:clrMapOvr>
+</p:sld>
+</file>
+
+<file path=ppt/slides/slide17.xml><?xml version="1.0" encoding="utf-8"?>
+<p:sld xmlns:a="http://schemas.openxmlformats.org/drawingml/2006/main" xmlns:r="http://schemas.openxmlformats.org/officeDocument/2006/relationships" xmlns:p="http://schemas.openxmlformats.org/presentationml/2006/main">
+  <p:cSld>
+    <p:spTree>
+      <p:nvGrpSpPr>
+        <p:cNvPr id="1" name="Shape 564"/>
+        <p:cNvGrpSpPr/>
+        <p:nvPr/>
+      </p:nvGrpSpPr>
+      <p:grpSpPr>
+        <a:xfrm>
+          <a:off x="0" y="0"/>
+          <a:ext cx="0" cy="0"/>
+          <a:chOff x="0" y="0"/>
+          <a:chExt cx="0" cy="0"/>
+        </a:xfrm>
+      </p:grpSpPr>
+      <p:pic>
+        <p:nvPicPr>
+          <p:cNvPr id="3074" name="Picture 2">
+            <a:extLst>
+              <a:ext uri="{FF2B5EF4-FFF2-40B4-BE49-F238E27FC236}">
+                <a16:creationId xmlns:a16="http://schemas.microsoft.com/office/drawing/2014/main" id="{0806170D-75D7-1011-FDE3-2B534B059A99}"/>
+              </a:ext>
+            </a:extLst>
+          </p:cNvPr>
+          <p:cNvPicPr>
+            <a:picLocks noChangeAspect="1" noChangeArrowheads="1"/>
+          </p:cNvPicPr>
+          <p:nvPr/>
+        </p:nvPicPr>
+        <p:blipFill>
+          <a:blip r:embed="rId3">
+            <a:extLst>
+              <a:ext uri="{28A0092B-C50C-407E-A947-70E740481C1C}">
+                <a14:useLocalDpi xmlns:a14="http://schemas.microsoft.com/office/drawing/2010/main" val="0"/>
+              </a:ext>
+            </a:extLst>
+          </a:blip>
+          <a:srcRect/>
+          <a:stretch>
+            <a:fillRect/>
+          </a:stretch>
+        </p:blipFill>
+        <p:spPr bwMode="auto">
+          <a:xfrm>
+            <a:off x="3932204" y="833056"/>
+            <a:ext cx="7326375" cy="5496689"/>
+          </a:xfrm>
+          <a:prstGeom prst="rect">
+            <a:avLst/>
+          </a:prstGeom>
+          <a:noFill/>
+          <a:extLst>
+            <a:ext uri="{909E8E84-426E-40DD-AFC4-6F175D3DCCD1}">
+              <a14:hiddenFill xmlns:a14="http://schemas.microsoft.com/office/drawing/2010/main">
+                <a:solidFill>
+                  <a:srgbClr val="FFFFFF"/>
+                </a:solidFill>
+              </a14:hiddenFill>
+            </a:ext>
+          </a:extLst>
+        </p:spPr>
+      </p:pic>
+      <p:sp>
+        <p:nvSpPr>
+          <p:cNvPr id="5" name="Google Shape;598;p51">
+            <a:extLst>
+              <a:ext uri="{FF2B5EF4-FFF2-40B4-BE49-F238E27FC236}">
+                <a16:creationId xmlns:a16="http://schemas.microsoft.com/office/drawing/2014/main" id="{E375840D-B6CF-C93B-C585-CE96AC9351FD}"/>
+              </a:ext>
+            </a:extLst>
+          </p:cNvPr>
+          <p:cNvSpPr txBox="1">
+            <a:spLocks noGrp="1"/>
+          </p:cNvSpPr>
+          <p:nvPr>
+            <p:ph type="ctrTitle"/>
+          </p:nvPr>
+        </p:nvSpPr>
+        <p:spPr>
+          <a:xfrm>
+            <a:off x="-1558500" y="2167400"/>
+            <a:ext cx="6952400" cy="1261600"/>
+          </a:xfrm>
+          <a:prstGeom prst="rect">
+            <a:avLst/>
+          </a:prstGeom>
+          <a:noFill/>
+          <a:ln>
+            <a:noFill/>
+          </a:ln>
+        </p:spPr>
+        <p:txBody>
+          <a:bodyPr spcFirstLastPara="1" wrap="square" lIns="91425" tIns="91425" rIns="91425" bIns="91425" anchor="b" anchorCtr="0">
+            <a:noAutofit/>
+          </a:bodyPr>
+          <a:lstStyle>
+            <a:defPPr marR="0" lvl="0" algn="l" rtl="0">
+              <a:lnSpc>
+                <a:spcPct val="100000"/>
+              </a:lnSpc>
+              <a:spcBef>
+                <a:spcPts val="0"/>
+              </a:spcBef>
+              <a:spcAft>
+                <a:spcPts val="0"/>
+              </a:spcAft>
+            </a:defPPr>
+            <a:lvl1pPr marR="0" lvl="0" algn="ctr" rtl="0">
+              <a:lnSpc>
+                <a:spcPct val="100000"/>
+              </a:lnSpc>
+              <a:spcBef>
+                <a:spcPts val="0"/>
+              </a:spcBef>
+              <a:spcAft>
+                <a:spcPts val="0"/>
+              </a:spcAft>
+              <a:buClr>
+                <a:srgbClr val="000000"/>
+              </a:buClr>
+              <a:buSzPts val="4800"/>
+              <a:buFont typeface="Exo 2"/>
+              <a:buNone/>
+              <a:defRPr sz="4800" b="1" i="0" u="none" strike="noStrike" cap="none">
+                <a:solidFill>
+                  <a:schemeClr val="dk1"/>
+                </a:solidFill>
+                <a:latin typeface="Exo 2"/>
+                <a:ea typeface="Exo 2"/>
+                <a:cs typeface="Exo 2"/>
+                <a:sym typeface="Exo 2"/>
+              </a:defRPr>
+            </a:lvl1pPr>
+            <a:lvl2pPr marR="0" lvl="1" algn="ctr" rtl="0">
+              <a:lnSpc>
+                <a:spcPct val="100000"/>
+              </a:lnSpc>
+              <a:spcBef>
+                <a:spcPts val="0"/>
+              </a:spcBef>
+              <a:spcAft>
+                <a:spcPts val="0"/>
+              </a:spcAft>
+              <a:buClr>
+                <a:srgbClr val="FFFFFF"/>
+              </a:buClr>
+              <a:buSzPts val="4800"/>
+              <a:buFont typeface="Squada One"/>
+              <a:buNone/>
+              <a:defRPr sz="4800" b="0" i="0" u="none" strike="noStrike" cap="none">
+                <a:solidFill>
+                  <a:srgbClr val="FFFFFF"/>
+                </a:solidFill>
+                <a:latin typeface="Squada One"/>
+                <a:ea typeface="Squada One"/>
+                <a:cs typeface="Squada One"/>
+                <a:sym typeface="Squada One"/>
+              </a:defRPr>
+            </a:lvl2pPr>
+            <a:lvl3pPr marR="0" lvl="2" algn="ctr" rtl="0">
+              <a:lnSpc>
+                <a:spcPct val="100000"/>
+              </a:lnSpc>
+              <a:spcBef>
+                <a:spcPts val="0"/>
+              </a:spcBef>
+              <a:spcAft>
+                <a:spcPts val="0"/>
+              </a:spcAft>
+              <a:buClr>
+                <a:srgbClr val="FFFFFF"/>
+              </a:buClr>
+              <a:buSzPts val="4800"/>
+              <a:buFont typeface="Squada One"/>
+              <a:buNone/>
+              <a:defRPr sz="4800" b="0" i="0" u="none" strike="noStrike" cap="none">
+                <a:solidFill>
+                  <a:srgbClr val="FFFFFF"/>
+                </a:solidFill>
+                <a:latin typeface="Squada One"/>
+                <a:ea typeface="Squada One"/>
+                <a:cs typeface="Squada One"/>
+                <a:sym typeface="Squada One"/>
+              </a:defRPr>
+            </a:lvl3pPr>
+            <a:lvl4pPr marR="0" lvl="3" algn="ctr" rtl="0">
+              <a:lnSpc>
+                <a:spcPct val="100000"/>
+              </a:lnSpc>
+              <a:spcBef>
+                <a:spcPts val="0"/>
+              </a:spcBef>
+              <a:spcAft>
+                <a:spcPts val="0"/>
+              </a:spcAft>
+              <a:buClr>
+                <a:srgbClr val="FFFFFF"/>
+              </a:buClr>
+              <a:buSzPts val="4800"/>
+              <a:buFont typeface="Squada One"/>
+              <a:buNone/>
+              <a:defRPr sz="4800" b="0" i="0" u="none" strike="noStrike" cap="none">
+                <a:solidFill>
+                  <a:srgbClr val="FFFFFF"/>
+                </a:solidFill>
+                <a:latin typeface="Squada One"/>
+                <a:ea typeface="Squada One"/>
+                <a:cs typeface="Squada One"/>
+                <a:sym typeface="Squada One"/>
+              </a:defRPr>
+            </a:lvl4pPr>
+            <a:lvl5pPr marR="0" lvl="4" algn="ctr" rtl="0">
+              <a:lnSpc>
+                <a:spcPct val="100000"/>
+              </a:lnSpc>
+              <a:spcBef>
+                <a:spcPts val="0"/>
+              </a:spcBef>
+              <a:spcAft>
+                <a:spcPts val="0"/>
+              </a:spcAft>
+              <a:buClr>
+                <a:srgbClr val="FFFFFF"/>
+              </a:buClr>
+              <a:buSzPts val="4800"/>
+              <a:buFont typeface="Squada One"/>
+              <a:buNone/>
+              <a:defRPr sz="4800" b="0" i="0" u="none" strike="noStrike" cap="none">
+                <a:solidFill>
+                  <a:srgbClr val="FFFFFF"/>
+                </a:solidFill>
+                <a:latin typeface="Squada One"/>
+                <a:ea typeface="Squada One"/>
+                <a:cs typeface="Squada One"/>
+                <a:sym typeface="Squada One"/>
+              </a:defRPr>
+            </a:lvl5pPr>
+            <a:lvl6pPr marR="0" lvl="5" algn="ctr" rtl="0">
+              <a:lnSpc>
+                <a:spcPct val="100000"/>
+              </a:lnSpc>
+              <a:spcBef>
+                <a:spcPts val="0"/>
+              </a:spcBef>
+              <a:spcAft>
+                <a:spcPts val="0"/>
+              </a:spcAft>
+              <a:buClr>
+                <a:srgbClr val="FFFFFF"/>
+              </a:buClr>
+              <a:buSzPts val="4800"/>
+              <a:buFont typeface="Squada One"/>
+              <a:buNone/>
+              <a:defRPr sz="4800" b="0" i="0" u="none" strike="noStrike" cap="none">
+                <a:solidFill>
+                  <a:srgbClr val="FFFFFF"/>
+                </a:solidFill>
+                <a:latin typeface="Squada One"/>
+                <a:ea typeface="Squada One"/>
+                <a:cs typeface="Squada One"/>
+                <a:sym typeface="Squada One"/>
+              </a:defRPr>
+            </a:lvl6pPr>
+            <a:lvl7pPr marR="0" lvl="6" algn="ctr" rtl="0">
+              <a:lnSpc>
+                <a:spcPct val="100000"/>
+              </a:lnSpc>
+              <a:spcBef>
+                <a:spcPts val="0"/>
+              </a:spcBef>
+              <a:spcAft>
+                <a:spcPts val="0"/>
+              </a:spcAft>
+              <a:buClr>
+                <a:srgbClr val="FFFFFF"/>
+              </a:buClr>
+              <a:buSzPts val="4800"/>
+              <a:buFont typeface="Squada One"/>
+              <a:buNone/>
+              <a:defRPr sz="4800" b="0" i="0" u="none" strike="noStrike" cap="none">
+                <a:solidFill>
+                  <a:srgbClr val="FFFFFF"/>
+                </a:solidFill>
+                <a:latin typeface="Squada One"/>
+                <a:ea typeface="Squada One"/>
+                <a:cs typeface="Squada One"/>
+                <a:sym typeface="Squada One"/>
+              </a:defRPr>
+            </a:lvl7pPr>
+            <a:lvl8pPr marR="0" lvl="7" algn="ctr" rtl="0">
+              <a:lnSpc>
+                <a:spcPct val="100000"/>
+              </a:lnSpc>
+              <a:spcBef>
+                <a:spcPts val="0"/>
+              </a:spcBef>
+              <a:spcAft>
+                <a:spcPts val="0"/>
+              </a:spcAft>
+              <a:buClr>
+                <a:srgbClr val="FFFFFF"/>
+              </a:buClr>
+              <a:buSzPts val="4800"/>
+              <a:buFont typeface="Squada One"/>
+              <a:buNone/>
+              <a:defRPr sz="4800" b="0" i="0" u="none" strike="noStrike" cap="none">
+                <a:solidFill>
+                  <a:srgbClr val="FFFFFF"/>
+                </a:solidFill>
+                <a:latin typeface="Squada One"/>
+                <a:ea typeface="Squada One"/>
+                <a:cs typeface="Squada One"/>
+                <a:sym typeface="Squada One"/>
+              </a:defRPr>
+            </a:lvl8pPr>
+            <a:lvl9pPr marR="0" lvl="8" algn="ctr" rtl="0">
+              <a:lnSpc>
+                <a:spcPct val="100000"/>
+              </a:lnSpc>
+              <a:spcBef>
+                <a:spcPts val="0"/>
+              </a:spcBef>
+              <a:spcAft>
+                <a:spcPts val="0"/>
+              </a:spcAft>
+              <a:buClr>
+                <a:srgbClr val="FFFFFF"/>
+              </a:buClr>
+              <a:buSzPts val="4800"/>
+              <a:buFont typeface="Squada One"/>
+              <a:buNone/>
+              <a:defRPr sz="4800" b="0" i="0" u="none" strike="noStrike" cap="none">
+                <a:solidFill>
+                  <a:srgbClr val="FFFFFF"/>
+                </a:solidFill>
+                <a:latin typeface="Squada One"/>
+                <a:ea typeface="Squada One"/>
+                <a:cs typeface="Squada One"/>
+                <a:sym typeface="Squada One"/>
+              </a:defRPr>
+            </a:lvl9pPr>
+          </a:lstStyle>
+          <a:p>
+            <a:pPr marL="0" lvl="0" indent="0" algn="ctr" rtl="0">
+              <a:spcBef>
+                <a:spcPts val="0"/>
+              </a:spcBef>
+              <a:spcAft>
+                <a:spcPts val="0"/>
+              </a:spcAft>
+              <a:buNone/>
+            </a:pPr>
+            <a:r>
+              <a:rPr lang="en" sz="6000" dirty="0"/>
+              <a:t>THANKS</a:t>
+            </a:r>
+            <a:endParaRPr sz="6000" dirty="0"/>
+          </a:p>
+        </p:txBody>
+      </p:sp>
+    </p:spTree>
+  </p:cSld>
+  <p:clrMapOvr>
+    <a:masterClrMapping/>
+  </p:clrMapOvr>
+</p:sld>
+</file>
+
+<file path=ppt/slides/slide18.xml><?xml version="1.0" encoding="utf-8"?>
+<p:sld xmlns:a="http://schemas.openxmlformats.org/drawingml/2006/main" xmlns:r="http://schemas.openxmlformats.org/officeDocument/2006/relationships" xmlns:p="http://schemas.openxmlformats.org/presentationml/2006/main">
+  <p:cSld>
+    <p:spTree>
+      <p:nvGrpSpPr>
+        <p:cNvPr id="1" name=""/>
+        <p:cNvGrpSpPr/>
+        <p:nvPr/>
+      </p:nvGrpSpPr>
+      <p:grpSpPr>
+        <a:xfrm>
+          <a:off x="0" y="0"/>
+          <a:ext cx="0" cy="0"/>
+          <a:chOff x="0" y="0"/>
+          <a:chExt cx="0" cy="0"/>
+        </a:xfrm>
+      </p:grpSpPr>
+      <p:pic>
+        <p:nvPicPr>
+          <p:cNvPr id="3" name="Picture 2" descr="A screen shot of a graph&#10;&#10;Description automatically generated">
+            <a:extLst>
+              <a:ext uri="{FF2B5EF4-FFF2-40B4-BE49-F238E27FC236}">
+                <a16:creationId xmlns:a16="http://schemas.microsoft.com/office/drawing/2014/main" id="{A5776A06-59C1-F902-7EF4-9625FE097C3E}"/>
               </a:ext>
             </a:extLst>
           </p:cNvPr>
@@ -3378,8 +7178,8 @@
         </p:blipFill>
         <p:spPr>
           <a:xfrm>
-            <a:off x="1523991" y="828669"/>
-            <a:ext cx="9144018" cy="5486411"/>
+            <a:off x="1035210" y="778175"/>
+            <a:ext cx="5214257" cy="5214257"/>
           </a:xfrm>
           <a:prstGeom prst="rect">
             <a:avLst/>
@@ -3388,10 +7188,10 @@
       </p:pic>
       <p:sp>
         <p:nvSpPr>
-          <p:cNvPr id="6" name="TextBox 5">
-            <a:extLst>
-              <a:ext uri="{FF2B5EF4-FFF2-40B4-BE49-F238E27FC236}">
-                <a16:creationId xmlns:a16="http://schemas.microsoft.com/office/drawing/2014/main" id="{5B77566F-4B15-AD19-7649-DFF98CB04779}"/>
+          <p:cNvPr id="8" name="TextBox 7">
+            <a:extLst>
+              <a:ext uri="{FF2B5EF4-FFF2-40B4-BE49-F238E27FC236}">
+                <a16:creationId xmlns:a16="http://schemas.microsoft.com/office/drawing/2014/main" id="{00B15C5A-3EE7-875B-DFE7-AB892CB1D841}"/>
               </a:ext>
             </a:extLst>
           </p:cNvPr>
@@ -3400,8 +7200,8 @@
         </p:nvSpPr>
         <p:spPr>
           <a:xfrm>
-            <a:off x="3051575" y="358254"/>
-            <a:ext cx="7108806" cy="369332"/>
+            <a:off x="3892468" y="122466"/>
+            <a:ext cx="5912324" cy="369332"/>
           </a:xfrm>
           <a:prstGeom prst="rect">
             <a:avLst/>
@@ -3416,17 +7216,17 @@
           <a:p>
             <a:r>
               <a:rPr lang="en-GB" dirty="0"/>
-              <a:t>Number of the proteins from different analysis from the same experiment</a:t>
-            </a:r>
-          </a:p>
-        </p:txBody>
-      </p:sp>
-      <p:sp>
-        <p:nvSpPr>
-          <p:cNvPr id="7" name="TextBox 6">
-            <a:extLst>
-              <a:ext uri="{FF2B5EF4-FFF2-40B4-BE49-F238E27FC236}">
-                <a16:creationId xmlns:a16="http://schemas.microsoft.com/office/drawing/2014/main" id="{DF6A4BF6-EBD1-4823-D8C1-5BCAD6D6A327}"/>
+              <a:t>Understand the effect of PSM calculation vs peptides in LMM</a:t>
+            </a:r>
+          </a:p>
+        </p:txBody>
+      </p:sp>
+      <p:sp>
+        <p:nvSpPr>
+          <p:cNvPr id="9" name="TextBox 8">
+            <a:extLst>
+              <a:ext uri="{FF2B5EF4-FFF2-40B4-BE49-F238E27FC236}">
+                <a16:creationId xmlns:a16="http://schemas.microsoft.com/office/drawing/2014/main" id="{71914606-1974-6C61-0C60-8494CB47576B}"/>
               </a:ext>
             </a:extLst>
           </p:cNvPr>
@@ -3435,8 +7235,8 @@
         </p:nvSpPr>
         <p:spPr>
           <a:xfrm>
-            <a:off x="7956950" y="6231497"/>
-            <a:ext cx="1834285" cy="369332"/>
+            <a:off x="2382730" y="6278809"/>
+            <a:ext cx="2576090" cy="369332"/>
           </a:xfrm>
           <a:prstGeom prst="rect">
             <a:avLst/>
@@ -3450,8 +7250,274 @@
           <a:lstStyle/>
           <a:p>
             <a:r>
-              <a:rPr lang="en-GB" b="1" dirty="0"/>
-              <a:t>No IT adjustment</a:t>
+              <a:rPr lang="en-GB" dirty="0"/>
+              <a:t>Merge with all accessions</a:t>
+            </a:r>
+          </a:p>
+        </p:txBody>
+      </p:sp>
+      <p:sp>
+        <p:nvSpPr>
+          <p:cNvPr id="6" name="TextBox 5">
+            <a:extLst>
+              <a:ext uri="{FF2B5EF4-FFF2-40B4-BE49-F238E27FC236}">
+                <a16:creationId xmlns:a16="http://schemas.microsoft.com/office/drawing/2014/main" id="{A4544C7F-7814-3DFD-EB49-12FBB16956F2}"/>
+              </a:ext>
+            </a:extLst>
+          </p:cNvPr>
+          <p:cNvSpPr txBox="1"/>
+          <p:nvPr/>
+        </p:nvSpPr>
+        <p:spPr>
+          <a:xfrm>
+            <a:off x="2382730" y="5807766"/>
+            <a:ext cx="2519216" cy="369332"/>
+          </a:xfrm>
+          <a:prstGeom prst="rect">
+            <a:avLst/>
+          </a:prstGeom>
+          <a:noFill/>
+        </p:spPr>
+        <p:txBody>
+          <a:bodyPr wrap="none" rtlCol="0">
+            <a:spAutoFit/>
+          </a:bodyPr>
+          <a:lstStyle/>
+          <a:p>
+            <a:r>
+              <a:rPr lang="en-GB" dirty="0">
+                <a:solidFill>
+                  <a:srgbClr val="FF0000"/>
+                </a:solidFill>
+              </a:rPr>
+              <a:t>Samples : CCCP vs DMSO</a:t>
+            </a:r>
+          </a:p>
+        </p:txBody>
+      </p:sp>
+      <p:sp>
+        <p:nvSpPr>
+          <p:cNvPr id="15" name="TextBox 14">
+            <a:extLst>
+              <a:ext uri="{FF2B5EF4-FFF2-40B4-BE49-F238E27FC236}">
+                <a16:creationId xmlns:a16="http://schemas.microsoft.com/office/drawing/2014/main" id="{2183EBC2-B78A-9EF2-F623-37EA9CF2F81F}"/>
+              </a:ext>
+            </a:extLst>
+          </p:cNvPr>
+          <p:cNvSpPr txBox="1"/>
+          <p:nvPr/>
+        </p:nvSpPr>
+        <p:spPr>
+          <a:xfrm>
+            <a:off x="2632860" y="778174"/>
+            <a:ext cx="2519216" cy="369332"/>
+          </a:xfrm>
+          <a:prstGeom prst="rect">
+            <a:avLst/>
+          </a:prstGeom>
+          <a:noFill/>
+        </p:spPr>
+        <p:txBody>
+          <a:bodyPr wrap="square">
+            <a:spAutoFit/>
+          </a:bodyPr>
+          <a:lstStyle/>
+          <a:p>
+            <a:r>
+              <a:rPr lang="en-GB" dirty="0">
+                <a:solidFill>
+                  <a:srgbClr val="FF0000"/>
+                </a:solidFill>
+              </a:rPr>
+              <a:t> PSMs vs Peptides</a:t>
+            </a:r>
+          </a:p>
+        </p:txBody>
+      </p:sp>
+      <p:pic>
+        <p:nvPicPr>
+          <p:cNvPr id="18" name="Picture 17" descr="A screen shot of a graph&#10;&#10;Description automatically generated">
+            <a:extLst>
+              <a:ext uri="{FF2B5EF4-FFF2-40B4-BE49-F238E27FC236}">
+                <a16:creationId xmlns:a16="http://schemas.microsoft.com/office/drawing/2014/main" id="{92005135-DDD0-26BD-7A57-C940FB33F6E4}"/>
+              </a:ext>
+            </a:extLst>
+          </p:cNvPr>
+          <p:cNvPicPr>
+            <a:picLocks noChangeAspect="1"/>
+          </p:cNvPicPr>
+          <p:nvPr/>
+        </p:nvPicPr>
+        <p:blipFill>
+          <a:blip r:embed="rId3">
+            <a:extLst>
+              <a:ext uri="{28A0092B-C50C-407E-A947-70E740481C1C}">
+                <a14:useLocalDpi xmlns:a14="http://schemas.microsoft.com/office/drawing/2010/main" val="0"/>
+              </a:ext>
+            </a:extLst>
+          </a:blip>
+          <a:stretch>
+            <a:fillRect/>
+          </a:stretch>
+        </p:blipFill>
+        <p:spPr>
+          <a:xfrm>
+            <a:off x="6249466" y="778174"/>
+            <a:ext cx="5214257" cy="5214257"/>
+          </a:xfrm>
+          <a:prstGeom prst="rect">
+            <a:avLst/>
+          </a:prstGeom>
+        </p:spPr>
+      </p:pic>
+      <p:sp>
+        <p:nvSpPr>
+          <p:cNvPr id="19" name="TextBox 18">
+            <a:extLst>
+              <a:ext uri="{FF2B5EF4-FFF2-40B4-BE49-F238E27FC236}">
+                <a16:creationId xmlns:a16="http://schemas.microsoft.com/office/drawing/2014/main" id="{5FBA9DD9-860B-F6AF-74AA-7B9917887BF9}"/>
+              </a:ext>
+            </a:extLst>
+          </p:cNvPr>
+          <p:cNvSpPr txBox="1"/>
+          <p:nvPr/>
+        </p:nvSpPr>
+        <p:spPr>
+          <a:xfrm>
+            <a:off x="7806847" y="778173"/>
+            <a:ext cx="2519216" cy="369332"/>
+          </a:xfrm>
+          <a:prstGeom prst="rect">
+            <a:avLst/>
+          </a:prstGeom>
+          <a:noFill/>
+        </p:spPr>
+        <p:txBody>
+          <a:bodyPr wrap="square">
+            <a:spAutoFit/>
+          </a:bodyPr>
+          <a:lstStyle/>
+          <a:p>
+            <a:r>
+              <a:rPr lang="en-GB" dirty="0">
+                <a:solidFill>
+                  <a:srgbClr val="FF0000"/>
+                </a:solidFill>
+              </a:rPr>
+              <a:t> PSMs vs Peptides</a:t>
+            </a:r>
+          </a:p>
+        </p:txBody>
+      </p:sp>
+      <p:sp>
+        <p:nvSpPr>
+          <p:cNvPr id="20" name="TextBox 19">
+            <a:extLst>
+              <a:ext uri="{FF2B5EF4-FFF2-40B4-BE49-F238E27FC236}">
+                <a16:creationId xmlns:a16="http://schemas.microsoft.com/office/drawing/2014/main" id="{B005F792-1319-D963-60C0-78CEE9CE8453}"/>
+              </a:ext>
+            </a:extLst>
+          </p:cNvPr>
+          <p:cNvSpPr txBox="1"/>
+          <p:nvPr/>
+        </p:nvSpPr>
+        <p:spPr>
+          <a:xfrm>
+            <a:off x="7596986" y="5807765"/>
+            <a:ext cx="2519216" cy="369332"/>
+          </a:xfrm>
+          <a:prstGeom prst="rect">
+            <a:avLst/>
+          </a:prstGeom>
+          <a:noFill/>
+        </p:spPr>
+        <p:txBody>
+          <a:bodyPr wrap="none" rtlCol="0">
+            <a:spAutoFit/>
+          </a:bodyPr>
+          <a:lstStyle/>
+          <a:p>
+            <a:r>
+              <a:rPr lang="en-GB" dirty="0">
+                <a:solidFill>
+                  <a:srgbClr val="FF0000"/>
+                </a:solidFill>
+              </a:rPr>
+              <a:t>Samples : CCCP vs DMSO</a:t>
+            </a:r>
+          </a:p>
+        </p:txBody>
+      </p:sp>
+      <p:sp>
+        <p:nvSpPr>
+          <p:cNvPr id="21" name="TextBox 20">
+            <a:extLst>
+              <a:ext uri="{FF2B5EF4-FFF2-40B4-BE49-F238E27FC236}">
+                <a16:creationId xmlns:a16="http://schemas.microsoft.com/office/drawing/2014/main" id="{C2E6FC08-56EB-4EBD-C743-23F7EE55AC66}"/>
+              </a:ext>
+            </a:extLst>
+          </p:cNvPr>
+          <p:cNvSpPr txBox="1"/>
+          <p:nvPr/>
+        </p:nvSpPr>
+        <p:spPr>
+          <a:xfrm>
+            <a:off x="7108812" y="6278809"/>
+            <a:ext cx="3643370" cy="369332"/>
+          </a:xfrm>
+          <a:prstGeom prst="rect">
+            <a:avLst/>
+          </a:prstGeom>
+          <a:noFill/>
+        </p:spPr>
+        <p:txBody>
+          <a:bodyPr wrap="none" rtlCol="0">
+            <a:spAutoFit/>
+          </a:bodyPr>
+          <a:lstStyle/>
+          <a:p>
+            <a:r>
+              <a:rPr lang="en-GB" dirty="0"/>
+              <a:t>Merge with only common accessions</a:t>
+            </a:r>
+          </a:p>
+        </p:txBody>
+      </p:sp>
+      <p:sp>
+        <p:nvSpPr>
+          <p:cNvPr id="22" name="TextBox 21">
+            <a:extLst>
+              <a:ext uri="{FF2B5EF4-FFF2-40B4-BE49-F238E27FC236}">
+                <a16:creationId xmlns:a16="http://schemas.microsoft.com/office/drawing/2014/main" id="{214BFE93-FB1F-E8D5-4067-3900461279EE}"/>
+              </a:ext>
+            </a:extLst>
+          </p:cNvPr>
+          <p:cNvSpPr txBox="1"/>
+          <p:nvPr/>
+        </p:nvSpPr>
+        <p:spPr>
+          <a:xfrm>
+            <a:off x="0" y="25193"/>
+            <a:ext cx="2519216" cy="369332"/>
+          </a:xfrm>
+          <a:prstGeom prst="rect">
+            <a:avLst/>
+          </a:prstGeom>
+          <a:noFill/>
+        </p:spPr>
+        <p:txBody>
+          <a:bodyPr wrap="square">
+            <a:spAutoFit/>
+          </a:bodyPr>
+          <a:lstStyle/>
+          <a:p>
+            <a:r>
+              <a:rPr lang="en-GB" dirty="0">
+                <a:solidFill>
+                  <a:srgbClr val="FF0000"/>
+                </a:solidFill>
+              </a:rPr>
+              <a:t>No Booster used!</a:t>
             </a:r>
           </a:p>
         </p:txBody>
@@ -3459,7 +7525,409 @@
     </p:spTree>
     <p:extLst>
       <p:ext uri="{BB962C8B-B14F-4D97-AF65-F5344CB8AC3E}">
-        <p14:creationId xmlns:p14="http://schemas.microsoft.com/office/powerpoint/2010/main" val="887936585"/>
+        <p14:creationId xmlns:p14="http://schemas.microsoft.com/office/powerpoint/2010/main" val="817069767"/>
+      </p:ext>
+    </p:extLst>
+  </p:cSld>
+  <p:clrMapOvr>
+    <a:masterClrMapping/>
+  </p:clrMapOvr>
+</p:sld>
+</file>
+
+<file path=ppt/slides/slide19.xml><?xml version="1.0" encoding="utf-8"?>
+<p:sld xmlns:a="http://schemas.openxmlformats.org/drawingml/2006/main" xmlns:r="http://schemas.openxmlformats.org/officeDocument/2006/relationships" xmlns:p="http://schemas.openxmlformats.org/presentationml/2006/main">
+  <p:cSld>
+    <p:spTree>
+      <p:nvGrpSpPr>
+        <p:cNvPr id="1" name=""/>
+        <p:cNvGrpSpPr/>
+        <p:nvPr/>
+      </p:nvGrpSpPr>
+      <p:grpSpPr>
+        <a:xfrm>
+          <a:off x="0" y="0"/>
+          <a:ext cx="0" cy="0"/>
+          <a:chOff x="0" y="0"/>
+          <a:chExt cx="0" cy="0"/>
+        </a:xfrm>
+      </p:grpSpPr>
+      <p:pic>
+        <p:nvPicPr>
+          <p:cNvPr id="5" name="Picture 4" descr="A graph of a graph&#10;&#10;Description automatically generated with medium confidence">
+            <a:extLst>
+              <a:ext uri="{FF2B5EF4-FFF2-40B4-BE49-F238E27FC236}">
+                <a16:creationId xmlns:a16="http://schemas.microsoft.com/office/drawing/2014/main" id="{C169E58B-6C58-DAA4-40C8-F893AA3744DB}"/>
+              </a:ext>
+            </a:extLst>
+          </p:cNvPr>
+          <p:cNvPicPr>
+            <a:picLocks noChangeAspect="1"/>
+          </p:cNvPicPr>
+          <p:nvPr/>
+        </p:nvPicPr>
+        <p:blipFill>
+          <a:blip r:embed="rId2">
+            <a:extLst>
+              <a:ext uri="{28A0092B-C50C-407E-A947-70E740481C1C}">
+                <a14:useLocalDpi xmlns:a14="http://schemas.microsoft.com/office/drawing/2010/main" val="0"/>
+              </a:ext>
+            </a:extLst>
+          </a:blip>
+          <a:stretch>
+            <a:fillRect/>
+          </a:stretch>
+        </p:blipFill>
+        <p:spPr>
+          <a:xfrm>
+            <a:off x="6276253" y="771340"/>
+            <a:ext cx="5141165" cy="5141165"/>
+          </a:xfrm>
+          <a:prstGeom prst="rect">
+            <a:avLst/>
+          </a:prstGeom>
+        </p:spPr>
+      </p:pic>
+      <p:pic>
+        <p:nvPicPr>
+          <p:cNvPr id="2" name="Picture 1" descr="A graph of a graph&#10;&#10;Description automatically generated with medium confidence">
+            <a:extLst>
+              <a:ext uri="{FF2B5EF4-FFF2-40B4-BE49-F238E27FC236}">
+                <a16:creationId xmlns:a16="http://schemas.microsoft.com/office/drawing/2014/main" id="{847F69EC-9D96-A912-5489-3E686E752E0D}"/>
+              </a:ext>
+            </a:extLst>
+          </p:cNvPr>
+          <p:cNvPicPr>
+            <a:picLocks noChangeAspect="1"/>
+          </p:cNvPicPr>
+          <p:nvPr/>
+        </p:nvPicPr>
+        <p:blipFill>
+          <a:blip r:embed="rId3">
+            <a:extLst>
+              <a:ext uri="{28A0092B-C50C-407E-A947-70E740481C1C}">
+                <a14:useLocalDpi xmlns:a14="http://schemas.microsoft.com/office/drawing/2010/main" val="0"/>
+              </a:ext>
+            </a:extLst>
+          </a:blip>
+          <a:stretch>
+            <a:fillRect/>
+          </a:stretch>
+        </p:blipFill>
+        <p:spPr>
+          <a:xfrm>
+            <a:off x="1297734" y="771340"/>
+            <a:ext cx="5141165" cy="5141165"/>
+          </a:xfrm>
+          <a:prstGeom prst="rect">
+            <a:avLst/>
+          </a:prstGeom>
+        </p:spPr>
+      </p:pic>
+      <p:sp>
+        <p:nvSpPr>
+          <p:cNvPr id="8" name="TextBox 7">
+            <a:extLst>
+              <a:ext uri="{FF2B5EF4-FFF2-40B4-BE49-F238E27FC236}">
+                <a16:creationId xmlns:a16="http://schemas.microsoft.com/office/drawing/2014/main" id="{00B15C5A-3EE7-875B-DFE7-AB892CB1D841}"/>
+              </a:ext>
+            </a:extLst>
+          </p:cNvPr>
+          <p:cNvSpPr txBox="1"/>
+          <p:nvPr/>
+        </p:nvSpPr>
+        <p:spPr>
+          <a:xfrm>
+            <a:off x="3892468" y="122466"/>
+            <a:ext cx="5912324" cy="369332"/>
+          </a:xfrm>
+          <a:prstGeom prst="rect">
+            <a:avLst/>
+          </a:prstGeom>
+          <a:noFill/>
+        </p:spPr>
+        <p:txBody>
+          <a:bodyPr wrap="none" rtlCol="0">
+            <a:spAutoFit/>
+          </a:bodyPr>
+          <a:lstStyle/>
+          <a:p>
+            <a:r>
+              <a:rPr lang="en-GB" dirty="0"/>
+              <a:t>Understand the effect of PSM calculation vs peptides in LMM</a:t>
+            </a:r>
+          </a:p>
+        </p:txBody>
+      </p:sp>
+      <p:sp>
+        <p:nvSpPr>
+          <p:cNvPr id="9" name="TextBox 8">
+            <a:extLst>
+              <a:ext uri="{FF2B5EF4-FFF2-40B4-BE49-F238E27FC236}">
+                <a16:creationId xmlns:a16="http://schemas.microsoft.com/office/drawing/2014/main" id="{71914606-1974-6C61-0C60-8494CB47576B}"/>
+              </a:ext>
+            </a:extLst>
+          </p:cNvPr>
+          <p:cNvSpPr txBox="1"/>
+          <p:nvPr/>
+        </p:nvSpPr>
+        <p:spPr>
+          <a:xfrm>
+            <a:off x="2382730" y="6278809"/>
+            <a:ext cx="2576090" cy="369332"/>
+          </a:xfrm>
+          <a:prstGeom prst="rect">
+            <a:avLst/>
+          </a:prstGeom>
+          <a:noFill/>
+        </p:spPr>
+        <p:txBody>
+          <a:bodyPr wrap="none" rtlCol="0">
+            <a:spAutoFit/>
+          </a:bodyPr>
+          <a:lstStyle/>
+          <a:p>
+            <a:r>
+              <a:rPr lang="en-GB" dirty="0"/>
+              <a:t>Merge with all accessions</a:t>
+            </a:r>
+          </a:p>
+        </p:txBody>
+      </p:sp>
+      <p:sp>
+        <p:nvSpPr>
+          <p:cNvPr id="6" name="TextBox 5">
+            <a:extLst>
+              <a:ext uri="{FF2B5EF4-FFF2-40B4-BE49-F238E27FC236}">
+                <a16:creationId xmlns:a16="http://schemas.microsoft.com/office/drawing/2014/main" id="{A4544C7F-7814-3DFD-EB49-12FBB16956F2}"/>
+              </a:ext>
+            </a:extLst>
+          </p:cNvPr>
+          <p:cNvSpPr txBox="1"/>
+          <p:nvPr/>
+        </p:nvSpPr>
+        <p:spPr>
+          <a:xfrm>
+            <a:off x="2117817" y="5807765"/>
+            <a:ext cx="3105915" cy="369332"/>
+          </a:xfrm>
+          <a:prstGeom prst="rect">
+            <a:avLst/>
+          </a:prstGeom>
+          <a:noFill/>
+        </p:spPr>
+        <p:txBody>
+          <a:bodyPr wrap="none" rtlCol="0">
+            <a:spAutoFit/>
+          </a:bodyPr>
+          <a:lstStyle/>
+          <a:p>
+            <a:r>
+              <a:rPr lang="en-GB" dirty="0">
+                <a:solidFill>
+                  <a:srgbClr val="FF0000"/>
+                </a:solidFill>
+              </a:rPr>
+              <a:t>Samples : CCCP+ISRIB vs DMSO</a:t>
+            </a:r>
+          </a:p>
+        </p:txBody>
+      </p:sp>
+      <p:sp>
+        <p:nvSpPr>
+          <p:cNvPr id="15" name="TextBox 14">
+            <a:extLst>
+              <a:ext uri="{FF2B5EF4-FFF2-40B4-BE49-F238E27FC236}">
+                <a16:creationId xmlns:a16="http://schemas.microsoft.com/office/drawing/2014/main" id="{2183EBC2-B78A-9EF2-F623-37EA9CF2F81F}"/>
+              </a:ext>
+            </a:extLst>
+          </p:cNvPr>
+          <p:cNvSpPr txBox="1"/>
+          <p:nvPr/>
+        </p:nvSpPr>
+        <p:spPr>
+          <a:xfrm>
+            <a:off x="2632860" y="778174"/>
+            <a:ext cx="2519216" cy="369332"/>
+          </a:xfrm>
+          <a:prstGeom prst="rect">
+            <a:avLst/>
+          </a:prstGeom>
+          <a:noFill/>
+        </p:spPr>
+        <p:txBody>
+          <a:bodyPr wrap="square">
+            <a:spAutoFit/>
+          </a:bodyPr>
+          <a:lstStyle/>
+          <a:p>
+            <a:r>
+              <a:rPr lang="en-GB" dirty="0">
+                <a:solidFill>
+                  <a:srgbClr val="FF0000"/>
+                </a:solidFill>
+              </a:rPr>
+              <a:t> PSMs vs Peptides</a:t>
+            </a:r>
+          </a:p>
+        </p:txBody>
+      </p:sp>
+      <p:sp>
+        <p:nvSpPr>
+          <p:cNvPr id="19" name="TextBox 18">
+            <a:extLst>
+              <a:ext uri="{FF2B5EF4-FFF2-40B4-BE49-F238E27FC236}">
+                <a16:creationId xmlns:a16="http://schemas.microsoft.com/office/drawing/2014/main" id="{5FBA9DD9-860B-F6AF-74AA-7B9917887BF9}"/>
+              </a:ext>
+            </a:extLst>
+          </p:cNvPr>
+          <p:cNvSpPr txBox="1"/>
+          <p:nvPr/>
+        </p:nvSpPr>
+        <p:spPr>
+          <a:xfrm>
+            <a:off x="7806847" y="778173"/>
+            <a:ext cx="2519216" cy="369332"/>
+          </a:xfrm>
+          <a:prstGeom prst="rect">
+            <a:avLst/>
+          </a:prstGeom>
+          <a:noFill/>
+        </p:spPr>
+        <p:txBody>
+          <a:bodyPr wrap="square">
+            <a:spAutoFit/>
+          </a:bodyPr>
+          <a:lstStyle/>
+          <a:p>
+            <a:r>
+              <a:rPr lang="en-GB" dirty="0">
+                <a:solidFill>
+                  <a:srgbClr val="FF0000"/>
+                </a:solidFill>
+              </a:rPr>
+              <a:t> PSMs vs Peptides</a:t>
+            </a:r>
+          </a:p>
+        </p:txBody>
+      </p:sp>
+      <p:sp>
+        <p:nvSpPr>
+          <p:cNvPr id="20" name="TextBox 19">
+            <a:extLst>
+              <a:ext uri="{FF2B5EF4-FFF2-40B4-BE49-F238E27FC236}">
+                <a16:creationId xmlns:a16="http://schemas.microsoft.com/office/drawing/2014/main" id="{B005F792-1319-D963-60C0-78CEE9CE8453}"/>
+              </a:ext>
+            </a:extLst>
+          </p:cNvPr>
+          <p:cNvSpPr txBox="1"/>
+          <p:nvPr/>
+        </p:nvSpPr>
+        <p:spPr>
+          <a:xfrm>
+            <a:off x="7444586" y="5812662"/>
+            <a:ext cx="3105915" cy="369332"/>
+          </a:xfrm>
+          <a:prstGeom prst="rect">
+            <a:avLst/>
+          </a:prstGeom>
+          <a:noFill/>
+        </p:spPr>
+        <p:txBody>
+          <a:bodyPr wrap="none" rtlCol="0">
+            <a:spAutoFit/>
+          </a:bodyPr>
+          <a:lstStyle/>
+          <a:p>
+            <a:r>
+              <a:rPr lang="en-GB" dirty="0">
+                <a:solidFill>
+                  <a:srgbClr val="FF0000"/>
+                </a:solidFill>
+              </a:rPr>
+              <a:t>Samples : CCCP+ISRIB vs DMSO</a:t>
+            </a:r>
+          </a:p>
+        </p:txBody>
+      </p:sp>
+      <p:sp>
+        <p:nvSpPr>
+          <p:cNvPr id="21" name="TextBox 20">
+            <a:extLst>
+              <a:ext uri="{FF2B5EF4-FFF2-40B4-BE49-F238E27FC236}">
+                <a16:creationId xmlns:a16="http://schemas.microsoft.com/office/drawing/2014/main" id="{C2E6FC08-56EB-4EBD-C743-23F7EE55AC66}"/>
+              </a:ext>
+            </a:extLst>
+          </p:cNvPr>
+          <p:cNvSpPr txBox="1"/>
+          <p:nvPr/>
+        </p:nvSpPr>
+        <p:spPr>
+          <a:xfrm>
+            <a:off x="7108812" y="6278809"/>
+            <a:ext cx="3643370" cy="369332"/>
+          </a:xfrm>
+          <a:prstGeom prst="rect">
+            <a:avLst/>
+          </a:prstGeom>
+          <a:noFill/>
+        </p:spPr>
+        <p:txBody>
+          <a:bodyPr wrap="none" rtlCol="0">
+            <a:spAutoFit/>
+          </a:bodyPr>
+          <a:lstStyle/>
+          <a:p>
+            <a:r>
+              <a:rPr lang="en-GB" dirty="0"/>
+              <a:t>Merge with only common accessions</a:t>
+            </a:r>
+          </a:p>
+        </p:txBody>
+      </p:sp>
+      <p:sp>
+        <p:nvSpPr>
+          <p:cNvPr id="7" name="TextBox 6">
+            <a:extLst>
+              <a:ext uri="{FF2B5EF4-FFF2-40B4-BE49-F238E27FC236}">
+                <a16:creationId xmlns:a16="http://schemas.microsoft.com/office/drawing/2014/main" id="{01976E9B-CAA5-60AC-B8DA-71E70D9B0CBF}"/>
+              </a:ext>
+            </a:extLst>
+          </p:cNvPr>
+          <p:cNvSpPr txBox="1"/>
+          <p:nvPr/>
+        </p:nvSpPr>
+        <p:spPr>
+          <a:xfrm>
+            <a:off x="0" y="25193"/>
+            <a:ext cx="2519216" cy="369332"/>
+          </a:xfrm>
+          <a:prstGeom prst="rect">
+            <a:avLst/>
+          </a:prstGeom>
+          <a:noFill/>
+        </p:spPr>
+        <p:txBody>
+          <a:bodyPr wrap="square">
+            <a:spAutoFit/>
+          </a:bodyPr>
+          <a:lstStyle/>
+          <a:p>
+            <a:r>
+              <a:rPr lang="en-GB" dirty="0">
+                <a:solidFill>
+                  <a:srgbClr val="FF0000"/>
+                </a:solidFill>
+              </a:rPr>
+              <a:t>No Booster used!</a:t>
+            </a:r>
+          </a:p>
+        </p:txBody>
+      </p:sp>
+    </p:spTree>
+    <p:extLst>
+      <p:ext uri="{BB962C8B-B14F-4D97-AF65-F5344CB8AC3E}">
+        <p14:creationId xmlns:p14="http://schemas.microsoft.com/office/powerpoint/2010/main" val="2484939975"/>
       </p:ext>
     </p:extLst>
   </p:cSld>
@@ -3486,12 +7954,143 @@
           <a:chExt cx="0" cy="0"/>
         </a:xfrm>
       </p:grpSpPr>
+      <p:sp>
+        <p:nvSpPr>
+          <p:cNvPr id="6" name="TextBox 5">
+            <a:extLst>
+              <a:ext uri="{FF2B5EF4-FFF2-40B4-BE49-F238E27FC236}">
+                <a16:creationId xmlns:a16="http://schemas.microsoft.com/office/drawing/2014/main" id="{5B77566F-4B15-AD19-7649-DFF98CB04779}"/>
+              </a:ext>
+            </a:extLst>
+          </p:cNvPr>
+          <p:cNvSpPr txBox="1"/>
+          <p:nvPr/>
+        </p:nvSpPr>
+        <p:spPr>
+          <a:xfrm>
+            <a:off x="2612760" y="650925"/>
+            <a:ext cx="7108806" cy="369332"/>
+          </a:xfrm>
+          <a:prstGeom prst="rect">
+            <a:avLst/>
+          </a:prstGeom>
+          <a:noFill/>
+        </p:spPr>
+        <p:txBody>
+          <a:bodyPr wrap="none" rtlCol="0">
+            <a:spAutoFit/>
+          </a:bodyPr>
+          <a:lstStyle/>
+          <a:p>
+            <a:r>
+              <a:rPr lang="en-GB" dirty="0"/>
+              <a:t>Number of the proteins from different analysis from the same experiment</a:t>
+            </a:r>
+          </a:p>
+        </p:txBody>
+      </p:sp>
+      <p:sp>
+        <p:nvSpPr>
+          <p:cNvPr id="7" name="TextBox 6">
+            <a:extLst>
+              <a:ext uri="{FF2B5EF4-FFF2-40B4-BE49-F238E27FC236}">
+                <a16:creationId xmlns:a16="http://schemas.microsoft.com/office/drawing/2014/main" id="{DF6A4BF6-EBD1-4823-D8C1-5BCAD6D6A327}"/>
+              </a:ext>
+            </a:extLst>
+          </p:cNvPr>
+          <p:cNvSpPr txBox="1"/>
+          <p:nvPr/>
+        </p:nvSpPr>
+        <p:spPr>
+          <a:xfrm>
+            <a:off x="7887281" y="6204939"/>
+            <a:ext cx="1834285" cy="369332"/>
+          </a:xfrm>
+          <a:prstGeom prst="rect">
+            <a:avLst/>
+          </a:prstGeom>
+          <a:noFill/>
+        </p:spPr>
+        <p:txBody>
+          <a:bodyPr wrap="none" rtlCol="0">
+            <a:spAutoFit/>
+          </a:bodyPr>
+          <a:lstStyle/>
+          <a:p>
+            <a:r>
+              <a:rPr lang="en-GB" b="1" dirty="0"/>
+              <a:t>No IT adjustment</a:t>
+            </a:r>
+          </a:p>
+        </p:txBody>
+      </p:sp>
+      <p:sp>
+        <p:nvSpPr>
+          <p:cNvPr id="2" name="TextBox 1">
+            <a:extLst>
+              <a:ext uri="{FF2B5EF4-FFF2-40B4-BE49-F238E27FC236}">
+                <a16:creationId xmlns:a16="http://schemas.microsoft.com/office/drawing/2014/main" id="{8BF12895-AC89-3490-0397-F26B6513E32B}"/>
+              </a:ext>
+            </a:extLst>
+          </p:cNvPr>
+          <p:cNvSpPr txBox="1"/>
+          <p:nvPr/>
+        </p:nvSpPr>
+        <p:spPr>
+          <a:xfrm>
+            <a:off x="124162" y="6525713"/>
+            <a:ext cx="4977196" cy="338554"/>
+          </a:xfrm>
+          <a:prstGeom prst="rect">
+            <a:avLst/>
+          </a:prstGeom>
+          <a:noFill/>
+        </p:spPr>
+        <p:txBody>
+          <a:bodyPr wrap="none" rtlCol="0">
+            <a:spAutoFit/>
+          </a:bodyPr>
+          <a:lstStyle/>
+          <a:p>
+            <a:r>
+              <a:rPr lang="en-GB" sz="1600" dirty="0">
+                <a:solidFill>
+                  <a:schemeClr val="bg1">
+                    <a:lumMod val="50000"/>
+                  </a:schemeClr>
+                </a:solidFill>
+              </a:rPr>
+              <a:t>CCCP and CCCP-ISRIB data is used from </a:t>
+            </a:r>
+            <a:r>
+              <a:rPr lang="en-GB" sz="1600" dirty="0" err="1">
+                <a:solidFill>
+                  <a:schemeClr val="bg1">
+                    <a:lumMod val="50000"/>
+                  </a:schemeClr>
+                </a:solidFill>
+              </a:rPr>
+              <a:t>mePRODmt</a:t>
+            </a:r>
+            <a:r>
+              <a:rPr lang="en-GB" sz="1600" dirty="0">
+                <a:solidFill>
+                  <a:schemeClr val="bg1">
+                    <a:lumMod val="50000"/>
+                  </a:schemeClr>
+                </a:solidFill>
+              </a:rPr>
+              <a:t> paper</a:t>
+            </a:r>
+          </a:p>
+        </p:txBody>
+      </p:sp>
       <p:pic>
         <p:nvPicPr>
-          <p:cNvPr id="3" name="Picture 2" descr="A graph of a graph&#10;&#10;Description automatically generated">
-            <a:extLst>
-              <a:ext uri="{FF2B5EF4-FFF2-40B4-BE49-F238E27FC236}">
-                <a16:creationId xmlns:a16="http://schemas.microsoft.com/office/drawing/2014/main" id="{F31C6D44-1F5D-1A47-66E4-1C30B0A8490D}"/>
+          <p:cNvPr id="4" name="Picture 3" descr="A graph of different colored rectangular shapes&#10;&#10;Description automatically generated with medium confidence">
+            <a:extLst>
+              <a:ext uri="{FF2B5EF4-FFF2-40B4-BE49-F238E27FC236}">
+                <a16:creationId xmlns:a16="http://schemas.microsoft.com/office/drawing/2014/main" id="{D12070E9-CA43-6190-EF26-E269307FFA13}"/>
               </a:ext>
             </a:extLst>
           </p:cNvPr>
@@ -3514,8 +8113,8 @@
         </p:blipFill>
         <p:spPr>
           <a:xfrm>
-            <a:off x="3390900" y="638174"/>
-            <a:ext cx="5114925" cy="5114925"/>
+            <a:off x="1732997" y="1170032"/>
+            <a:ext cx="8395072" cy="5037043"/>
           </a:xfrm>
           <a:prstGeom prst="rect">
             <a:avLst/>
@@ -3524,10 +8123,10 @@
       </p:pic>
       <p:sp>
         <p:nvSpPr>
-          <p:cNvPr id="4" name="TextBox 3">
-            <a:extLst>
-              <a:ext uri="{FF2B5EF4-FFF2-40B4-BE49-F238E27FC236}">
-                <a16:creationId xmlns:a16="http://schemas.microsoft.com/office/drawing/2014/main" id="{FAE3FC7A-2C63-C812-0CD7-2B3A3F25F696}"/>
+          <p:cNvPr id="8" name="TextBox 7">
+            <a:extLst>
+              <a:ext uri="{FF2B5EF4-FFF2-40B4-BE49-F238E27FC236}">
+                <a16:creationId xmlns:a16="http://schemas.microsoft.com/office/drawing/2014/main" id="{2185F780-5C3F-A53E-80FF-DFD491304AB2}"/>
               </a:ext>
             </a:extLst>
           </p:cNvPr>
@@ -3536,8 +8135,8 @@
         </p:nvSpPr>
         <p:spPr>
           <a:xfrm>
-            <a:off x="3390900" y="5850494"/>
-            <a:ext cx="5782609" cy="646331"/>
+            <a:off x="5429397" y="6207075"/>
+            <a:ext cx="1475532" cy="369332"/>
           </a:xfrm>
           <a:prstGeom prst="rect">
             <a:avLst/>
@@ -3551,53 +8150,8 @@
           <a:lstStyle/>
           <a:p>
             <a:r>
-              <a:rPr lang="en-GB" dirty="0"/>
-              <a:t>Random test: no difference – tested 3 times with same data</a:t>
-            </a:r>
-          </a:p>
-          <a:p>
-            <a:r>
-              <a:rPr lang="en-GB" dirty="0"/>
-              <a:t>Random numbers is between 0 to 1.</a:t>
-            </a:r>
-          </a:p>
-        </p:txBody>
-      </p:sp>
-      <p:sp>
-        <p:nvSpPr>
-          <p:cNvPr id="5" name="TextBox 4">
-            <a:extLst>
-              <a:ext uri="{FF2B5EF4-FFF2-40B4-BE49-F238E27FC236}">
-                <a16:creationId xmlns:a16="http://schemas.microsoft.com/office/drawing/2014/main" id="{B9056F2F-83E0-4883-7F66-3CBF83A6BADA}"/>
-              </a:ext>
-            </a:extLst>
-          </p:cNvPr>
-          <p:cNvSpPr txBox="1"/>
-          <p:nvPr/>
-        </p:nvSpPr>
-        <p:spPr>
-          <a:xfrm>
-            <a:off x="402300" y="2552699"/>
-            <a:ext cx="2541197" cy="923330"/>
-          </a:xfrm>
-          <a:prstGeom prst="rect">
-            <a:avLst/>
-          </a:prstGeom>
-          <a:noFill/>
-        </p:spPr>
-        <p:txBody>
-          <a:bodyPr wrap="square" rtlCol="0">
-            <a:spAutoFit/>
-          </a:bodyPr>
-          <a:lstStyle/>
-          <a:p>
-            <a:r>
-              <a:rPr lang="en-GB" dirty="0">
-                <a:solidFill>
-                  <a:srgbClr val="FF0000"/>
-                </a:solidFill>
-              </a:rPr>
-              <a:t>Red lines indicates 0.5 fold changes high and low</a:t>
+              <a:rPr lang="en-GB" b="1" dirty="0"/>
+              <a:t>New function</a:t>
             </a:r>
           </a:p>
         </p:txBody>
@@ -3605,7 +8159,67 @@
     </p:spTree>
     <p:extLst>
       <p:ext uri="{BB962C8B-B14F-4D97-AF65-F5344CB8AC3E}">
-        <p14:creationId xmlns:p14="http://schemas.microsoft.com/office/powerpoint/2010/main" val="3269767070"/>
+        <p14:creationId xmlns:p14="http://schemas.microsoft.com/office/powerpoint/2010/main" val="887936585"/>
+      </p:ext>
+    </p:extLst>
+  </p:cSld>
+  <p:clrMapOvr>
+    <a:masterClrMapping/>
+  </p:clrMapOvr>
+</p:sld>
+</file>
+
+<file path=ppt/slides/slide20.xml><?xml version="1.0" encoding="utf-8"?>
+<p:sld xmlns:a="http://schemas.openxmlformats.org/drawingml/2006/main" xmlns:r="http://schemas.openxmlformats.org/officeDocument/2006/relationships" xmlns:p="http://schemas.openxmlformats.org/presentationml/2006/main">
+  <p:cSld>
+    <p:spTree>
+      <p:nvGrpSpPr>
+        <p:cNvPr id="1" name=""/>
+        <p:cNvGrpSpPr/>
+        <p:nvPr/>
+      </p:nvGrpSpPr>
+      <p:grpSpPr>
+        <a:xfrm>
+          <a:off x="0" y="0"/>
+          <a:ext cx="0" cy="0"/>
+          <a:chOff x="0" y="0"/>
+          <a:chExt cx="0" cy="0"/>
+        </a:xfrm>
+      </p:grpSpPr>
+      <p:pic>
+        <p:nvPicPr>
+          <p:cNvPr id="3" name="Picture 2">
+            <a:extLst>
+              <a:ext uri="{FF2B5EF4-FFF2-40B4-BE49-F238E27FC236}">
+                <a16:creationId xmlns:a16="http://schemas.microsoft.com/office/drawing/2014/main" id="{0A14E815-23ED-C4CB-06C3-3D26E312B81B}"/>
+              </a:ext>
+            </a:extLst>
+          </p:cNvPr>
+          <p:cNvPicPr>
+            <a:picLocks noChangeAspect="1"/>
+          </p:cNvPicPr>
+          <p:nvPr/>
+        </p:nvPicPr>
+        <p:blipFill>
+          <a:blip r:embed="rId2"/>
+          <a:stretch>
+            <a:fillRect/>
+          </a:stretch>
+        </p:blipFill>
+        <p:spPr>
+          <a:xfrm>
+            <a:off x="1418742" y="601377"/>
+            <a:ext cx="6471223" cy="6052287"/>
+          </a:xfrm>
+          <a:prstGeom prst="rect">
+            <a:avLst/>
+          </a:prstGeom>
+        </p:spPr>
+      </p:pic>
+    </p:spTree>
+    <p:extLst>
+      <p:ext uri="{BB962C8B-B14F-4D97-AF65-F5344CB8AC3E}">
+        <p14:creationId xmlns:p14="http://schemas.microsoft.com/office/powerpoint/2010/main" val="2468560223"/>
       </p:ext>
     </p:extLst>
   </p:cSld>
@@ -3634,10 +8248,10 @@
       </p:grpSpPr>
       <p:pic>
         <p:nvPicPr>
-          <p:cNvPr id="3" name="Picture 2" descr="A graph of blue and red dots&#10;&#10;Description automatically generated">
-            <a:extLst>
-              <a:ext uri="{FF2B5EF4-FFF2-40B4-BE49-F238E27FC236}">
-                <a16:creationId xmlns:a16="http://schemas.microsoft.com/office/drawing/2014/main" id="{BC02684C-A7D4-10DA-0A74-858D6E21201B}"/>
+          <p:cNvPr id="3" name="Picture 2" descr="A graph of a graph&#10;&#10;Description automatically generated">
+            <a:extLst>
+              <a:ext uri="{FF2B5EF4-FFF2-40B4-BE49-F238E27FC236}">
+                <a16:creationId xmlns:a16="http://schemas.microsoft.com/office/drawing/2014/main" id="{F31C6D44-1F5D-1A47-66E4-1C30B0A8490D}"/>
               </a:ext>
             </a:extLst>
           </p:cNvPr>
@@ -3660,128 +8274,20 @@
         </p:blipFill>
         <p:spPr>
           <a:xfrm>
-            <a:off x="6286500" y="190500"/>
-            <a:ext cx="5448300" cy="5448300"/>
+            <a:off x="3390900" y="638174"/>
+            <a:ext cx="5114925" cy="5114925"/>
           </a:xfrm>
           <a:prstGeom prst="rect">
             <a:avLst/>
           </a:prstGeom>
         </p:spPr>
       </p:pic>
-      <p:pic>
-        <p:nvPicPr>
-          <p:cNvPr id="5" name="Picture 4" descr="A graph of a graph&#10;&#10;Description automatically generated with medium confidence">
-            <a:extLst>
-              <a:ext uri="{FF2B5EF4-FFF2-40B4-BE49-F238E27FC236}">
-                <a16:creationId xmlns:a16="http://schemas.microsoft.com/office/drawing/2014/main" id="{7F6FDF54-0B1A-A769-2177-B9A438C66ECA}"/>
-              </a:ext>
-            </a:extLst>
-          </p:cNvPr>
-          <p:cNvPicPr>
-            <a:picLocks noChangeAspect="1"/>
-          </p:cNvPicPr>
-          <p:nvPr/>
-        </p:nvPicPr>
-        <p:blipFill>
-          <a:blip r:embed="rId3">
-            <a:extLst>
-              <a:ext uri="{28A0092B-C50C-407E-A947-70E740481C1C}">
-                <a14:useLocalDpi xmlns:a14="http://schemas.microsoft.com/office/drawing/2010/main" val="0"/>
-              </a:ext>
-            </a:extLst>
-          </a:blip>
-          <a:stretch>
-            <a:fillRect/>
-          </a:stretch>
-        </p:blipFill>
-        <p:spPr>
-          <a:xfrm>
-            <a:off x="457200" y="190501"/>
-            <a:ext cx="5448299" cy="5448299"/>
-          </a:xfrm>
-          <a:prstGeom prst="rect">
-            <a:avLst/>
-          </a:prstGeom>
-        </p:spPr>
-      </p:pic>
-      <p:pic>
-        <p:nvPicPr>
-          <p:cNvPr id="6" name="Picture 5" descr="A graph of blue and red dots&#10;&#10;Description automatically generated">
-            <a:extLst>
-              <a:ext uri="{FF2B5EF4-FFF2-40B4-BE49-F238E27FC236}">
-                <a16:creationId xmlns:a16="http://schemas.microsoft.com/office/drawing/2014/main" id="{EC219981-CB2A-D1F6-D375-C2C067747373}"/>
-              </a:ext>
-            </a:extLst>
-          </p:cNvPr>
-          <p:cNvPicPr>
-            <a:picLocks noChangeAspect="1"/>
-          </p:cNvPicPr>
-          <p:nvPr/>
-        </p:nvPicPr>
-        <p:blipFill>
-          <a:blip r:embed="rId2">
-            <a:extLst>
-              <a:ext uri="{28A0092B-C50C-407E-A947-70E740481C1C}">
-                <a14:useLocalDpi xmlns:a14="http://schemas.microsoft.com/office/drawing/2010/main" val="0"/>
-              </a:ext>
-            </a:extLst>
-          </a:blip>
-          <a:stretch>
-            <a:fillRect/>
-          </a:stretch>
-        </p:blipFill>
-        <p:spPr>
-          <a:xfrm>
-            <a:off x="6286500" y="704850"/>
-            <a:ext cx="5448300" cy="5448300"/>
-          </a:xfrm>
-          <a:prstGeom prst="rect">
-            <a:avLst/>
-          </a:prstGeom>
-        </p:spPr>
-      </p:pic>
-      <p:pic>
-        <p:nvPicPr>
-          <p:cNvPr id="7" name="Picture 6" descr="A graph of a graph&#10;&#10;Description automatically generated with medium confidence">
-            <a:extLst>
-              <a:ext uri="{FF2B5EF4-FFF2-40B4-BE49-F238E27FC236}">
-                <a16:creationId xmlns:a16="http://schemas.microsoft.com/office/drawing/2014/main" id="{493EC559-B3BD-2EA9-F16B-602042AEBE47}"/>
-              </a:ext>
-            </a:extLst>
-          </p:cNvPr>
-          <p:cNvPicPr>
-            <a:picLocks noChangeAspect="1"/>
-          </p:cNvPicPr>
-          <p:nvPr/>
-        </p:nvPicPr>
-        <p:blipFill>
-          <a:blip r:embed="rId3">
-            <a:extLst>
-              <a:ext uri="{28A0092B-C50C-407E-A947-70E740481C1C}">
-                <a14:useLocalDpi xmlns:a14="http://schemas.microsoft.com/office/drawing/2010/main" val="0"/>
-              </a:ext>
-            </a:extLst>
-          </a:blip>
-          <a:stretch>
-            <a:fillRect/>
-          </a:stretch>
-        </p:blipFill>
-        <p:spPr>
-          <a:xfrm>
-            <a:off x="457200" y="704851"/>
-            <a:ext cx="5448299" cy="5448299"/>
-          </a:xfrm>
-          <a:prstGeom prst="rect">
-            <a:avLst/>
-          </a:prstGeom>
-        </p:spPr>
-      </p:pic>
-      <p:sp>
-        <p:nvSpPr>
-          <p:cNvPr id="8" name="TextBox 7">
-            <a:extLst>
-              <a:ext uri="{FF2B5EF4-FFF2-40B4-BE49-F238E27FC236}">
-                <a16:creationId xmlns:a16="http://schemas.microsoft.com/office/drawing/2014/main" id="{00B15C5A-3EE7-875B-DFE7-AB892CB1D841}"/>
+      <p:sp>
+        <p:nvSpPr>
+          <p:cNvPr id="4" name="TextBox 3">
+            <a:extLst>
+              <a:ext uri="{FF2B5EF4-FFF2-40B4-BE49-F238E27FC236}">
+                <a16:creationId xmlns:a16="http://schemas.microsoft.com/office/drawing/2014/main" id="{FAE3FC7A-2C63-C812-0CD7-2B3A3F25F696}"/>
               </a:ext>
             </a:extLst>
           </p:cNvPr>
@@ -3790,8 +8296,8 @@
         </p:nvSpPr>
         <p:spPr>
           <a:xfrm>
-            <a:off x="3632600" y="288590"/>
-            <a:ext cx="7038786" cy="369332"/>
+            <a:off x="3390900" y="5850494"/>
+            <a:ext cx="5782609" cy="646331"/>
           </a:xfrm>
           <a:prstGeom prst="rect">
             <a:avLst/>
@@ -3806,17 +8312,23 @@
           <a:p>
             <a:r>
               <a:rPr lang="en-GB" dirty="0"/>
-              <a:t>Understand the effect of Boost included in the analysis (PSMs were used)</a:t>
-            </a:r>
-          </a:p>
-        </p:txBody>
-      </p:sp>
-      <p:sp>
-        <p:nvSpPr>
-          <p:cNvPr id="9" name="TextBox 8">
-            <a:extLst>
-              <a:ext uri="{FF2B5EF4-FFF2-40B4-BE49-F238E27FC236}">
-                <a16:creationId xmlns:a16="http://schemas.microsoft.com/office/drawing/2014/main" id="{71914606-1974-6C61-0C60-8494CB47576B}"/>
+              <a:t>Random test: no difference – tested 3 times with same data</a:t>
+            </a:r>
+          </a:p>
+          <a:p>
+            <a:r>
+              <a:rPr lang="en-GB" dirty="0"/>
+              <a:t>Random numbers is between 0 to 1.</a:t>
+            </a:r>
+          </a:p>
+        </p:txBody>
+      </p:sp>
+      <p:sp>
+        <p:nvSpPr>
+          <p:cNvPr id="5" name="TextBox 4">
+            <a:extLst>
+              <a:ext uri="{FF2B5EF4-FFF2-40B4-BE49-F238E27FC236}">
+                <a16:creationId xmlns:a16="http://schemas.microsoft.com/office/drawing/2014/main" id="{B9056F2F-83E0-4883-7F66-3CBF83A6BADA}"/>
               </a:ext>
             </a:extLst>
           </p:cNvPr>
@@ -3825,8 +8337,8 @@
         </p:nvSpPr>
         <p:spPr>
           <a:xfrm>
-            <a:off x="1762675" y="5968483"/>
-            <a:ext cx="2576090" cy="369332"/>
+            <a:off x="402300" y="2552699"/>
+            <a:ext cx="2541197" cy="923330"/>
           </a:xfrm>
           <a:prstGeom prst="rect">
             <a:avLst/>
@@ -3834,88 +8346,230 @@
           <a:noFill/>
         </p:spPr>
         <p:txBody>
-          <a:bodyPr wrap="none" rtlCol="0">
+          <a:bodyPr wrap="square" rtlCol="0">
             <a:spAutoFit/>
           </a:bodyPr>
           <a:lstStyle/>
           <a:p>
             <a:r>
-              <a:rPr lang="en-GB" dirty="0"/>
-              <a:t>Merge with all accessions</a:t>
-            </a:r>
-          </a:p>
-        </p:txBody>
-      </p:sp>
-      <p:sp>
-        <p:nvSpPr>
-          <p:cNvPr id="10" name="TextBox 9">
-            <a:extLst>
-              <a:ext uri="{FF2B5EF4-FFF2-40B4-BE49-F238E27FC236}">
-                <a16:creationId xmlns:a16="http://schemas.microsoft.com/office/drawing/2014/main" id="{AA140385-2724-FCAE-96C5-DEE38CF8B39C}"/>
-              </a:ext>
-            </a:extLst>
-          </p:cNvPr>
-          <p:cNvSpPr txBox="1"/>
+              <a:rPr lang="en-GB" dirty="0">
+                <a:solidFill>
+                  <a:srgbClr val="FF0000"/>
+                </a:solidFill>
+              </a:rPr>
+              <a:t>Red lines indicates 0.5 fold changes high and low</a:t>
+            </a:r>
+          </a:p>
+        </p:txBody>
+      </p:sp>
+      <p:sp>
+        <p:nvSpPr>
+          <p:cNvPr id="6" name="Content Placeholder 2">
+            <a:extLst>
+              <a:ext uri="{FF2B5EF4-FFF2-40B4-BE49-F238E27FC236}">
+                <a16:creationId xmlns:a16="http://schemas.microsoft.com/office/drawing/2014/main" id="{2575E7AE-7560-EA58-5975-161051EAAFC5}"/>
+              </a:ext>
+            </a:extLst>
+          </p:cNvPr>
+          <p:cNvSpPr txBox="1">
+            <a:spLocks/>
+          </p:cNvSpPr>
           <p:nvPr/>
         </p:nvSpPr>
         <p:spPr>
           <a:xfrm>
-            <a:off x="7210974" y="5968483"/>
-            <a:ext cx="3643370" cy="369332"/>
+            <a:off x="1672898" y="228171"/>
+            <a:ext cx="9935628" cy="424732"/>
           </a:xfrm>
           <a:prstGeom prst="rect">
             <a:avLst/>
           </a:prstGeom>
           <a:noFill/>
-        </p:spPr>
-        <p:txBody>
-          <a:bodyPr wrap="none" rtlCol="0">
+          <a:ln w="9525">
+            <a:noFill/>
+            <a:miter lim="800000"/>
+            <a:headEnd/>
+            <a:tailEnd/>
+          </a:ln>
+        </p:spPr>
+        <p:txBody>
+          <a:bodyPr vert="horz" wrap="square" lIns="91440" tIns="45720" rIns="91440" bIns="45720" rtlCol="0" anchor="ctr">
             <a:spAutoFit/>
           </a:bodyPr>
-          <a:lstStyle/>
-          <a:p>
-            <a:r>
-              <a:rPr lang="en-GB" dirty="0"/>
-              <a:t>Merge with only common accessions</a:t>
-            </a:r>
-          </a:p>
-        </p:txBody>
-      </p:sp>
-      <p:sp>
-        <p:nvSpPr>
-          <p:cNvPr id="11" name="TextBox 10">
-            <a:extLst>
-              <a:ext uri="{FF2B5EF4-FFF2-40B4-BE49-F238E27FC236}">
-                <a16:creationId xmlns:a16="http://schemas.microsoft.com/office/drawing/2014/main" id="{7C88A7A0-5121-3E29-9FC4-7D9279C5D705}"/>
-              </a:ext>
-            </a:extLst>
-          </p:cNvPr>
-          <p:cNvSpPr txBox="1"/>
-          <p:nvPr/>
-        </p:nvSpPr>
-        <p:spPr>
-          <a:xfrm>
-            <a:off x="4538291" y="638098"/>
-            <a:ext cx="2519216" cy="369332"/>
-          </a:xfrm>
-          <a:prstGeom prst="rect">
-            <a:avLst/>
-          </a:prstGeom>
-          <a:noFill/>
-        </p:spPr>
-        <p:txBody>
-          <a:bodyPr wrap="none" rtlCol="0">
-            <a:spAutoFit/>
-          </a:bodyPr>
-          <a:lstStyle/>
-          <a:p>
-            <a:r>
-              <a:rPr lang="en-GB" dirty="0">
-                <a:solidFill>
-                  <a:srgbClr val="FF0000"/>
-                </a:solidFill>
+          <a:lstStyle>
+            <a:defPPr>
+              <a:defRPr lang="en-US"/>
+            </a:defPPr>
+            <a:lvl1pPr>
+              <a:lnSpc>
+                <a:spcPct val="90000"/>
+              </a:lnSpc>
+              <a:spcBef>
+                <a:spcPct val="0"/>
+              </a:spcBef>
+              <a:defRPr sz="2800" b="1">
+                <a:solidFill>
+                  <a:schemeClr val="accent1"/>
+                </a:solidFill>
+                <a:latin typeface="Calibri" panose="020F0502020204030204" pitchFamily="34" charset="0"/>
+                <a:ea typeface="ＭＳ Ｐゴシック" panose="020B0600070205080204" pitchFamily="34" charset="-128"/>
+                <a:cs typeface="+mj-cs"/>
+              </a:defRPr>
+            </a:lvl1pPr>
+            <a:lvl2pPr marL="685800" indent="-228600" algn="l" defTabSz="914400" rtl="0" eaLnBrk="1" latinLnBrk="0" hangingPunct="1">
+              <a:lnSpc>
+                <a:spcPct val="90000"/>
+              </a:lnSpc>
+              <a:spcBef>
+                <a:spcPts val="500"/>
+              </a:spcBef>
+              <a:buFont typeface="Arial" panose="020B0604020202020204" pitchFamily="34" charset="0"/>
+              <a:buChar char="•"/>
+              <a:defRPr sz="2400" kern="1200">
+                <a:solidFill>
+                  <a:schemeClr val="tx1"/>
+                </a:solidFill>
+                <a:latin typeface="+mn-lt"/>
+                <a:ea typeface="+mn-ea"/>
+                <a:cs typeface="+mn-cs"/>
+              </a:defRPr>
+            </a:lvl2pPr>
+            <a:lvl3pPr marL="1143000" indent="-228600" algn="l" defTabSz="914400" rtl="0" eaLnBrk="1" latinLnBrk="0" hangingPunct="1">
+              <a:lnSpc>
+                <a:spcPct val="90000"/>
+              </a:lnSpc>
+              <a:spcBef>
+                <a:spcPts val="500"/>
+              </a:spcBef>
+              <a:buFont typeface="Arial" panose="020B0604020202020204" pitchFamily="34" charset="0"/>
+              <a:buChar char="•"/>
+              <a:defRPr sz="2000" kern="1200">
+                <a:solidFill>
+                  <a:schemeClr val="tx1"/>
+                </a:solidFill>
+                <a:latin typeface="+mn-lt"/>
+                <a:ea typeface="+mn-ea"/>
+                <a:cs typeface="+mn-cs"/>
+              </a:defRPr>
+            </a:lvl3pPr>
+            <a:lvl4pPr marL="1600200" indent="-228600" algn="l" defTabSz="914400" rtl="0" eaLnBrk="1" latinLnBrk="0" hangingPunct="1">
+              <a:lnSpc>
+                <a:spcPct val="90000"/>
+              </a:lnSpc>
+              <a:spcBef>
+                <a:spcPts val="500"/>
+              </a:spcBef>
+              <a:buFont typeface="Arial" panose="020B0604020202020204" pitchFamily="34" charset="0"/>
+              <a:buChar char="•"/>
+              <a:defRPr sz="1800" kern="1200">
+                <a:solidFill>
+                  <a:schemeClr val="tx1"/>
+                </a:solidFill>
+                <a:latin typeface="+mn-lt"/>
+                <a:ea typeface="+mn-ea"/>
+                <a:cs typeface="+mn-cs"/>
+              </a:defRPr>
+            </a:lvl4pPr>
+            <a:lvl5pPr marL="2057400" indent="-228600" algn="l" defTabSz="914400" rtl="0" eaLnBrk="1" latinLnBrk="0" hangingPunct="1">
+              <a:lnSpc>
+                <a:spcPct val="90000"/>
+              </a:lnSpc>
+              <a:spcBef>
+                <a:spcPts val="500"/>
+              </a:spcBef>
+              <a:buFont typeface="Arial" panose="020B0604020202020204" pitchFamily="34" charset="0"/>
+              <a:buChar char="•"/>
+              <a:defRPr sz="1800" kern="1200">
+                <a:solidFill>
+                  <a:schemeClr val="tx1"/>
+                </a:solidFill>
+                <a:latin typeface="+mn-lt"/>
+                <a:ea typeface="+mn-ea"/>
+                <a:cs typeface="+mn-cs"/>
+              </a:defRPr>
+            </a:lvl5pPr>
+            <a:lvl6pPr marL="2514600" indent="-228600" algn="l" defTabSz="914400" rtl="0" eaLnBrk="1" latinLnBrk="0" hangingPunct="1">
+              <a:lnSpc>
+                <a:spcPct val="90000"/>
+              </a:lnSpc>
+              <a:spcBef>
+                <a:spcPts val="500"/>
+              </a:spcBef>
+              <a:buFont typeface="Arial" panose="020B0604020202020204" pitchFamily="34" charset="0"/>
+              <a:buChar char="•"/>
+              <a:defRPr sz="1800" kern="1200">
+                <a:solidFill>
+                  <a:schemeClr val="tx1"/>
+                </a:solidFill>
+                <a:latin typeface="+mn-lt"/>
+                <a:ea typeface="+mn-ea"/>
+                <a:cs typeface="+mn-cs"/>
+              </a:defRPr>
+            </a:lvl6pPr>
+            <a:lvl7pPr marL="2971800" indent="-228600" algn="l" defTabSz="914400" rtl="0" eaLnBrk="1" latinLnBrk="0" hangingPunct="1">
+              <a:lnSpc>
+                <a:spcPct val="90000"/>
+              </a:lnSpc>
+              <a:spcBef>
+                <a:spcPts val="500"/>
+              </a:spcBef>
+              <a:buFont typeface="Arial" panose="020B0604020202020204" pitchFamily="34" charset="0"/>
+              <a:buChar char="•"/>
+              <a:defRPr sz="1800" kern="1200">
+                <a:solidFill>
+                  <a:schemeClr val="tx1"/>
+                </a:solidFill>
+                <a:latin typeface="+mn-lt"/>
+                <a:ea typeface="+mn-ea"/>
+                <a:cs typeface="+mn-cs"/>
+              </a:defRPr>
+            </a:lvl7pPr>
+            <a:lvl8pPr marL="3429000" indent="-228600" algn="l" defTabSz="914400" rtl="0" eaLnBrk="1" latinLnBrk="0" hangingPunct="1">
+              <a:lnSpc>
+                <a:spcPct val="90000"/>
+              </a:lnSpc>
+              <a:spcBef>
+                <a:spcPts val="500"/>
+              </a:spcBef>
+              <a:buFont typeface="Arial" panose="020B0604020202020204" pitchFamily="34" charset="0"/>
+              <a:buChar char="•"/>
+              <a:defRPr sz="1800" kern="1200">
+                <a:solidFill>
+                  <a:schemeClr val="tx1"/>
+                </a:solidFill>
+                <a:latin typeface="+mn-lt"/>
+                <a:ea typeface="+mn-ea"/>
+                <a:cs typeface="+mn-cs"/>
+              </a:defRPr>
+            </a:lvl8pPr>
+            <a:lvl9pPr marL="3886200" indent="-228600" algn="l" defTabSz="914400" rtl="0" eaLnBrk="1" latinLnBrk="0" hangingPunct="1">
+              <a:lnSpc>
+                <a:spcPct val="90000"/>
+              </a:lnSpc>
+              <a:spcBef>
+                <a:spcPts val="500"/>
+              </a:spcBef>
+              <a:buFont typeface="Arial" panose="020B0604020202020204" pitchFamily="34" charset="0"/>
+              <a:buChar char="•"/>
+              <a:defRPr sz="1800" kern="1200">
+                <a:solidFill>
+                  <a:schemeClr val="tx1"/>
+                </a:solidFill>
+                <a:latin typeface="+mn-lt"/>
+                <a:ea typeface="+mn-ea"/>
+                <a:cs typeface="+mn-cs"/>
+              </a:defRPr>
+            </a:lvl9pPr>
+          </a:lstStyle>
+          <a:p>
+            <a:r>
+              <a:rPr lang="en-GB" sz="2400" dirty="0">
+                <a:solidFill>
+                  <a:srgbClr val="002060"/>
+                </a:solidFill>
+                <a:latin typeface="Lora"/>
               </a:rPr>
-              <a:t>Samples : CCCP vs DMSO</a:t>
+              <a:t>Understand the effect of Random = True (PSMs were used)</a:t>
             </a:r>
           </a:p>
         </p:txBody>
@@ -3923,7 +8577,7 @@
     </p:spTree>
     <p:extLst>
       <p:ext uri="{BB962C8B-B14F-4D97-AF65-F5344CB8AC3E}">
-        <p14:creationId xmlns:p14="http://schemas.microsoft.com/office/powerpoint/2010/main" val="4200782861"/>
+        <p14:creationId xmlns:p14="http://schemas.microsoft.com/office/powerpoint/2010/main" val="2935772394"/>
       </p:ext>
     </p:extLst>
   </p:cSld>
@@ -3952,10 +8606,10 @@
       </p:grpSpPr>
       <p:pic>
         <p:nvPicPr>
-          <p:cNvPr id="12" name="Picture 11" descr="A graph of blue and red dots&#10;&#10;Description automatically generated">
-            <a:extLst>
-              <a:ext uri="{FF2B5EF4-FFF2-40B4-BE49-F238E27FC236}">
-                <a16:creationId xmlns:a16="http://schemas.microsoft.com/office/drawing/2014/main" id="{1A5A593D-55CC-2653-3FEC-DEFAF73D6E2C}"/>
+          <p:cNvPr id="13" name="Picture 12" descr="A graph of a line with blue dots&#10;&#10;Description automatically generated with medium confidence">
+            <a:extLst>
+              <a:ext uri="{FF2B5EF4-FFF2-40B4-BE49-F238E27FC236}">
+                <a16:creationId xmlns:a16="http://schemas.microsoft.com/office/drawing/2014/main" id="{9D378D7F-B404-CCFC-8771-7B73287F05B0}"/>
               </a:ext>
             </a:extLst>
           </p:cNvPr>
@@ -3978,8 +8632,8 @@
         </p:blipFill>
         <p:spPr>
           <a:xfrm>
-            <a:off x="6286500" y="783771"/>
-            <a:ext cx="5184711" cy="5184711"/>
+            <a:off x="6298475" y="1059238"/>
+            <a:ext cx="5429794" cy="5429794"/>
           </a:xfrm>
           <a:prstGeom prst="rect">
             <a:avLst/>
@@ -3988,10 +8642,10 @@
       </p:pic>
       <p:pic>
         <p:nvPicPr>
-          <p:cNvPr id="13" name="Picture 12" descr="A graph of blue and red lines&#10;&#10;Description automatically generated">
-            <a:extLst>
-              <a:ext uri="{FF2B5EF4-FFF2-40B4-BE49-F238E27FC236}">
-                <a16:creationId xmlns:a16="http://schemas.microsoft.com/office/drawing/2014/main" id="{F83D6B70-17AB-0F3A-2B46-2EC9D362C2D8}"/>
+          <p:cNvPr id="4" name="Picture 3" descr="A graph of a line with blue and red dots&#10;&#10;Description automatically generated with medium confidence">
+            <a:extLst>
+              <a:ext uri="{FF2B5EF4-FFF2-40B4-BE49-F238E27FC236}">
+                <a16:creationId xmlns:a16="http://schemas.microsoft.com/office/drawing/2014/main" id="{BB21B31E-96CE-BBE4-211C-ED5D10D4B3F6}"/>
               </a:ext>
             </a:extLst>
           </p:cNvPr>
@@ -4014,8 +8668,8 @@
         </p:blipFill>
         <p:spPr>
           <a:xfrm>
-            <a:off x="870585" y="783772"/>
-            <a:ext cx="5184711" cy="5184711"/>
+            <a:off x="420357" y="1059238"/>
+            <a:ext cx="5429794" cy="5429794"/>
           </a:xfrm>
           <a:prstGeom prst="rect">
             <a:avLst/>
@@ -4024,10 +8678,10 @@
       </p:pic>
       <p:sp>
         <p:nvSpPr>
-          <p:cNvPr id="8" name="TextBox 7">
-            <a:extLst>
-              <a:ext uri="{FF2B5EF4-FFF2-40B4-BE49-F238E27FC236}">
-                <a16:creationId xmlns:a16="http://schemas.microsoft.com/office/drawing/2014/main" id="{00B15C5A-3EE7-875B-DFE7-AB892CB1D841}"/>
+          <p:cNvPr id="9" name="TextBox 8">
+            <a:extLst>
+              <a:ext uri="{FF2B5EF4-FFF2-40B4-BE49-F238E27FC236}">
+                <a16:creationId xmlns:a16="http://schemas.microsoft.com/office/drawing/2014/main" id="{71914606-1974-6C61-0C60-8494CB47576B}"/>
               </a:ext>
             </a:extLst>
           </p:cNvPr>
@@ -4036,8 +8690,8 @@
         </p:nvSpPr>
         <p:spPr>
           <a:xfrm>
-            <a:off x="3632600" y="288590"/>
-            <a:ext cx="7038786" cy="369332"/>
+            <a:off x="4575903" y="6384744"/>
+            <a:ext cx="2576090" cy="369332"/>
           </a:xfrm>
           <a:prstGeom prst="rect">
             <a:avLst/>
@@ -4052,7 +8706,7 @@
           <a:p>
             <a:r>
               <a:rPr lang="en-GB" dirty="0"/>
-              <a:t>Understand the effect of Boost included in the analysis (PSMs were used)</a:t>
+              <a:t>Merge with all accessions</a:t>
             </a:r>
           </a:p>
         </p:txBody>
@@ -4071,8 +8725,8 @@
         </p:nvSpPr>
         <p:spPr>
           <a:xfrm>
-            <a:off x="4538291" y="638098"/>
-            <a:ext cx="3105915" cy="369332"/>
+            <a:off x="1986680" y="1059238"/>
+            <a:ext cx="2519216" cy="369332"/>
           </a:xfrm>
           <a:prstGeom prst="rect">
             <a:avLst/>
@@ -4091,17 +8745,17 @@
                   <a:srgbClr val="FF0000"/>
                 </a:solidFill>
               </a:rPr>
-              <a:t>Samples : CCCP+ISRIB vs DMSO</a:t>
-            </a:r>
-          </a:p>
-        </p:txBody>
-      </p:sp>
-      <p:sp>
-        <p:nvSpPr>
-          <p:cNvPr id="9" name="TextBox 8">
-            <a:extLst>
-              <a:ext uri="{FF2B5EF4-FFF2-40B4-BE49-F238E27FC236}">
-                <a16:creationId xmlns:a16="http://schemas.microsoft.com/office/drawing/2014/main" id="{71914606-1974-6C61-0C60-8494CB47576B}"/>
+              <a:t>Samples : CCCP vs DMSO</a:t>
+            </a:r>
+          </a:p>
+        </p:txBody>
+      </p:sp>
+      <p:sp>
+        <p:nvSpPr>
+          <p:cNvPr id="14" name="TextBox 13">
+            <a:extLst>
+              <a:ext uri="{FF2B5EF4-FFF2-40B4-BE49-F238E27FC236}">
+                <a16:creationId xmlns:a16="http://schemas.microsoft.com/office/drawing/2014/main" id="{A3C62DEE-EB1D-84AD-8810-2E0B92688D7B}"/>
               </a:ext>
             </a:extLst>
           </p:cNvPr>
@@ -4110,8 +8764,8 @@
         </p:nvSpPr>
         <p:spPr>
           <a:xfrm>
-            <a:off x="1962201" y="5968483"/>
-            <a:ext cx="2576090" cy="369332"/>
+            <a:off x="7512668" y="1059603"/>
+            <a:ext cx="3105915" cy="369332"/>
           </a:xfrm>
           <a:prstGeom prst="rect">
             <a:avLst/>
@@ -4125,43 +8779,242 @@
           <a:lstStyle/>
           <a:p>
             <a:r>
-              <a:rPr lang="en-GB" dirty="0"/>
-              <a:t>Merge with all accessions</a:t>
-            </a:r>
-          </a:p>
-        </p:txBody>
-      </p:sp>
-      <p:sp>
-        <p:nvSpPr>
-          <p:cNvPr id="10" name="TextBox 9">
-            <a:extLst>
-              <a:ext uri="{FF2B5EF4-FFF2-40B4-BE49-F238E27FC236}">
-                <a16:creationId xmlns:a16="http://schemas.microsoft.com/office/drawing/2014/main" id="{AA140385-2724-FCAE-96C5-DEE38CF8B39C}"/>
-              </a:ext>
-            </a:extLst>
-          </p:cNvPr>
-          <p:cNvSpPr txBox="1"/>
+              <a:rPr lang="en-GB" dirty="0">
+                <a:solidFill>
+                  <a:srgbClr val="FF0000"/>
+                </a:solidFill>
+              </a:rPr>
+              <a:t>Samples : CCCP+ISRIB vs DMSO</a:t>
+            </a:r>
+          </a:p>
+        </p:txBody>
+      </p:sp>
+      <p:sp>
+        <p:nvSpPr>
+          <p:cNvPr id="15" name="Content Placeholder 2">
+            <a:extLst>
+              <a:ext uri="{FF2B5EF4-FFF2-40B4-BE49-F238E27FC236}">
+                <a16:creationId xmlns:a16="http://schemas.microsoft.com/office/drawing/2014/main" id="{DAEC6B69-04BD-F860-DA20-9B7E678C34F8}"/>
+              </a:ext>
+            </a:extLst>
+          </p:cNvPr>
+          <p:cNvSpPr txBox="1">
+            <a:spLocks/>
+          </p:cNvSpPr>
           <p:nvPr/>
         </p:nvSpPr>
         <p:spPr>
           <a:xfrm>
-            <a:off x="7146912" y="5968483"/>
-            <a:ext cx="3643370" cy="369332"/>
+            <a:off x="1215013" y="242227"/>
+            <a:ext cx="11455790" cy="424732"/>
           </a:xfrm>
           <a:prstGeom prst="rect">
             <a:avLst/>
           </a:prstGeom>
           <a:noFill/>
-        </p:spPr>
-        <p:txBody>
-          <a:bodyPr wrap="none" rtlCol="0">
+          <a:ln w="9525">
+            <a:noFill/>
+            <a:miter lim="800000"/>
+            <a:headEnd/>
+            <a:tailEnd/>
+          </a:ln>
+        </p:spPr>
+        <p:txBody>
+          <a:bodyPr vert="horz" wrap="square" lIns="91440" tIns="45720" rIns="91440" bIns="45720" rtlCol="0" anchor="ctr">
             <a:spAutoFit/>
           </a:bodyPr>
-          <a:lstStyle/>
-          <a:p>
-            <a:r>
-              <a:rPr lang="en-GB" dirty="0"/>
-              <a:t>Merge with only common accessions</a:t>
+          <a:lstStyle>
+            <a:defPPr>
+              <a:defRPr lang="en-US"/>
+            </a:defPPr>
+            <a:lvl1pPr>
+              <a:lnSpc>
+                <a:spcPct val="90000"/>
+              </a:lnSpc>
+              <a:spcBef>
+                <a:spcPct val="0"/>
+              </a:spcBef>
+              <a:defRPr sz="2800" b="1">
+                <a:solidFill>
+                  <a:schemeClr val="accent1"/>
+                </a:solidFill>
+                <a:latin typeface="Calibri" panose="020F0502020204030204" pitchFamily="34" charset="0"/>
+                <a:ea typeface="ＭＳ Ｐゴシック" panose="020B0600070205080204" pitchFamily="34" charset="-128"/>
+                <a:cs typeface="+mj-cs"/>
+              </a:defRPr>
+            </a:lvl1pPr>
+            <a:lvl2pPr marL="685800" indent="-228600" algn="l" defTabSz="914400" rtl="0" eaLnBrk="1" latinLnBrk="0" hangingPunct="1">
+              <a:lnSpc>
+                <a:spcPct val="90000"/>
+              </a:lnSpc>
+              <a:spcBef>
+                <a:spcPts val="500"/>
+              </a:spcBef>
+              <a:buFont typeface="Arial" panose="020B0604020202020204" pitchFamily="34" charset="0"/>
+              <a:buChar char="•"/>
+              <a:defRPr sz="2400" kern="1200">
+                <a:solidFill>
+                  <a:schemeClr val="tx1"/>
+                </a:solidFill>
+                <a:latin typeface="+mn-lt"/>
+                <a:ea typeface="+mn-ea"/>
+                <a:cs typeface="+mn-cs"/>
+              </a:defRPr>
+            </a:lvl2pPr>
+            <a:lvl3pPr marL="1143000" indent="-228600" algn="l" defTabSz="914400" rtl="0" eaLnBrk="1" latinLnBrk="0" hangingPunct="1">
+              <a:lnSpc>
+                <a:spcPct val="90000"/>
+              </a:lnSpc>
+              <a:spcBef>
+                <a:spcPts val="500"/>
+              </a:spcBef>
+              <a:buFont typeface="Arial" panose="020B0604020202020204" pitchFamily="34" charset="0"/>
+              <a:buChar char="•"/>
+              <a:defRPr sz="2000" kern="1200">
+                <a:solidFill>
+                  <a:schemeClr val="tx1"/>
+                </a:solidFill>
+                <a:latin typeface="+mn-lt"/>
+                <a:ea typeface="+mn-ea"/>
+                <a:cs typeface="+mn-cs"/>
+              </a:defRPr>
+            </a:lvl3pPr>
+            <a:lvl4pPr marL="1600200" indent="-228600" algn="l" defTabSz="914400" rtl="0" eaLnBrk="1" latinLnBrk="0" hangingPunct="1">
+              <a:lnSpc>
+                <a:spcPct val="90000"/>
+              </a:lnSpc>
+              <a:spcBef>
+                <a:spcPts val="500"/>
+              </a:spcBef>
+              <a:buFont typeface="Arial" panose="020B0604020202020204" pitchFamily="34" charset="0"/>
+              <a:buChar char="•"/>
+              <a:defRPr sz="1800" kern="1200">
+                <a:solidFill>
+                  <a:schemeClr val="tx1"/>
+                </a:solidFill>
+                <a:latin typeface="+mn-lt"/>
+                <a:ea typeface="+mn-ea"/>
+                <a:cs typeface="+mn-cs"/>
+              </a:defRPr>
+            </a:lvl4pPr>
+            <a:lvl5pPr marL="2057400" indent="-228600" algn="l" defTabSz="914400" rtl="0" eaLnBrk="1" latinLnBrk="0" hangingPunct="1">
+              <a:lnSpc>
+                <a:spcPct val="90000"/>
+              </a:lnSpc>
+              <a:spcBef>
+                <a:spcPts val="500"/>
+              </a:spcBef>
+              <a:buFont typeface="Arial" panose="020B0604020202020204" pitchFamily="34" charset="0"/>
+              <a:buChar char="•"/>
+              <a:defRPr sz="1800" kern="1200">
+                <a:solidFill>
+                  <a:schemeClr val="tx1"/>
+                </a:solidFill>
+                <a:latin typeface="+mn-lt"/>
+                <a:ea typeface="+mn-ea"/>
+                <a:cs typeface="+mn-cs"/>
+              </a:defRPr>
+            </a:lvl5pPr>
+            <a:lvl6pPr marL="2514600" indent="-228600" algn="l" defTabSz="914400" rtl="0" eaLnBrk="1" latinLnBrk="0" hangingPunct="1">
+              <a:lnSpc>
+                <a:spcPct val="90000"/>
+              </a:lnSpc>
+              <a:spcBef>
+                <a:spcPts val="500"/>
+              </a:spcBef>
+              <a:buFont typeface="Arial" panose="020B0604020202020204" pitchFamily="34" charset="0"/>
+              <a:buChar char="•"/>
+              <a:defRPr sz="1800" kern="1200">
+                <a:solidFill>
+                  <a:schemeClr val="tx1"/>
+                </a:solidFill>
+                <a:latin typeface="+mn-lt"/>
+                <a:ea typeface="+mn-ea"/>
+                <a:cs typeface="+mn-cs"/>
+              </a:defRPr>
+            </a:lvl6pPr>
+            <a:lvl7pPr marL="2971800" indent="-228600" algn="l" defTabSz="914400" rtl="0" eaLnBrk="1" latinLnBrk="0" hangingPunct="1">
+              <a:lnSpc>
+                <a:spcPct val="90000"/>
+              </a:lnSpc>
+              <a:spcBef>
+                <a:spcPts val="500"/>
+              </a:spcBef>
+              <a:buFont typeface="Arial" panose="020B0604020202020204" pitchFamily="34" charset="0"/>
+              <a:buChar char="•"/>
+              <a:defRPr sz="1800" kern="1200">
+                <a:solidFill>
+                  <a:schemeClr val="tx1"/>
+                </a:solidFill>
+                <a:latin typeface="+mn-lt"/>
+                <a:ea typeface="+mn-ea"/>
+                <a:cs typeface="+mn-cs"/>
+              </a:defRPr>
+            </a:lvl7pPr>
+            <a:lvl8pPr marL="3429000" indent="-228600" algn="l" defTabSz="914400" rtl="0" eaLnBrk="1" latinLnBrk="0" hangingPunct="1">
+              <a:lnSpc>
+                <a:spcPct val="90000"/>
+              </a:lnSpc>
+              <a:spcBef>
+                <a:spcPts val="500"/>
+              </a:spcBef>
+              <a:buFont typeface="Arial" panose="020B0604020202020204" pitchFamily="34" charset="0"/>
+              <a:buChar char="•"/>
+              <a:defRPr sz="1800" kern="1200">
+                <a:solidFill>
+                  <a:schemeClr val="tx1"/>
+                </a:solidFill>
+                <a:latin typeface="+mn-lt"/>
+                <a:ea typeface="+mn-ea"/>
+                <a:cs typeface="+mn-cs"/>
+              </a:defRPr>
+            </a:lvl8pPr>
+            <a:lvl9pPr marL="3886200" indent="-228600" algn="l" defTabSz="914400" rtl="0" eaLnBrk="1" latinLnBrk="0" hangingPunct="1">
+              <a:lnSpc>
+                <a:spcPct val="90000"/>
+              </a:lnSpc>
+              <a:spcBef>
+                <a:spcPts val="500"/>
+              </a:spcBef>
+              <a:buFont typeface="Arial" panose="020B0604020202020204" pitchFamily="34" charset="0"/>
+              <a:buChar char="•"/>
+              <a:defRPr sz="1800" kern="1200">
+                <a:solidFill>
+                  <a:schemeClr val="tx1"/>
+                </a:solidFill>
+                <a:latin typeface="+mn-lt"/>
+                <a:ea typeface="+mn-ea"/>
+                <a:cs typeface="+mn-cs"/>
+              </a:defRPr>
+            </a:lvl9pPr>
+          </a:lstStyle>
+          <a:p>
+            <a:r>
+              <a:rPr lang="en-GB" sz="2400" dirty="0">
+                <a:solidFill>
+                  <a:srgbClr val="002060"/>
+                </a:solidFill>
+                <a:latin typeface="Lora"/>
+              </a:rPr>
+              <a:t>Understand the effect of </a:t>
+            </a:r>
+            <a:r>
+              <a:rPr lang="en-GB" sz="2400" dirty="0">
+                <a:solidFill>
+                  <a:srgbClr val="FF0000"/>
+                </a:solidFill>
+                <a:latin typeface="Lora"/>
+              </a:rPr>
+              <a:t>Boost</a:t>
+            </a:r>
+            <a:r>
+              <a:rPr lang="en-GB" sz="2400" dirty="0">
+                <a:solidFill>
+                  <a:srgbClr val="002060"/>
+                </a:solidFill>
+                <a:latin typeface="Lora"/>
+              </a:rPr>
+              <a:t> in the analysis (PSMs were used)</a:t>
             </a:r>
           </a:p>
         </p:txBody>
@@ -4169,7 +9022,7 @@
     </p:spTree>
     <p:extLst>
       <p:ext uri="{BB962C8B-B14F-4D97-AF65-F5344CB8AC3E}">
-        <p14:creationId xmlns:p14="http://schemas.microsoft.com/office/powerpoint/2010/main" val="3978110315"/>
+        <p14:creationId xmlns:p14="http://schemas.microsoft.com/office/powerpoint/2010/main" val="4116265585"/>
       </p:ext>
     </p:extLst>
   </p:cSld>
@@ -4198,10 +9051,10 @@
       </p:grpSpPr>
       <p:pic>
         <p:nvPicPr>
-          <p:cNvPr id="3" name="Picture 2" descr="A screen shot of a graph&#10;&#10;Description automatically generated">
-            <a:extLst>
-              <a:ext uri="{FF2B5EF4-FFF2-40B4-BE49-F238E27FC236}">
-                <a16:creationId xmlns:a16="http://schemas.microsoft.com/office/drawing/2014/main" id="{A5776A06-59C1-F902-7EF4-9625FE097C3E}"/>
+          <p:cNvPr id="3" name="Picture 2" descr="A graph of a line with blue dots&#10;&#10;Description automatically generated with medium confidence">
+            <a:extLst>
+              <a:ext uri="{FF2B5EF4-FFF2-40B4-BE49-F238E27FC236}">
+                <a16:creationId xmlns:a16="http://schemas.microsoft.com/office/drawing/2014/main" id="{BA796E4F-0230-866F-7B4D-1E07ACE3E09E}"/>
               </a:ext>
             </a:extLst>
           </p:cNvPr>
@@ -4224,168 +9077,20 @@
         </p:blipFill>
         <p:spPr>
           <a:xfrm>
-            <a:off x="1035210" y="778175"/>
-            <a:ext cx="5214257" cy="5214257"/>
+            <a:off x="6430004" y="1210491"/>
+            <a:ext cx="5273040" cy="5273040"/>
           </a:xfrm>
           <a:prstGeom prst="rect">
             <a:avLst/>
           </a:prstGeom>
         </p:spPr>
       </p:pic>
-      <p:sp>
-        <p:nvSpPr>
-          <p:cNvPr id="8" name="TextBox 7">
-            <a:extLst>
-              <a:ext uri="{FF2B5EF4-FFF2-40B4-BE49-F238E27FC236}">
-                <a16:creationId xmlns:a16="http://schemas.microsoft.com/office/drawing/2014/main" id="{00B15C5A-3EE7-875B-DFE7-AB892CB1D841}"/>
-              </a:ext>
-            </a:extLst>
-          </p:cNvPr>
-          <p:cNvSpPr txBox="1"/>
-          <p:nvPr/>
-        </p:nvSpPr>
-        <p:spPr>
-          <a:xfrm>
-            <a:off x="3892468" y="122466"/>
-            <a:ext cx="5912324" cy="369332"/>
-          </a:xfrm>
-          <a:prstGeom prst="rect">
-            <a:avLst/>
-          </a:prstGeom>
-          <a:noFill/>
-        </p:spPr>
-        <p:txBody>
-          <a:bodyPr wrap="none" rtlCol="0">
-            <a:spAutoFit/>
-          </a:bodyPr>
-          <a:lstStyle/>
-          <a:p>
-            <a:r>
-              <a:rPr lang="en-GB" dirty="0"/>
-              <a:t>Understand the effect of PSM calculation vs peptides in LMM</a:t>
-            </a:r>
-          </a:p>
-        </p:txBody>
-      </p:sp>
-      <p:sp>
-        <p:nvSpPr>
-          <p:cNvPr id="9" name="TextBox 8">
-            <a:extLst>
-              <a:ext uri="{FF2B5EF4-FFF2-40B4-BE49-F238E27FC236}">
-                <a16:creationId xmlns:a16="http://schemas.microsoft.com/office/drawing/2014/main" id="{71914606-1974-6C61-0C60-8494CB47576B}"/>
-              </a:ext>
-            </a:extLst>
-          </p:cNvPr>
-          <p:cNvSpPr txBox="1"/>
-          <p:nvPr/>
-        </p:nvSpPr>
-        <p:spPr>
-          <a:xfrm>
-            <a:off x="2382730" y="6278809"/>
-            <a:ext cx="2576090" cy="369332"/>
-          </a:xfrm>
-          <a:prstGeom prst="rect">
-            <a:avLst/>
-          </a:prstGeom>
-          <a:noFill/>
-        </p:spPr>
-        <p:txBody>
-          <a:bodyPr wrap="none" rtlCol="0">
-            <a:spAutoFit/>
-          </a:bodyPr>
-          <a:lstStyle/>
-          <a:p>
-            <a:r>
-              <a:rPr lang="en-GB" dirty="0"/>
-              <a:t>Merge with all accessions</a:t>
-            </a:r>
-          </a:p>
-        </p:txBody>
-      </p:sp>
-      <p:sp>
-        <p:nvSpPr>
-          <p:cNvPr id="6" name="TextBox 5">
-            <a:extLst>
-              <a:ext uri="{FF2B5EF4-FFF2-40B4-BE49-F238E27FC236}">
-                <a16:creationId xmlns:a16="http://schemas.microsoft.com/office/drawing/2014/main" id="{A4544C7F-7814-3DFD-EB49-12FBB16956F2}"/>
-              </a:ext>
-            </a:extLst>
-          </p:cNvPr>
-          <p:cNvSpPr txBox="1"/>
-          <p:nvPr/>
-        </p:nvSpPr>
-        <p:spPr>
-          <a:xfrm>
-            <a:off x="2382730" y="5807766"/>
-            <a:ext cx="2519216" cy="369332"/>
-          </a:xfrm>
-          <a:prstGeom prst="rect">
-            <a:avLst/>
-          </a:prstGeom>
-          <a:noFill/>
-        </p:spPr>
-        <p:txBody>
-          <a:bodyPr wrap="none" rtlCol="0">
-            <a:spAutoFit/>
-          </a:bodyPr>
-          <a:lstStyle/>
-          <a:p>
-            <a:r>
-              <a:rPr lang="en-GB" dirty="0">
-                <a:solidFill>
-                  <a:srgbClr val="FF0000"/>
-                </a:solidFill>
-              </a:rPr>
-              <a:t>Samples : CCCP vs DMSO</a:t>
-            </a:r>
-          </a:p>
-        </p:txBody>
-      </p:sp>
-      <p:sp>
-        <p:nvSpPr>
-          <p:cNvPr id="15" name="TextBox 14">
-            <a:extLst>
-              <a:ext uri="{FF2B5EF4-FFF2-40B4-BE49-F238E27FC236}">
-                <a16:creationId xmlns:a16="http://schemas.microsoft.com/office/drawing/2014/main" id="{2183EBC2-B78A-9EF2-F623-37EA9CF2F81F}"/>
-              </a:ext>
-            </a:extLst>
-          </p:cNvPr>
-          <p:cNvSpPr txBox="1"/>
-          <p:nvPr/>
-        </p:nvSpPr>
-        <p:spPr>
-          <a:xfrm>
-            <a:off x="2632860" y="778174"/>
-            <a:ext cx="2519216" cy="369332"/>
-          </a:xfrm>
-          <a:prstGeom prst="rect">
-            <a:avLst/>
-          </a:prstGeom>
-          <a:noFill/>
-        </p:spPr>
-        <p:txBody>
-          <a:bodyPr wrap="square">
-            <a:spAutoFit/>
-          </a:bodyPr>
-          <a:lstStyle/>
-          <a:p>
-            <a:r>
-              <a:rPr lang="en-GB" dirty="0">
-                <a:solidFill>
-                  <a:srgbClr val="FF0000"/>
-                </a:solidFill>
-              </a:rPr>
-              <a:t> PSMs vs Peptides</a:t>
-            </a:r>
-          </a:p>
-        </p:txBody>
-      </p:sp>
       <p:pic>
         <p:nvPicPr>
-          <p:cNvPr id="18" name="Picture 17" descr="A screen shot of a graph&#10;&#10;Description automatically generated">
-            <a:extLst>
-              <a:ext uri="{FF2B5EF4-FFF2-40B4-BE49-F238E27FC236}">
-                <a16:creationId xmlns:a16="http://schemas.microsoft.com/office/drawing/2014/main" id="{92005135-DDD0-26BD-7A57-C940FB33F6E4}"/>
+          <p:cNvPr id="6" name="Picture 5" descr="A graph of a graph with blue and red dots&#10;&#10;Description automatically generated with medium confidence">
+            <a:extLst>
+              <a:ext uri="{FF2B5EF4-FFF2-40B4-BE49-F238E27FC236}">
+                <a16:creationId xmlns:a16="http://schemas.microsoft.com/office/drawing/2014/main" id="{ED28DB96-727E-A701-F244-C7AD4DB74082}"/>
               </a:ext>
             </a:extLst>
           </p:cNvPr>
@@ -4408,8 +9113,8 @@
         </p:blipFill>
         <p:spPr>
           <a:xfrm>
-            <a:off x="6249466" y="778174"/>
-            <a:ext cx="5214257" cy="5214257"/>
+            <a:off x="771778" y="1210491"/>
+            <a:ext cx="5273040" cy="5273040"/>
           </a:xfrm>
           <a:prstGeom prst="rect">
             <a:avLst/>
@@ -4418,10 +9123,10 @@
       </p:pic>
       <p:sp>
         <p:nvSpPr>
-          <p:cNvPr id="19" name="TextBox 18">
-            <a:extLst>
-              <a:ext uri="{FF2B5EF4-FFF2-40B4-BE49-F238E27FC236}">
-                <a16:creationId xmlns:a16="http://schemas.microsoft.com/office/drawing/2014/main" id="{5FBA9DD9-860B-F6AF-74AA-7B9917887BF9}"/>
+          <p:cNvPr id="9" name="TextBox 8">
+            <a:extLst>
+              <a:ext uri="{FF2B5EF4-FFF2-40B4-BE49-F238E27FC236}">
+                <a16:creationId xmlns:a16="http://schemas.microsoft.com/office/drawing/2014/main" id="{71914606-1974-6C61-0C60-8494CB47576B}"/>
               </a:ext>
             </a:extLst>
           </p:cNvPr>
@@ -4430,47 +9135,8 @@
         </p:nvSpPr>
         <p:spPr>
           <a:xfrm>
-            <a:off x="7806847" y="778173"/>
-            <a:ext cx="2519216" cy="369332"/>
-          </a:xfrm>
-          <a:prstGeom prst="rect">
-            <a:avLst/>
-          </a:prstGeom>
-          <a:noFill/>
-        </p:spPr>
-        <p:txBody>
-          <a:bodyPr wrap="square">
-            <a:spAutoFit/>
-          </a:bodyPr>
-          <a:lstStyle/>
-          <a:p>
-            <a:r>
-              <a:rPr lang="en-GB" dirty="0">
-                <a:solidFill>
-                  <a:srgbClr val="FF0000"/>
-                </a:solidFill>
-              </a:rPr>
-              <a:t> PSMs vs Peptides</a:t>
-            </a:r>
-          </a:p>
-        </p:txBody>
-      </p:sp>
-      <p:sp>
-        <p:nvSpPr>
-          <p:cNvPr id="20" name="TextBox 19">
-            <a:extLst>
-              <a:ext uri="{FF2B5EF4-FFF2-40B4-BE49-F238E27FC236}">
-                <a16:creationId xmlns:a16="http://schemas.microsoft.com/office/drawing/2014/main" id="{B005F792-1319-D963-60C0-78CEE9CE8453}"/>
-              </a:ext>
-            </a:extLst>
-          </p:cNvPr>
-          <p:cNvSpPr txBox="1"/>
-          <p:nvPr/>
-        </p:nvSpPr>
-        <p:spPr>
-          <a:xfrm>
-            <a:off x="7596986" y="5807765"/>
-            <a:ext cx="2519216" cy="369332"/>
+            <a:off x="4575903" y="6384744"/>
+            <a:ext cx="2576090" cy="369332"/>
           </a:xfrm>
           <a:prstGeom prst="rect">
             <a:avLst/>
@@ -4484,22 +9150,18 @@
           <a:lstStyle/>
           <a:p>
             <a:r>
-              <a:rPr lang="en-GB" dirty="0">
-                <a:solidFill>
-                  <a:srgbClr val="FF0000"/>
-                </a:solidFill>
-              </a:rPr>
-              <a:t>Samples : CCCP vs DMSO</a:t>
-            </a:r>
-          </a:p>
-        </p:txBody>
-      </p:sp>
-      <p:sp>
-        <p:nvSpPr>
-          <p:cNvPr id="21" name="TextBox 20">
-            <a:extLst>
-              <a:ext uri="{FF2B5EF4-FFF2-40B4-BE49-F238E27FC236}">
-                <a16:creationId xmlns:a16="http://schemas.microsoft.com/office/drawing/2014/main" id="{C2E6FC08-56EB-4EBD-C743-23F7EE55AC66}"/>
+              <a:rPr lang="en-GB" dirty="0"/>
+              <a:t>Merge with all accessions</a:t>
+            </a:r>
+          </a:p>
+        </p:txBody>
+      </p:sp>
+      <p:sp>
+        <p:nvSpPr>
+          <p:cNvPr id="11" name="TextBox 10">
+            <a:extLst>
+              <a:ext uri="{FF2B5EF4-FFF2-40B4-BE49-F238E27FC236}">
+                <a16:creationId xmlns:a16="http://schemas.microsoft.com/office/drawing/2014/main" id="{7C88A7A0-5121-3E29-9FC4-7D9279C5D705}"/>
               </a:ext>
             </a:extLst>
           </p:cNvPr>
@@ -4508,8 +9170,8 @@
         </p:nvSpPr>
         <p:spPr>
           <a:xfrm>
-            <a:off x="7108812" y="6278809"/>
-            <a:ext cx="3643370" cy="369332"/>
+            <a:off x="1986680" y="1059238"/>
+            <a:ext cx="2519216" cy="369332"/>
           </a:xfrm>
           <a:prstGeom prst="rect">
             <a:avLst/>
@@ -4523,18 +9185,22 @@
           <a:lstStyle/>
           <a:p>
             <a:r>
-              <a:rPr lang="en-GB" dirty="0"/>
-              <a:t>Merge with only common accessions</a:t>
-            </a:r>
-          </a:p>
-        </p:txBody>
-      </p:sp>
-      <p:sp>
-        <p:nvSpPr>
-          <p:cNvPr id="22" name="TextBox 21">
-            <a:extLst>
-              <a:ext uri="{FF2B5EF4-FFF2-40B4-BE49-F238E27FC236}">
-                <a16:creationId xmlns:a16="http://schemas.microsoft.com/office/drawing/2014/main" id="{214BFE93-FB1F-E8D5-4067-3900461279EE}"/>
+              <a:rPr lang="en-GB" dirty="0">
+                <a:solidFill>
+                  <a:srgbClr val="FF0000"/>
+                </a:solidFill>
+              </a:rPr>
+              <a:t>Samples : CCCP vs DMSO</a:t>
+            </a:r>
+          </a:p>
+        </p:txBody>
+      </p:sp>
+      <p:sp>
+        <p:nvSpPr>
+          <p:cNvPr id="14" name="TextBox 13">
+            <a:extLst>
+              <a:ext uri="{FF2B5EF4-FFF2-40B4-BE49-F238E27FC236}">
+                <a16:creationId xmlns:a16="http://schemas.microsoft.com/office/drawing/2014/main" id="{A3C62DEE-EB1D-84AD-8810-2E0B92688D7B}"/>
               </a:ext>
             </a:extLst>
           </p:cNvPr>
@@ -4543,8 +9209,8 @@
         </p:nvSpPr>
         <p:spPr>
           <a:xfrm>
-            <a:off x="0" y="25193"/>
-            <a:ext cx="2519216" cy="369332"/>
+            <a:off x="7512668" y="1059603"/>
+            <a:ext cx="3105915" cy="369332"/>
           </a:xfrm>
           <a:prstGeom prst="rect">
             <a:avLst/>
@@ -4552,7 +9218,7 @@
           <a:noFill/>
         </p:spPr>
         <p:txBody>
-          <a:bodyPr wrap="square">
+          <a:bodyPr wrap="none" rtlCol="0">
             <a:spAutoFit/>
           </a:bodyPr>
           <a:lstStyle/>
@@ -4563,7 +9229,219 @@
                   <a:srgbClr val="FF0000"/>
                 </a:solidFill>
               </a:rPr>
-              <a:t>No Booster used!</a:t>
+              <a:t>Samples : CCCP+ISRIB vs DMSO</a:t>
+            </a:r>
+          </a:p>
+        </p:txBody>
+      </p:sp>
+      <p:sp>
+        <p:nvSpPr>
+          <p:cNvPr id="15" name="Content Placeholder 2">
+            <a:extLst>
+              <a:ext uri="{FF2B5EF4-FFF2-40B4-BE49-F238E27FC236}">
+                <a16:creationId xmlns:a16="http://schemas.microsoft.com/office/drawing/2014/main" id="{DAEC6B69-04BD-F860-DA20-9B7E678C34F8}"/>
+              </a:ext>
+            </a:extLst>
+          </p:cNvPr>
+          <p:cNvSpPr txBox="1">
+            <a:spLocks/>
+          </p:cNvSpPr>
+          <p:nvPr/>
+        </p:nvSpPr>
+        <p:spPr>
+          <a:xfrm>
+            <a:off x="1784773" y="224809"/>
+            <a:ext cx="11455790" cy="424732"/>
+          </a:xfrm>
+          <a:prstGeom prst="rect">
+            <a:avLst/>
+          </a:prstGeom>
+          <a:noFill/>
+          <a:ln w="9525">
+            <a:noFill/>
+            <a:miter lim="800000"/>
+            <a:headEnd/>
+            <a:tailEnd/>
+          </a:ln>
+        </p:spPr>
+        <p:txBody>
+          <a:bodyPr vert="horz" wrap="square" lIns="91440" tIns="45720" rIns="91440" bIns="45720" rtlCol="0" anchor="ctr">
+            <a:spAutoFit/>
+          </a:bodyPr>
+          <a:lstStyle>
+            <a:defPPr>
+              <a:defRPr lang="en-US"/>
+            </a:defPPr>
+            <a:lvl1pPr>
+              <a:lnSpc>
+                <a:spcPct val="90000"/>
+              </a:lnSpc>
+              <a:spcBef>
+                <a:spcPct val="0"/>
+              </a:spcBef>
+              <a:defRPr sz="2800" b="1">
+                <a:solidFill>
+                  <a:schemeClr val="accent1"/>
+                </a:solidFill>
+                <a:latin typeface="Calibri" panose="020F0502020204030204" pitchFamily="34" charset="0"/>
+                <a:ea typeface="ＭＳ Ｐゴシック" panose="020B0600070205080204" pitchFamily="34" charset="-128"/>
+                <a:cs typeface="+mj-cs"/>
+              </a:defRPr>
+            </a:lvl1pPr>
+            <a:lvl2pPr marL="685800" indent="-228600" algn="l" defTabSz="914400" rtl="0" eaLnBrk="1" latinLnBrk="0" hangingPunct="1">
+              <a:lnSpc>
+                <a:spcPct val="90000"/>
+              </a:lnSpc>
+              <a:spcBef>
+                <a:spcPts val="500"/>
+              </a:spcBef>
+              <a:buFont typeface="Arial" panose="020B0604020202020204" pitchFamily="34" charset="0"/>
+              <a:buChar char="•"/>
+              <a:defRPr sz="2400" kern="1200">
+                <a:solidFill>
+                  <a:schemeClr val="tx1"/>
+                </a:solidFill>
+                <a:latin typeface="+mn-lt"/>
+                <a:ea typeface="+mn-ea"/>
+                <a:cs typeface="+mn-cs"/>
+              </a:defRPr>
+            </a:lvl2pPr>
+            <a:lvl3pPr marL="1143000" indent="-228600" algn="l" defTabSz="914400" rtl="0" eaLnBrk="1" latinLnBrk="0" hangingPunct="1">
+              <a:lnSpc>
+                <a:spcPct val="90000"/>
+              </a:lnSpc>
+              <a:spcBef>
+                <a:spcPts val="500"/>
+              </a:spcBef>
+              <a:buFont typeface="Arial" panose="020B0604020202020204" pitchFamily="34" charset="0"/>
+              <a:buChar char="•"/>
+              <a:defRPr sz="2000" kern="1200">
+                <a:solidFill>
+                  <a:schemeClr val="tx1"/>
+                </a:solidFill>
+                <a:latin typeface="+mn-lt"/>
+                <a:ea typeface="+mn-ea"/>
+                <a:cs typeface="+mn-cs"/>
+              </a:defRPr>
+            </a:lvl3pPr>
+            <a:lvl4pPr marL="1600200" indent="-228600" algn="l" defTabSz="914400" rtl="0" eaLnBrk="1" latinLnBrk="0" hangingPunct="1">
+              <a:lnSpc>
+                <a:spcPct val="90000"/>
+              </a:lnSpc>
+              <a:spcBef>
+                <a:spcPts val="500"/>
+              </a:spcBef>
+              <a:buFont typeface="Arial" panose="020B0604020202020204" pitchFamily="34" charset="0"/>
+              <a:buChar char="•"/>
+              <a:defRPr sz="1800" kern="1200">
+                <a:solidFill>
+                  <a:schemeClr val="tx1"/>
+                </a:solidFill>
+                <a:latin typeface="+mn-lt"/>
+                <a:ea typeface="+mn-ea"/>
+                <a:cs typeface="+mn-cs"/>
+              </a:defRPr>
+            </a:lvl4pPr>
+            <a:lvl5pPr marL="2057400" indent="-228600" algn="l" defTabSz="914400" rtl="0" eaLnBrk="1" latinLnBrk="0" hangingPunct="1">
+              <a:lnSpc>
+                <a:spcPct val="90000"/>
+              </a:lnSpc>
+              <a:spcBef>
+                <a:spcPts val="500"/>
+              </a:spcBef>
+              <a:buFont typeface="Arial" panose="020B0604020202020204" pitchFamily="34" charset="0"/>
+              <a:buChar char="•"/>
+              <a:defRPr sz="1800" kern="1200">
+                <a:solidFill>
+                  <a:schemeClr val="tx1"/>
+                </a:solidFill>
+                <a:latin typeface="+mn-lt"/>
+                <a:ea typeface="+mn-ea"/>
+                <a:cs typeface="+mn-cs"/>
+              </a:defRPr>
+            </a:lvl5pPr>
+            <a:lvl6pPr marL="2514600" indent="-228600" algn="l" defTabSz="914400" rtl="0" eaLnBrk="1" latinLnBrk="0" hangingPunct="1">
+              <a:lnSpc>
+                <a:spcPct val="90000"/>
+              </a:lnSpc>
+              <a:spcBef>
+                <a:spcPts val="500"/>
+              </a:spcBef>
+              <a:buFont typeface="Arial" panose="020B0604020202020204" pitchFamily="34" charset="0"/>
+              <a:buChar char="•"/>
+              <a:defRPr sz="1800" kern="1200">
+                <a:solidFill>
+                  <a:schemeClr val="tx1"/>
+                </a:solidFill>
+                <a:latin typeface="+mn-lt"/>
+                <a:ea typeface="+mn-ea"/>
+                <a:cs typeface="+mn-cs"/>
+              </a:defRPr>
+            </a:lvl6pPr>
+            <a:lvl7pPr marL="2971800" indent="-228600" algn="l" defTabSz="914400" rtl="0" eaLnBrk="1" latinLnBrk="0" hangingPunct="1">
+              <a:lnSpc>
+                <a:spcPct val="90000"/>
+              </a:lnSpc>
+              <a:spcBef>
+                <a:spcPts val="500"/>
+              </a:spcBef>
+              <a:buFont typeface="Arial" panose="020B0604020202020204" pitchFamily="34" charset="0"/>
+              <a:buChar char="•"/>
+              <a:defRPr sz="1800" kern="1200">
+                <a:solidFill>
+                  <a:schemeClr val="tx1"/>
+                </a:solidFill>
+                <a:latin typeface="+mn-lt"/>
+                <a:ea typeface="+mn-ea"/>
+                <a:cs typeface="+mn-cs"/>
+              </a:defRPr>
+            </a:lvl7pPr>
+            <a:lvl8pPr marL="3429000" indent="-228600" algn="l" defTabSz="914400" rtl="0" eaLnBrk="1" latinLnBrk="0" hangingPunct="1">
+              <a:lnSpc>
+                <a:spcPct val="90000"/>
+              </a:lnSpc>
+              <a:spcBef>
+                <a:spcPts val="500"/>
+              </a:spcBef>
+              <a:buFont typeface="Arial" panose="020B0604020202020204" pitchFamily="34" charset="0"/>
+              <a:buChar char="•"/>
+              <a:defRPr sz="1800" kern="1200">
+                <a:solidFill>
+                  <a:schemeClr val="tx1"/>
+                </a:solidFill>
+                <a:latin typeface="+mn-lt"/>
+                <a:ea typeface="+mn-ea"/>
+                <a:cs typeface="+mn-cs"/>
+              </a:defRPr>
+            </a:lvl8pPr>
+            <a:lvl9pPr marL="3886200" indent="-228600" algn="l" defTabSz="914400" rtl="0" eaLnBrk="1" latinLnBrk="0" hangingPunct="1">
+              <a:lnSpc>
+                <a:spcPct val="90000"/>
+              </a:lnSpc>
+              <a:spcBef>
+                <a:spcPts val="500"/>
+              </a:spcBef>
+              <a:buFont typeface="Arial" panose="020B0604020202020204" pitchFamily="34" charset="0"/>
+              <a:buChar char="•"/>
+              <a:defRPr sz="1800" kern="1200">
+                <a:solidFill>
+                  <a:schemeClr val="tx1"/>
+                </a:solidFill>
+                <a:latin typeface="+mn-lt"/>
+                <a:ea typeface="+mn-ea"/>
+                <a:cs typeface="+mn-cs"/>
+              </a:defRPr>
+            </a:lvl9pPr>
+          </a:lstStyle>
+          <a:p>
+            <a:r>
+              <a:rPr lang="en-GB" sz="2400" dirty="0">
+                <a:solidFill>
+                  <a:srgbClr val="002060"/>
+                </a:solidFill>
+                <a:latin typeface="Lora"/>
+              </a:rPr>
+              <a:t>Old peptide return function vs new function (PSM file is used)</a:t>
             </a:r>
           </a:p>
         </p:txBody>
@@ -4571,7 +9449,7 @@
     </p:spTree>
     <p:extLst>
       <p:ext uri="{BB962C8B-B14F-4D97-AF65-F5344CB8AC3E}">
-        <p14:creationId xmlns:p14="http://schemas.microsoft.com/office/powerpoint/2010/main" val="817069767"/>
+        <p14:creationId xmlns:p14="http://schemas.microsoft.com/office/powerpoint/2010/main" val="498179088"/>
       </p:ext>
     </p:extLst>
   </p:cSld>
@@ -4600,10 +9478,10 @@
       </p:grpSpPr>
       <p:pic>
         <p:nvPicPr>
-          <p:cNvPr id="5" name="Picture 4" descr="A graph of a graph&#10;&#10;Description automatically generated with medium confidence">
-            <a:extLst>
-              <a:ext uri="{FF2B5EF4-FFF2-40B4-BE49-F238E27FC236}">
-                <a16:creationId xmlns:a16="http://schemas.microsoft.com/office/drawing/2014/main" id="{C169E58B-6C58-DAA4-40C8-F893AA3744DB}"/>
+          <p:cNvPr id="3" name="Picture 2">
+            <a:extLst>
+              <a:ext uri="{FF2B5EF4-FFF2-40B4-BE49-F238E27FC236}">
+                <a16:creationId xmlns:a16="http://schemas.microsoft.com/office/drawing/2014/main" id="{A3842A29-B770-D20C-828D-C0F0F75103FC}"/>
               </a:ext>
             </a:extLst>
           </p:cNvPr>
@@ -4613,21 +9491,15 @@
           <p:nvPr/>
         </p:nvPicPr>
         <p:blipFill>
-          <a:blip r:embed="rId2">
-            <a:extLst>
-              <a:ext uri="{28A0092B-C50C-407E-A947-70E740481C1C}">
-                <a14:useLocalDpi xmlns:a14="http://schemas.microsoft.com/office/drawing/2010/main" val="0"/>
-              </a:ext>
-            </a:extLst>
-          </a:blip>
+          <a:blip r:embed="rId2"/>
           <a:stretch>
             <a:fillRect/>
           </a:stretch>
         </p:blipFill>
         <p:spPr>
           <a:xfrm>
-            <a:off x="6276253" y="771340"/>
-            <a:ext cx="5141165" cy="5141165"/>
+            <a:off x="781050" y="1116850"/>
+            <a:ext cx="5563376" cy="2276793"/>
           </a:xfrm>
           <a:prstGeom prst="rect">
             <a:avLst/>
@@ -4636,10 +9508,10 @@
       </p:pic>
       <p:pic>
         <p:nvPicPr>
-          <p:cNvPr id="2" name="Picture 1" descr="A graph of a graph&#10;&#10;Description automatically generated with medium confidence">
-            <a:extLst>
-              <a:ext uri="{FF2B5EF4-FFF2-40B4-BE49-F238E27FC236}">
-                <a16:creationId xmlns:a16="http://schemas.microsoft.com/office/drawing/2014/main" id="{847F69EC-9D96-A912-5489-3E686E752E0D}"/>
+          <p:cNvPr id="4" name="Picture 3">
+            <a:extLst>
+              <a:ext uri="{FF2B5EF4-FFF2-40B4-BE49-F238E27FC236}">
+                <a16:creationId xmlns:a16="http://schemas.microsoft.com/office/drawing/2014/main" id="{F501052F-D9A2-B6E7-1D24-BB814876AC59}"/>
               </a:ext>
             </a:extLst>
           </p:cNvPr>
@@ -4649,331 +9521,163 @@
           <p:nvPr/>
         </p:nvPicPr>
         <p:blipFill>
-          <a:blip r:embed="rId3">
-            <a:extLst>
-              <a:ext uri="{28A0092B-C50C-407E-A947-70E740481C1C}">
-                <a14:useLocalDpi xmlns:a14="http://schemas.microsoft.com/office/drawing/2010/main" val="0"/>
-              </a:ext>
-            </a:extLst>
-          </a:blip>
+          <a:blip r:embed="rId3"/>
           <a:stretch>
             <a:fillRect/>
           </a:stretch>
         </p:blipFill>
         <p:spPr>
           <a:xfrm>
-            <a:off x="1297734" y="771340"/>
-            <a:ext cx="5141165" cy="5141165"/>
+            <a:off x="781050" y="3769157"/>
+            <a:ext cx="7642217" cy="2506648"/>
           </a:xfrm>
           <a:prstGeom prst="rect">
             <a:avLst/>
           </a:prstGeom>
         </p:spPr>
       </p:pic>
-      <p:sp>
-        <p:nvSpPr>
-          <p:cNvPr id="8" name="TextBox 7">
-            <a:extLst>
-              <a:ext uri="{FF2B5EF4-FFF2-40B4-BE49-F238E27FC236}">
-                <a16:creationId xmlns:a16="http://schemas.microsoft.com/office/drawing/2014/main" id="{00B15C5A-3EE7-875B-DFE7-AB892CB1D841}"/>
-              </a:ext>
-            </a:extLst>
-          </p:cNvPr>
-          <p:cNvSpPr txBox="1"/>
+      <p:pic>
+        <p:nvPicPr>
+          <p:cNvPr id="5" name="Picture 4">
+            <a:extLst>
+              <a:ext uri="{FF2B5EF4-FFF2-40B4-BE49-F238E27FC236}">
+                <a16:creationId xmlns:a16="http://schemas.microsoft.com/office/drawing/2014/main" id="{94A6BCAA-99A4-5E29-3A82-06613B8F8285}"/>
+              </a:ext>
+            </a:extLst>
+          </p:cNvPr>
+          <p:cNvPicPr>
+            <a:picLocks noChangeAspect="1"/>
+          </p:cNvPicPr>
           <p:nvPr/>
-        </p:nvSpPr>
-        <p:spPr>
-          <a:xfrm>
-            <a:off x="3892468" y="122466"/>
-            <a:ext cx="5912324" cy="369332"/>
+        </p:nvPicPr>
+        <p:blipFill>
+          <a:blip r:embed="rId4"/>
+          <a:stretch>
+            <a:fillRect/>
+          </a:stretch>
+        </p:blipFill>
+        <p:spPr>
+          <a:xfrm>
+            <a:off x="9214199" y="792047"/>
+            <a:ext cx="2903039" cy="5599228"/>
           </a:xfrm>
           <a:prstGeom prst="rect">
             <a:avLst/>
           </a:prstGeom>
-          <a:noFill/>
-        </p:spPr>
-        <p:txBody>
-          <a:bodyPr wrap="none" rtlCol="0">
-            <a:spAutoFit/>
-          </a:bodyPr>
+        </p:spPr>
+      </p:pic>
+      <p:sp>
+        <p:nvSpPr>
+          <p:cNvPr id="6" name="Arrow: Right 5">
+            <a:extLst>
+              <a:ext uri="{FF2B5EF4-FFF2-40B4-BE49-F238E27FC236}">
+                <a16:creationId xmlns:a16="http://schemas.microsoft.com/office/drawing/2014/main" id="{90767AAD-5B90-E892-7A4A-C1554610E633}"/>
+              </a:ext>
+            </a:extLst>
+          </p:cNvPr>
+          <p:cNvSpPr/>
+          <p:nvPr/>
+        </p:nvSpPr>
+        <p:spPr>
+          <a:xfrm>
+            <a:off x="8957024" y="2159996"/>
+            <a:ext cx="257175" cy="285750"/>
+          </a:xfrm>
+          <a:prstGeom prst="rightArrow">
+            <a:avLst/>
+          </a:prstGeom>
+          <a:solidFill>
+            <a:srgbClr val="FF0000"/>
+          </a:solidFill>
+          <a:ln>
+            <a:solidFill>
+              <a:schemeClr val="bg1"/>
+            </a:solidFill>
+          </a:ln>
+        </p:spPr>
+        <p:style>
+          <a:lnRef idx="2">
+            <a:schemeClr val="accent1">
+              <a:shade val="15000"/>
+            </a:schemeClr>
+          </a:lnRef>
+          <a:fillRef idx="1">
+            <a:schemeClr val="accent1"/>
+          </a:fillRef>
+          <a:effectRef idx="0">
+            <a:schemeClr val="accent1"/>
+          </a:effectRef>
+          <a:fontRef idx="minor">
+            <a:schemeClr val="lt1"/>
+          </a:fontRef>
+        </p:style>
+        <p:txBody>
+          <a:bodyPr rtlCol="0" anchor="ctr"/>
           <a:lstStyle/>
           <a:p>
-            <a:r>
-              <a:rPr lang="en-GB" dirty="0"/>
-              <a:t>Understand the effect of PSM calculation vs peptides in LMM</a:t>
-            </a:r>
-          </a:p>
-        </p:txBody>
-      </p:sp>
-      <p:sp>
-        <p:nvSpPr>
-          <p:cNvPr id="9" name="TextBox 8">
-            <a:extLst>
-              <a:ext uri="{FF2B5EF4-FFF2-40B4-BE49-F238E27FC236}">
-                <a16:creationId xmlns:a16="http://schemas.microsoft.com/office/drawing/2014/main" id="{71914606-1974-6C61-0C60-8494CB47576B}"/>
-              </a:ext>
-            </a:extLst>
-          </p:cNvPr>
-          <p:cNvSpPr txBox="1"/>
+            <a:pPr algn="ctr"/>
+            <a:endParaRPr lang="en-GB"/>
+          </a:p>
+        </p:txBody>
+      </p:sp>
+      <p:sp>
+        <p:nvSpPr>
+          <p:cNvPr id="7" name="Arrow: Right 6">
+            <a:extLst>
+              <a:ext uri="{FF2B5EF4-FFF2-40B4-BE49-F238E27FC236}">
+                <a16:creationId xmlns:a16="http://schemas.microsoft.com/office/drawing/2014/main" id="{5FF324AF-B497-1248-3E85-6A8769755C94}"/>
+              </a:ext>
+            </a:extLst>
+          </p:cNvPr>
+          <p:cNvSpPr/>
           <p:nvPr/>
         </p:nvSpPr>
         <p:spPr>
           <a:xfrm>
-            <a:off x="2382730" y="6278809"/>
-            <a:ext cx="2576090" cy="369332"/>
-          </a:xfrm>
-          <a:prstGeom prst="rect">
-            <a:avLst/>
-          </a:prstGeom>
-          <a:noFill/>
-        </p:spPr>
-        <p:txBody>
-          <a:bodyPr wrap="none" rtlCol="0">
-            <a:spAutoFit/>
-          </a:bodyPr>
+            <a:off x="8957023" y="2814046"/>
+            <a:ext cx="257175" cy="285750"/>
+          </a:xfrm>
+          <a:prstGeom prst="rightArrow">
+            <a:avLst/>
+          </a:prstGeom>
+          <a:solidFill>
+            <a:srgbClr val="FF0000"/>
+          </a:solidFill>
+          <a:ln>
+            <a:solidFill>
+              <a:schemeClr val="bg1"/>
+            </a:solidFill>
+          </a:ln>
+        </p:spPr>
+        <p:style>
+          <a:lnRef idx="2">
+            <a:schemeClr val="accent1">
+              <a:shade val="15000"/>
+            </a:schemeClr>
+          </a:lnRef>
+          <a:fillRef idx="1">
+            <a:schemeClr val="accent1"/>
+          </a:fillRef>
+          <a:effectRef idx="0">
+            <a:schemeClr val="accent1"/>
+          </a:effectRef>
+          <a:fontRef idx="minor">
+            <a:schemeClr val="lt1"/>
+          </a:fontRef>
+        </p:style>
+        <p:txBody>
+          <a:bodyPr rtlCol="0" anchor="ctr"/>
           <a:lstStyle/>
           <a:p>
-            <a:r>
-              <a:rPr lang="en-GB" dirty="0"/>
-              <a:t>Merge with all accessions</a:t>
-            </a:r>
-          </a:p>
-        </p:txBody>
-      </p:sp>
-      <p:sp>
-        <p:nvSpPr>
-          <p:cNvPr id="6" name="TextBox 5">
-            <a:extLst>
-              <a:ext uri="{FF2B5EF4-FFF2-40B4-BE49-F238E27FC236}">
-                <a16:creationId xmlns:a16="http://schemas.microsoft.com/office/drawing/2014/main" id="{A4544C7F-7814-3DFD-EB49-12FBB16956F2}"/>
-              </a:ext>
-            </a:extLst>
-          </p:cNvPr>
-          <p:cNvSpPr txBox="1"/>
-          <p:nvPr/>
-        </p:nvSpPr>
-        <p:spPr>
-          <a:xfrm>
-            <a:off x="2117817" y="5807765"/>
-            <a:ext cx="3105915" cy="369332"/>
-          </a:xfrm>
-          <a:prstGeom prst="rect">
-            <a:avLst/>
-          </a:prstGeom>
-          <a:noFill/>
-        </p:spPr>
-        <p:txBody>
-          <a:bodyPr wrap="none" rtlCol="0">
-            <a:spAutoFit/>
-          </a:bodyPr>
-          <a:lstStyle/>
-          <a:p>
-            <a:r>
-              <a:rPr lang="en-GB" dirty="0">
-                <a:solidFill>
-                  <a:srgbClr val="FF0000"/>
-                </a:solidFill>
-              </a:rPr>
-              <a:t>Samples : CCCP+ISRIB vs DMSO</a:t>
-            </a:r>
-          </a:p>
-        </p:txBody>
-      </p:sp>
-      <p:sp>
-        <p:nvSpPr>
-          <p:cNvPr id="15" name="TextBox 14">
-            <a:extLst>
-              <a:ext uri="{FF2B5EF4-FFF2-40B4-BE49-F238E27FC236}">
-                <a16:creationId xmlns:a16="http://schemas.microsoft.com/office/drawing/2014/main" id="{2183EBC2-B78A-9EF2-F623-37EA9CF2F81F}"/>
-              </a:ext>
-            </a:extLst>
-          </p:cNvPr>
-          <p:cNvSpPr txBox="1"/>
-          <p:nvPr/>
-        </p:nvSpPr>
-        <p:spPr>
-          <a:xfrm>
-            <a:off x="2632860" y="778174"/>
-            <a:ext cx="2519216" cy="369332"/>
-          </a:xfrm>
-          <a:prstGeom prst="rect">
-            <a:avLst/>
-          </a:prstGeom>
-          <a:noFill/>
-        </p:spPr>
-        <p:txBody>
-          <a:bodyPr wrap="square">
-            <a:spAutoFit/>
-          </a:bodyPr>
-          <a:lstStyle/>
-          <a:p>
-            <a:r>
-              <a:rPr lang="en-GB" dirty="0">
-                <a:solidFill>
-                  <a:srgbClr val="FF0000"/>
-                </a:solidFill>
-              </a:rPr>
-              <a:t> PSMs vs Peptides</a:t>
-            </a:r>
-          </a:p>
-        </p:txBody>
-      </p:sp>
-      <p:sp>
-        <p:nvSpPr>
-          <p:cNvPr id="19" name="TextBox 18">
-            <a:extLst>
-              <a:ext uri="{FF2B5EF4-FFF2-40B4-BE49-F238E27FC236}">
-                <a16:creationId xmlns:a16="http://schemas.microsoft.com/office/drawing/2014/main" id="{5FBA9DD9-860B-F6AF-74AA-7B9917887BF9}"/>
-              </a:ext>
-            </a:extLst>
-          </p:cNvPr>
-          <p:cNvSpPr txBox="1"/>
-          <p:nvPr/>
-        </p:nvSpPr>
-        <p:spPr>
-          <a:xfrm>
-            <a:off x="7806847" y="778173"/>
-            <a:ext cx="2519216" cy="369332"/>
-          </a:xfrm>
-          <a:prstGeom prst="rect">
-            <a:avLst/>
-          </a:prstGeom>
-          <a:noFill/>
-        </p:spPr>
-        <p:txBody>
-          <a:bodyPr wrap="square">
-            <a:spAutoFit/>
-          </a:bodyPr>
-          <a:lstStyle/>
-          <a:p>
-            <a:r>
-              <a:rPr lang="en-GB" dirty="0">
-                <a:solidFill>
-                  <a:srgbClr val="FF0000"/>
-                </a:solidFill>
-              </a:rPr>
-              <a:t> PSMs vs Peptides</a:t>
-            </a:r>
-          </a:p>
-        </p:txBody>
-      </p:sp>
-      <p:sp>
-        <p:nvSpPr>
-          <p:cNvPr id="20" name="TextBox 19">
-            <a:extLst>
-              <a:ext uri="{FF2B5EF4-FFF2-40B4-BE49-F238E27FC236}">
-                <a16:creationId xmlns:a16="http://schemas.microsoft.com/office/drawing/2014/main" id="{B005F792-1319-D963-60C0-78CEE9CE8453}"/>
-              </a:ext>
-            </a:extLst>
-          </p:cNvPr>
-          <p:cNvSpPr txBox="1"/>
-          <p:nvPr/>
-        </p:nvSpPr>
-        <p:spPr>
-          <a:xfrm>
-            <a:off x="7444586" y="5812662"/>
-            <a:ext cx="3105915" cy="369332"/>
-          </a:xfrm>
-          <a:prstGeom prst="rect">
-            <a:avLst/>
-          </a:prstGeom>
-          <a:noFill/>
-        </p:spPr>
-        <p:txBody>
-          <a:bodyPr wrap="none" rtlCol="0">
-            <a:spAutoFit/>
-          </a:bodyPr>
-          <a:lstStyle/>
-          <a:p>
-            <a:r>
-              <a:rPr lang="en-GB" dirty="0">
-                <a:solidFill>
-                  <a:srgbClr val="FF0000"/>
-                </a:solidFill>
-              </a:rPr>
-              <a:t>Samples : CCCP+ISRIB vs DMSO</a:t>
-            </a:r>
-          </a:p>
-        </p:txBody>
-      </p:sp>
-      <p:sp>
-        <p:nvSpPr>
-          <p:cNvPr id="21" name="TextBox 20">
-            <a:extLst>
-              <a:ext uri="{FF2B5EF4-FFF2-40B4-BE49-F238E27FC236}">
-                <a16:creationId xmlns:a16="http://schemas.microsoft.com/office/drawing/2014/main" id="{C2E6FC08-56EB-4EBD-C743-23F7EE55AC66}"/>
-              </a:ext>
-            </a:extLst>
-          </p:cNvPr>
-          <p:cNvSpPr txBox="1"/>
-          <p:nvPr/>
-        </p:nvSpPr>
-        <p:spPr>
-          <a:xfrm>
-            <a:off x="7108812" y="6278809"/>
-            <a:ext cx="3643370" cy="369332"/>
-          </a:xfrm>
-          <a:prstGeom prst="rect">
-            <a:avLst/>
-          </a:prstGeom>
-          <a:noFill/>
-        </p:spPr>
-        <p:txBody>
-          <a:bodyPr wrap="none" rtlCol="0">
-            <a:spAutoFit/>
-          </a:bodyPr>
-          <a:lstStyle/>
-          <a:p>
-            <a:r>
-              <a:rPr lang="en-GB" dirty="0"/>
-              <a:t>Merge with only common accessions</a:t>
-            </a:r>
-          </a:p>
-        </p:txBody>
-      </p:sp>
-      <p:sp>
-        <p:nvSpPr>
-          <p:cNvPr id="7" name="TextBox 6">
-            <a:extLst>
-              <a:ext uri="{FF2B5EF4-FFF2-40B4-BE49-F238E27FC236}">
-                <a16:creationId xmlns:a16="http://schemas.microsoft.com/office/drawing/2014/main" id="{01976E9B-CAA5-60AC-B8DA-71E70D9B0CBF}"/>
-              </a:ext>
-            </a:extLst>
-          </p:cNvPr>
-          <p:cNvSpPr txBox="1"/>
-          <p:nvPr/>
-        </p:nvSpPr>
-        <p:spPr>
-          <a:xfrm>
-            <a:off x="0" y="25193"/>
-            <a:ext cx="2519216" cy="369332"/>
-          </a:xfrm>
-          <a:prstGeom prst="rect">
-            <a:avLst/>
-          </a:prstGeom>
-          <a:noFill/>
-        </p:spPr>
-        <p:txBody>
-          <a:bodyPr wrap="square">
-            <a:spAutoFit/>
-          </a:bodyPr>
-          <a:lstStyle/>
-          <a:p>
-            <a:r>
-              <a:rPr lang="en-GB" dirty="0">
-                <a:solidFill>
-                  <a:srgbClr val="FF0000"/>
-                </a:solidFill>
-              </a:rPr>
-              <a:t>No Booster used!</a:t>
-            </a:r>
+            <a:pPr algn="ctr"/>
+            <a:endParaRPr lang="en-GB"/>
           </a:p>
         </p:txBody>
       </p:sp>
     </p:spTree>
     <p:extLst>
       <p:ext uri="{BB962C8B-B14F-4D97-AF65-F5344CB8AC3E}">
-        <p14:creationId xmlns:p14="http://schemas.microsoft.com/office/powerpoint/2010/main" val="2484939975"/>
+        <p14:creationId xmlns:p14="http://schemas.microsoft.com/office/powerpoint/2010/main" val="2493173347"/>
       </p:ext>
     </p:extLst>
   </p:cSld>
@@ -5002,10 +9706,10 @@
       </p:grpSpPr>
       <p:pic>
         <p:nvPicPr>
-          <p:cNvPr id="3" name="Picture 2" descr="A graph of a number of dots&#10;&#10;Description automatically generated with medium confidence">
-            <a:extLst>
-              <a:ext uri="{FF2B5EF4-FFF2-40B4-BE49-F238E27FC236}">
-                <a16:creationId xmlns:a16="http://schemas.microsoft.com/office/drawing/2014/main" id="{058A7DE9-753D-7E72-69E9-4214C5009768}"/>
+          <p:cNvPr id="4" name="Picture 3">
+            <a:extLst>
+              <a:ext uri="{FF2B5EF4-FFF2-40B4-BE49-F238E27FC236}">
+                <a16:creationId xmlns:a16="http://schemas.microsoft.com/office/drawing/2014/main" id="{D79A578C-8B80-9606-EFA1-187A903D702D}"/>
               </a:ext>
             </a:extLst>
           </p:cNvPr>
@@ -5015,33 +9719,81 @@
           <p:nvPr/>
         </p:nvPicPr>
         <p:blipFill>
-          <a:blip r:embed="rId2">
-            <a:extLst>
-              <a:ext uri="{28A0092B-C50C-407E-A947-70E740481C1C}">
-                <a14:useLocalDpi xmlns:a14="http://schemas.microsoft.com/office/drawing/2010/main" val="0"/>
-              </a:ext>
-            </a:extLst>
-          </a:blip>
+          <a:blip r:embed="rId2"/>
           <a:stretch>
             <a:fillRect/>
           </a:stretch>
         </p:blipFill>
         <p:spPr>
           <a:xfrm>
-            <a:off x="523875" y="476247"/>
-            <a:ext cx="5572125" cy="5572125"/>
+            <a:off x="9214199" y="792047"/>
+            <a:ext cx="2903039" cy="5599228"/>
           </a:xfrm>
           <a:prstGeom prst="rect">
             <a:avLst/>
           </a:prstGeom>
         </p:spPr>
       </p:pic>
+      <p:sp>
+        <p:nvSpPr>
+          <p:cNvPr id="6" name="Arrow: Right 5">
+            <a:extLst>
+              <a:ext uri="{FF2B5EF4-FFF2-40B4-BE49-F238E27FC236}">
+                <a16:creationId xmlns:a16="http://schemas.microsoft.com/office/drawing/2014/main" id="{73A018F9-72D8-792F-73A3-35418F81F0C9}"/>
+              </a:ext>
+            </a:extLst>
+          </p:cNvPr>
+          <p:cNvSpPr/>
+          <p:nvPr/>
+        </p:nvSpPr>
+        <p:spPr>
+          <a:xfrm>
+            <a:off x="8957024" y="4007121"/>
+            <a:ext cx="257175" cy="285750"/>
+          </a:xfrm>
+          <a:prstGeom prst="rightArrow">
+            <a:avLst/>
+          </a:prstGeom>
+          <a:solidFill>
+            <a:srgbClr val="FF0000"/>
+          </a:solidFill>
+          <a:ln>
+            <a:solidFill>
+              <a:schemeClr val="bg1"/>
+            </a:solidFill>
+          </a:ln>
+        </p:spPr>
+        <p:style>
+          <a:lnRef idx="2">
+            <a:schemeClr val="accent1">
+              <a:shade val="15000"/>
+            </a:schemeClr>
+          </a:lnRef>
+          <a:fillRef idx="1">
+            <a:schemeClr val="accent1"/>
+          </a:fillRef>
+          <a:effectRef idx="0">
+            <a:schemeClr val="accent1"/>
+          </a:effectRef>
+          <a:fontRef idx="minor">
+            <a:schemeClr val="lt1"/>
+          </a:fontRef>
+        </p:style>
+        <p:txBody>
+          <a:bodyPr rtlCol="0" anchor="ctr"/>
+          <a:lstStyle/>
+          <a:p>
+            <a:pPr algn="ctr"/>
+            <a:endParaRPr lang="en-GB"/>
+          </a:p>
+        </p:txBody>
+      </p:sp>
       <p:pic>
         <p:nvPicPr>
-          <p:cNvPr id="5" name="Picture 4" descr="A graph of blue and red lines&#10;&#10;Description automatically generated">
-            <a:extLst>
-              <a:ext uri="{FF2B5EF4-FFF2-40B4-BE49-F238E27FC236}">
-                <a16:creationId xmlns:a16="http://schemas.microsoft.com/office/drawing/2014/main" id="{355AD8CA-D83B-2F84-F21A-1511C024C5F1}"/>
+          <p:cNvPr id="7" name="Picture 6">
+            <a:extLst>
+              <a:ext uri="{FF2B5EF4-FFF2-40B4-BE49-F238E27FC236}">
+                <a16:creationId xmlns:a16="http://schemas.microsoft.com/office/drawing/2014/main" id="{8951974E-A948-7C12-6B53-A70D431DD02D}"/>
               </a:ext>
             </a:extLst>
           </p:cNvPr>
@@ -5051,226 +9803,55 @@
           <p:nvPr/>
         </p:nvPicPr>
         <p:blipFill>
-          <a:blip r:embed="rId3">
-            <a:extLst>
-              <a:ext uri="{28A0092B-C50C-407E-A947-70E740481C1C}">
-                <a14:useLocalDpi xmlns:a14="http://schemas.microsoft.com/office/drawing/2010/main" val="0"/>
-              </a:ext>
-            </a:extLst>
-          </a:blip>
+          <a:blip r:embed="rId3"/>
           <a:stretch>
             <a:fillRect/>
           </a:stretch>
         </p:blipFill>
         <p:spPr>
           <a:xfrm>
-            <a:off x="5943600" y="476248"/>
-            <a:ext cx="5572125" cy="5572125"/>
+            <a:off x="906120" y="1591757"/>
+            <a:ext cx="7497221" cy="1371791"/>
           </a:xfrm>
           <a:prstGeom prst="rect">
             <a:avLst/>
           </a:prstGeom>
         </p:spPr>
       </p:pic>
-      <p:sp>
-        <p:nvSpPr>
-          <p:cNvPr id="6" name="TextBox 5">
-            <a:extLst>
-              <a:ext uri="{FF2B5EF4-FFF2-40B4-BE49-F238E27FC236}">
-                <a16:creationId xmlns:a16="http://schemas.microsoft.com/office/drawing/2014/main" id="{CE9BFB8C-CC4A-0E51-76B1-14AA831F8404}"/>
-              </a:ext>
-            </a:extLst>
-          </p:cNvPr>
-          <p:cNvSpPr txBox="1"/>
+      <p:pic>
+        <p:nvPicPr>
+          <p:cNvPr id="9" name="Picture 8">
+            <a:extLst>
+              <a:ext uri="{FF2B5EF4-FFF2-40B4-BE49-F238E27FC236}">
+                <a16:creationId xmlns:a16="http://schemas.microsoft.com/office/drawing/2014/main" id="{A80359EE-ECEE-C411-EC08-DA72449CDF40}"/>
+              </a:ext>
+            </a:extLst>
+          </p:cNvPr>
+          <p:cNvPicPr>
+            <a:picLocks noChangeAspect="1"/>
+          </p:cNvPicPr>
           <p:nvPr/>
-        </p:nvSpPr>
-        <p:spPr>
-          <a:xfrm>
-            <a:off x="2903461" y="106915"/>
-            <a:ext cx="7334508" cy="369332"/>
+        </p:nvPicPr>
+        <p:blipFill>
+          <a:blip r:embed="rId4"/>
+          <a:stretch>
+            <a:fillRect/>
+          </a:stretch>
+        </p:blipFill>
+        <p:spPr>
+          <a:xfrm>
+            <a:off x="766782" y="3429000"/>
+            <a:ext cx="7686893" cy="1669812"/>
           </a:xfrm>
           <a:prstGeom prst="rect">
             <a:avLst/>
           </a:prstGeom>
-          <a:noFill/>
-        </p:spPr>
-        <p:txBody>
-          <a:bodyPr wrap="none" rtlCol="0">
-            <a:spAutoFit/>
-          </a:bodyPr>
-          <a:lstStyle/>
-          <a:p>
-            <a:r>
-              <a:rPr lang="en-GB" dirty="0"/>
-              <a:t>Understand the effect of Boost included in the analysis (</a:t>
-            </a:r>
-            <a:r>
-              <a:rPr lang="en-GB" b="1" dirty="0">
-                <a:solidFill>
-                  <a:srgbClr val="FF0000"/>
-                </a:solidFill>
-              </a:rPr>
-              <a:t>Peptides</a:t>
-            </a:r>
-            <a:r>
-              <a:rPr lang="en-GB" dirty="0"/>
-              <a:t> were used)</a:t>
-            </a:r>
-          </a:p>
-        </p:txBody>
-      </p:sp>
-      <p:sp>
-        <p:nvSpPr>
-          <p:cNvPr id="7" name="TextBox 6">
-            <a:extLst>
-              <a:ext uri="{FF2B5EF4-FFF2-40B4-BE49-F238E27FC236}">
-                <a16:creationId xmlns:a16="http://schemas.microsoft.com/office/drawing/2014/main" id="{7DD31B12-6126-ADBA-8121-891A5630EC49}"/>
-              </a:ext>
-            </a:extLst>
-          </p:cNvPr>
-          <p:cNvSpPr txBox="1"/>
-          <p:nvPr/>
-        </p:nvSpPr>
-        <p:spPr>
-          <a:xfrm>
-            <a:off x="7396967" y="5863706"/>
-            <a:ext cx="3105915" cy="369332"/>
-          </a:xfrm>
-          <a:prstGeom prst="rect">
-            <a:avLst/>
-          </a:prstGeom>
-          <a:noFill/>
-        </p:spPr>
-        <p:txBody>
-          <a:bodyPr wrap="none" rtlCol="0">
-            <a:spAutoFit/>
-          </a:bodyPr>
-          <a:lstStyle/>
-          <a:p>
-            <a:r>
-              <a:rPr lang="en-GB" dirty="0">
-                <a:solidFill>
-                  <a:srgbClr val="FF0000"/>
-                </a:solidFill>
-              </a:rPr>
-              <a:t>Samples : CCCP+ISRIB vs DMSO</a:t>
-            </a:r>
-          </a:p>
-        </p:txBody>
-      </p:sp>
-      <p:sp>
-        <p:nvSpPr>
-          <p:cNvPr id="8" name="TextBox 7">
-            <a:extLst>
-              <a:ext uri="{FF2B5EF4-FFF2-40B4-BE49-F238E27FC236}">
-                <a16:creationId xmlns:a16="http://schemas.microsoft.com/office/drawing/2014/main" id="{45F68C7E-2120-F8F8-AE70-DB3715339D0D}"/>
-              </a:ext>
-            </a:extLst>
-          </p:cNvPr>
-          <p:cNvSpPr txBox="1"/>
-          <p:nvPr/>
-        </p:nvSpPr>
-        <p:spPr>
-          <a:xfrm>
-            <a:off x="2211004" y="5794259"/>
-            <a:ext cx="2519216" cy="369332"/>
-          </a:xfrm>
-          <a:prstGeom prst="rect">
-            <a:avLst/>
-          </a:prstGeom>
-          <a:noFill/>
-        </p:spPr>
-        <p:txBody>
-          <a:bodyPr wrap="none" rtlCol="0">
-            <a:spAutoFit/>
-          </a:bodyPr>
-          <a:lstStyle/>
-          <a:p>
-            <a:r>
-              <a:rPr lang="en-GB" dirty="0">
-                <a:solidFill>
-                  <a:srgbClr val="FF0000"/>
-                </a:solidFill>
-              </a:rPr>
-              <a:t>Samples : CCCP vs DMSO</a:t>
-            </a:r>
-          </a:p>
-        </p:txBody>
-      </p:sp>
-      <p:sp>
-        <p:nvSpPr>
-          <p:cNvPr id="9" name="TextBox 8">
-            <a:extLst>
-              <a:ext uri="{FF2B5EF4-FFF2-40B4-BE49-F238E27FC236}">
-                <a16:creationId xmlns:a16="http://schemas.microsoft.com/office/drawing/2014/main" id="{9BF3DE22-8518-AB33-6F3F-06A1DD5B22D4}"/>
-              </a:ext>
-            </a:extLst>
-          </p:cNvPr>
-          <p:cNvSpPr txBox="1"/>
-          <p:nvPr/>
-        </p:nvSpPr>
-        <p:spPr>
-          <a:xfrm>
-            <a:off x="2154130" y="6278809"/>
-            <a:ext cx="2576090" cy="369332"/>
-          </a:xfrm>
-          <a:prstGeom prst="rect">
-            <a:avLst/>
-          </a:prstGeom>
-          <a:noFill/>
-        </p:spPr>
-        <p:txBody>
-          <a:bodyPr wrap="none" rtlCol="0">
-            <a:spAutoFit/>
-          </a:bodyPr>
-          <a:lstStyle/>
-          <a:p>
-            <a:r>
-              <a:rPr lang="en-GB" dirty="0"/>
-              <a:t>Merge with all accessions</a:t>
-            </a:r>
-          </a:p>
-        </p:txBody>
-      </p:sp>
-      <p:sp>
-        <p:nvSpPr>
-          <p:cNvPr id="10" name="TextBox 9">
-            <a:extLst>
-              <a:ext uri="{FF2B5EF4-FFF2-40B4-BE49-F238E27FC236}">
-                <a16:creationId xmlns:a16="http://schemas.microsoft.com/office/drawing/2014/main" id="{DFF0C1B5-E343-E6C0-C26F-FC8B5799E606}"/>
-              </a:ext>
-            </a:extLst>
-          </p:cNvPr>
-          <p:cNvSpPr txBox="1"/>
-          <p:nvPr/>
-        </p:nvSpPr>
-        <p:spPr>
-          <a:xfrm>
-            <a:off x="7661879" y="6278809"/>
-            <a:ext cx="2576090" cy="369332"/>
-          </a:xfrm>
-          <a:prstGeom prst="rect">
-            <a:avLst/>
-          </a:prstGeom>
-          <a:noFill/>
-        </p:spPr>
-        <p:txBody>
-          <a:bodyPr wrap="none" rtlCol="0">
-            <a:spAutoFit/>
-          </a:bodyPr>
-          <a:lstStyle/>
-          <a:p>
-            <a:r>
-              <a:rPr lang="en-GB" dirty="0"/>
-              <a:t>Merge with all accessions</a:t>
-            </a:r>
-          </a:p>
-        </p:txBody>
-      </p:sp>
+        </p:spPr>
+      </p:pic>
     </p:spTree>
     <p:extLst>
       <p:ext uri="{BB962C8B-B14F-4D97-AF65-F5344CB8AC3E}">
-        <p14:creationId xmlns:p14="http://schemas.microsoft.com/office/powerpoint/2010/main" val="374063147"/>
+        <p14:creationId xmlns:p14="http://schemas.microsoft.com/office/powerpoint/2010/main" val="583214960"/>
       </p:ext>
     </p:extLst>
   </p:cSld>
@@ -5299,10 +9880,10 @@
       </p:grpSpPr>
       <p:pic>
         <p:nvPicPr>
-          <p:cNvPr id="3" name="Picture 2" descr="A graph of a graph with blue and red dots&#10;&#10;Description automatically generated with medium confidence">
-            <a:extLst>
-              <a:ext uri="{FF2B5EF4-FFF2-40B4-BE49-F238E27FC236}">
-                <a16:creationId xmlns:a16="http://schemas.microsoft.com/office/drawing/2014/main" id="{CAABEE63-1856-071B-A114-FBDE04169AC5}"/>
+          <p:cNvPr id="4" name="Picture 3">
+            <a:extLst>
+              <a:ext uri="{FF2B5EF4-FFF2-40B4-BE49-F238E27FC236}">
+                <a16:creationId xmlns:a16="http://schemas.microsoft.com/office/drawing/2014/main" id="{D79A578C-8B80-9606-EFA1-187A903D702D}"/>
               </a:ext>
             </a:extLst>
           </p:cNvPr>
@@ -5312,33 +9893,81 @@
           <p:nvPr/>
         </p:nvPicPr>
         <p:blipFill>
-          <a:blip r:embed="rId2">
-            <a:extLst>
-              <a:ext uri="{28A0092B-C50C-407E-A947-70E740481C1C}">
-                <a14:useLocalDpi xmlns:a14="http://schemas.microsoft.com/office/drawing/2010/main" val="0"/>
-              </a:ext>
-            </a:extLst>
-          </a:blip>
+          <a:blip r:embed="rId2"/>
           <a:stretch>
             <a:fillRect/>
           </a:stretch>
         </p:blipFill>
         <p:spPr>
           <a:xfrm>
-            <a:off x="895350" y="447672"/>
-            <a:ext cx="5457825" cy="5457825"/>
+            <a:off x="9214199" y="792047"/>
+            <a:ext cx="2903039" cy="5599228"/>
           </a:xfrm>
           <a:prstGeom prst="rect">
             <a:avLst/>
           </a:prstGeom>
         </p:spPr>
       </p:pic>
+      <p:sp>
+        <p:nvSpPr>
+          <p:cNvPr id="6" name="Arrow: Right 5">
+            <a:extLst>
+              <a:ext uri="{FF2B5EF4-FFF2-40B4-BE49-F238E27FC236}">
+                <a16:creationId xmlns:a16="http://schemas.microsoft.com/office/drawing/2014/main" id="{73A018F9-72D8-792F-73A3-35418F81F0C9}"/>
+              </a:ext>
+            </a:extLst>
+          </p:cNvPr>
+          <p:cNvSpPr/>
+          <p:nvPr/>
+        </p:nvSpPr>
+        <p:spPr>
+          <a:xfrm>
+            <a:off x="8957024" y="4668978"/>
+            <a:ext cx="257175" cy="285750"/>
+          </a:xfrm>
+          <a:prstGeom prst="rightArrow">
+            <a:avLst/>
+          </a:prstGeom>
+          <a:solidFill>
+            <a:srgbClr val="FF0000"/>
+          </a:solidFill>
+          <a:ln>
+            <a:solidFill>
+              <a:schemeClr val="bg1"/>
+            </a:solidFill>
+          </a:ln>
+        </p:spPr>
+        <p:style>
+          <a:lnRef idx="2">
+            <a:schemeClr val="accent1">
+              <a:shade val="15000"/>
+            </a:schemeClr>
+          </a:lnRef>
+          <a:fillRef idx="1">
+            <a:schemeClr val="accent1"/>
+          </a:fillRef>
+          <a:effectRef idx="0">
+            <a:schemeClr val="accent1"/>
+          </a:effectRef>
+          <a:fontRef idx="minor">
+            <a:schemeClr val="lt1"/>
+          </a:fontRef>
+        </p:style>
+        <p:txBody>
+          <a:bodyPr rtlCol="0" anchor="ctr"/>
+          <a:lstStyle/>
+          <a:p>
+            <a:pPr algn="ctr"/>
+            <a:endParaRPr lang="en-GB"/>
+          </a:p>
+        </p:txBody>
+      </p:sp>
       <p:pic>
         <p:nvPicPr>
-          <p:cNvPr id="5" name="Picture 4" descr="A graph of blue and red dots&#10;&#10;Description automatically generated">
-            <a:extLst>
-              <a:ext uri="{FF2B5EF4-FFF2-40B4-BE49-F238E27FC236}">
-                <a16:creationId xmlns:a16="http://schemas.microsoft.com/office/drawing/2014/main" id="{5CAC10C9-0863-A8DD-7B01-88B1E6CD7C5B}"/>
+          <p:cNvPr id="2" name="Picture 1">
+            <a:extLst>
+              <a:ext uri="{FF2B5EF4-FFF2-40B4-BE49-F238E27FC236}">
+                <a16:creationId xmlns:a16="http://schemas.microsoft.com/office/drawing/2014/main" id="{AF104867-DE8E-540B-B8FA-8DE656FCB455}"/>
               </a:ext>
             </a:extLst>
           </p:cNvPr>
@@ -5348,21 +9977,15 @@
           <p:nvPr/>
         </p:nvPicPr>
         <p:blipFill>
-          <a:blip r:embed="rId3">
-            <a:extLst>
-              <a:ext uri="{28A0092B-C50C-407E-A947-70E740481C1C}">
-                <a14:useLocalDpi xmlns:a14="http://schemas.microsoft.com/office/drawing/2010/main" val="0"/>
-              </a:ext>
-            </a:extLst>
-          </a:blip>
+          <a:blip r:embed="rId3"/>
           <a:stretch>
             <a:fillRect/>
           </a:stretch>
         </p:blipFill>
         <p:spPr>
           <a:xfrm>
-            <a:off x="6471631" y="481007"/>
-            <a:ext cx="5457825" cy="5457825"/>
+            <a:off x="530898" y="1032137"/>
+            <a:ext cx="7994048" cy="5359138"/>
           </a:xfrm>
           <a:prstGeom prst="rect">
             <a:avLst/>
@@ -5371,207 +9994,212 @@
       </p:pic>
       <p:sp>
         <p:nvSpPr>
-          <p:cNvPr id="6" name="TextBox 5">
-            <a:extLst>
-              <a:ext uri="{FF2B5EF4-FFF2-40B4-BE49-F238E27FC236}">
-                <a16:creationId xmlns:a16="http://schemas.microsoft.com/office/drawing/2014/main" id="{A585CC21-3FEA-2C9C-88F3-5806B9E7745D}"/>
-              </a:ext>
-            </a:extLst>
-          </p:cNvPr>
-          <p:cNvSpPr txBox="1"/>
+          <p:cNvPr id="3" name="Content Placeholder 2">
+            <a:extLst>
+              <a:ext uri="{FF2B5EF4-FFF2-40B4-BE49-F238E27FC236}">
+                <a16:creationId xmlns:a16="http://schemas.microsoft.com/office/drawing/2014/main" id="{D93825D3-9596-A73A-FC7D-04A5D08F78BB}"/>
+              </a:ext>
+            </a:extLst>
+          </p:cNvPr>
+          <p:cNvSpPr txBox="1">
+            <a:spLocks/>
+          </p:cNvSpPr>
           <p:nvPr/>
         </p:nvSpPr>
         <p:spPr>
           <a:xfrm>
-            <a:off x="7758917" y="5868466"/>
-            <a:ext cx="3105915" cy="369332"/>
+            <a:off x="1211343" y="296209"/>
+            <a:ext cx="9935628" cy="424732"/>
           </a:xfrm>
           <a:prstGeom prst="rect">
             <a:avLst/>
           </a:prstGeom>
           <a:noFill/>
-        </p:spPr>
-        <p:txBody>
-          <a:bodyPr wrap="none" rtlCol="0">
+          <a:ln w="9525">
+            <a:noFill/>
+            <a:miter lim="800000"/>
+            <a:headEnd/>
+            <a:tailEnd/>
+          </a:ln>
+        </p:spPr>
+        <p:txBody>
+          <a:bodyPr vert="horz" wrap="square" lIns="91440" tIns="45720" rIns="91440" bIns="45720" rtlCol="0" anchor="ctr">
             <a:spAutoFit/>
           </a:bodyPr>
-          <a:lstStyle/>
-          <a:p>
-            <a:r>
-              <a:rPr lang="en-GB" dirty="0">
-                <a:solidFill>
-                  <a:srgbClr val="FF0000"/>
-                </a:solidFill>
+          <a:lstStyle>
+            <a:defPPr>
+              <a:defRPr lang="en-US"/>
+            </a:defPPr>
+            <a:lvl1pPr>
+              <a:lnSpc>
+                <a:spcPct val="90000"/>
+              </a:lnSpc>
+              <a:spcBef>
+                <a:spcPct val="0"/>
+              </a:spcBef>
+              <a:defRPr sz="2800" b="1">
+                <a:solidFill>
+                  <a:schemeClr val="accent1"/>
+                </a:solidFill>
+                <a:latin typeface="Calibri" panose="020F0502020204030204" pitchFamily="34" charset="0"/>
+                <a:ea typeface="ＭＳ Ｐゴシック" panose="020B0600070205080204" pitchFamily="34" charset="-128"/>
+                <a:cs typeface="+mj-cs"/>
+              </a:defRPr>
+            </a:lvl1pPr>
+            <a:lvl2pPr marL="685800" indent="-228600" algn="l" defTabSz="914400" rtl="0" eaLnBrk="1" latinLnBrk="0" hangingPunct="1">
+              <a:lnSpc>
+                <a:spcPct val="90000"/>
+              </a:lnSpc>
+              <a:spcBef>
+                <a:spcPts val="500"/>
+              </a:spcBef>
+              <a:buFont typeface="Arial" panose="020B0604020202020204" pitchFamily="34" charset="0"/>
+              <a:buChar char="•"/>
+              <a:defRPr sz="2400" kern="1200">
+                <a:solidFill>
+                  <a:schemeClr val="tx1"/>
+                </a:solidFill>
+                <a:latin typeface="+mn-lt"/>
+                <a:ea typeface="+mn-ea"/>
+                <a:cs typeface="+mn-cs"/>
+              </a:defRPr>
+            </a:lvl2pPr>
+            <a:lvl3pPr marL="1143000" indent="-228600" algn="l" defTabSz="914400" rtl="0" eaLnBrk="1" latinLnBrk="0" hangingPunct="1">
+              <a:lnSpc>
+                <a:spcPct val="90000"/>
+              </a:lnSpc>
+              <a:spcBef>
+                <a:spcPts val="500"/>
+              </a:spcBef>
+              <a:buFont typeface="Arial" panose="020B0604020202020204" pitchFamily="34" charset="0"/>
+              <a:buChar char="•"/>
+              <a:defRPr sz="2000" kern="1200">
+                <a:solidFill>
+                  <a:schemeClr val="tx1"/>
+                </a:solidFill>
+                <a:latin typeface="+mn-lt"/>
+                <a:ea typeface="+mn-ea"/>
+                <a:cs typeface="+mn-cs"/>
+              </a:defRPr>
+            </a:lvl3pPr>
+            <a:lvl4pPr marL="1600200" indent="-228600" algn="l" defTabSz="914400" rtl="0" eaLnBrk="1" latinLnBrk="0" hangingPunct="1">
+              <a:lnSpc>
+                <a:spcPct val="90000"/>
+              </a:lnSpc>
+              <a:spcBef>
+                <a:spcPts val="500"/>
+              </a:spcBef>
+              <a:buFont typeface="Arial" panose="020B0604020202020204" pitchFamily="34" charset="0"/>
+              <a:buChar char="•"/>
+              <a:defRPr sz="1800" kern="1200">
+                <a:solidFill>
+                  <a:schemeClr val="tx1"/>
+                </a:solidFill>
+                <a:latin typeface="+mn-lt"/>
+                <a:ea typeface="+mn-ea"/>
+                <a:cs typeface="+mn-cs"/>
+              </a:defRPr>
+            </a:lvl4pPr>
+            <a:lvl5pPr marL="2057400" indent="-228600" algn="l" defTabSz="914400" rtl="0" eaLnBrk="1" latinLnBrk="0" hangingPunct="1">
+              <a:lnSpc>
+                <a:spcPct val="90000"/>
+              </a:lnSpc>
+              <a:spcBef>
+                <a:spcPts val="500"/>
+              </a:spcBef>
+              <a:buFont typeface="Arial" panose="020B0604020202020204" pitchFamily="34" charset="0"/>
+              <a:buChar char="•"/>
+              <a:defRPr sz="1800" kern="1200">
+                <a:solidFill>
+                  <a:schemeClr val="tx1"/>
+                </a:solidFill>
+                <a:latin typeface="+mn-lt"/>
+                <a:ea typeface="+mn-ea"/>
+                <a:cs typeface="+mn-cs"/>
+              </a:defRPr>
+            </a:lvl5pPr>
+            <a:lvl6pPr marL="2514600" indent="-228600" algn="l" defTabSz="914400" rtl="0" eaLnBrk="1" latinLnBrk="0" hangingPunct="1">
+              <a:lnSpc>
+                <a:spcPct val="90000"/>
+              </a:lnSpc>
+              <a:spcBef>
+                <a:spcPts val="500"/>
+              </a:spcBef>
+              <a:buFont typeface="Arial" panose="020B0604020202020204" pitchFamily="34" charset="0"/>
+              <a:buChar char="•"/>
+              <a:defRPr sz="1800" kern="1200">
+                <a:solidFill>
+                  <a:schemeClr val="tx1"/>
+                </a:solidFill>
+                <a:latin typeface="+mn-lt"/>
+                <a:ea typeface="+mn-ea"/>
+                <a:cs typeface="+mn-cs"/>
+              </a:defRPr>
+            </a:lvl6pPr>
+            <a:lvl7pPr marL="2971800" indent="-228600" algn="l" defTabSz="914400" rtl="0" eaLnBrk="1" latinLnBrk="0" hangingPunct="1">
+              <a:lnSpc>
+                <a:spcPct val="90000"/>
+              </a:lnSpc>
+              <a:spcBef>
+                <a:spcPts val="500"/>
+              </a:spcBef>
+              <a:buFont typeface="Arial" panose="020B0604020202020204" pitchFamily="34" charset="0"/>
+              <a:buChar char="•"/>
+              <a:defRPr sz="1800" kern="1200">
+                <a:solidFill>
+                  <a:schemeClr val="tx1"/>
+                </a:solidFill>
+                <a:latin typeface="+mn-lt"/>
+                <a:ea typeface="+mn-ea"/>
+                <a:cs typeface="+mn-cs"/>
+              </a:defRPr>
+            </a:lvl7pPr>
+            <a:lvl8pPr marL="3429000" indent="-228600" algn="l" defTabSz="914400" rtl="0" eaLnBrk="1" latinLnBrk="0" hangingPunct="1">
+              <a:lnSpc>
+                <a:spcPct val="90000"/>
+              </a:lnSpc>
+              <a:spcBef>
+                <a:spcPts val="500"/>
+              </a:spcBef>
+              <a:buFont typeface="Arial" panose="020B0604020202020204" pitchFamily="34" charset="0"/>
+              <a:buChar char="•"/>
+              <a:defRPr sz="1800" kern="1200">
+                <a:solidFill>
+                  <a:schemeClr val="tx1"/>
+                </a:solidFill>
+                <a:latin typeface="+mn-lt"/>
+                <a:ea typeface="+mn-ea"/>
+                <a:cs typeface="+mn-cs"/>
+              </a:defRPr>
+            </a:lvl8pPr>
+            <a:lvl9pPr marL="3886200" indent="-228600" algn="l" defTabSz="914400" rtl="0" eaLnBrk="1" latinLnBrk="0" hangingPunct="1">
+              <a:lnSpc>
+                <a:spcPct val="90000"/>
+              </a:lnSpc>
+              <a:spcBef>
+                <a:spcPts val="500"/>
+              </a:spcBef>
+              <a:buFont typeface="Arial" panose="020B0604020202020204" pitchFamily="34" charset="0"/>
+              <a:buChar char="•"/>
+              <a:defRPr sz="1800" kern="1200">
+                <a:solidFill>
+                  <a:schemeClr val="tx1"/>
+                </a:solidFill>
+                <a:latin typeface="+mn-lt"/>
+                <a:ea typeface="+mn-ea"/>
+                <a:cs typeface="+mn-cs"/>
+              </a:defRPr>
+            </a:lvl9pPr>
+          </a:lstStyle>
+          <a:p>
+            <a:r>
+              <a:rPr lang="en-GB" sz="2400" dirty="0">
+                <a:solidFill>
+                  <a:srgbClr val="002060"/>
+                </a:solidFill>
+                <a:latin typeface="Lora"/>
               </a:rPr>
-              <a:t>Samples : CCCP+ISRIB vs DMSO</a:t>
-            </a:r>
-          </a:p>
-        </p:txBody>
-      </p:sp>
-      <p:sp>
-        <p:nvSpPr>
-          <p:cNvPr id="7" name="TextBox 6">
-            <a:extLst>
-              <a:ext uri="{FF2B5EF4-FFF2-40B4-BE49-F238E27FC236}">
-                <a16:creationId xmlns:a16="http://schemas.microsoft.com/office/drawing/2014/main" id="{474216B2-4701-79D1-0C97-09EFBB117A88}"/>
-              </a:ext>
-            </a:extLst>
-          </p:cNvPr>
-          <p:cNvSpPr txBox="1"/>
-          <p:nvPr/>
-        </p:nvSpPr>
-        <p:spPr>
-          <a:xfrm>
-            <a:off x="2230054" y="5799019"/>
-            <a:ext cx="2519216" cy="369332"/>
-          </a:xfrm>
-          <a:prstGeom prst="rect">
-            <a:avLst/>
-          </a:prstGeom>
-          <a:noFill/>
-        </p:spPr>
-        <p:txBody>
-          <a:bodyPr wrap="none" rtlCol="0">
-            <a:spAutoFit/>
-          </a:bodyPr>
-          <a:lstStyle/>
-          <a:p>
-            <a:r>
-              <a:rPr lang="en-GB" dirty="0">
-                <a:solidFill>
-                  <a:srgbClr val="FF0000"/>
-                </a:solidFill>
-              </a:rPr>
-              <a:t>Samples : CCCP vs DMSO</a:t>
-            </a:r>
-          </a:p>
-        </p:txBody>
-      </p:sp>
-      <p:sp>
-        <p:nvSpPr>
-          <p:cNvPr id="8" name="TextBox 7">
-            <a:extLst>
-              <a:ext uri="{FF2B5EF4-FFF2-40B4-BE49-F238E27FC236}">
-                <a16:creationId xmlns:a16="http://schemas.microsoft.com/office/drawing/2014/main" id="{EE90B21C-A203-0871-B4E0-D593D751CDC7}"/>
-              </a:ext>
-            </a:extLst>
-          </p:cNvPr>
-          <p:cNvSpPr txBox="1"/>
-          <p:nvPr/>
-        </p:nvSpPr>
-        <p:spPr>
-          <a:xfrm>
-            <a:off x="2173180" y="6283569"/>
-            <a:ext cx="2576090" cy="369332"/>
-          </a:xfrm>
-          <a:prstGeom prst="rect">
-            <a:avLst/>
-          </a:prstGeom>
-          <a:noFill/>
-        </p:spPr>
-        <p:txBody>
-          <a:bodyPr wrap="none" rtlCol="0">
-            <a:spAutoFit/>
-          </a:bodyPr>
-          <a:lstStyle/>
-          <a:p>
-            <a:r>
-              <a:rPr lang="en-GB" dirty="0"/>
-              <a:t>Merge with all accessions</a:t>
-            </a:r>
-          </a:p>
-        </p:txBody>
-      </p:sp>
-      <p:sp>
-        <p:nvSpPr>
-          <p:cNvPr id="9" name="TextBox 8">
-            <a:extLst>
-              <a:ext uri="{FF2B5EF4-FFF2-40B4-BE49-F238E27FC236}">
-                <a16:creationId xmlns:a16="http://schemas.microsoft.com/office/drawing/2014/main" id="{B0B93E80-5EBB-135B-DEA3-776827A9B3BD}"/>
-              </a:ext>
-            </a:extLst>
-          </p:cNvPr>
-          <p:cNvSpPr txBox="1"/>
-          <p:nvPr/>
-        </p:nvSpPr>
-        <p:spPr>
-          <a:xfrm>
-            <a:off x="8023829" y="6283569"/>
-            <a:ext cx="2576090" cy="369332"/>
-          </a:xfrm>
-          <a:prstGeom prst="rect">
-            <a:avLst/>
-          </a:prstGeom>
-          <a:noFill/>
-        </p:spPr>
-        <p:txBody>
-          <a:bodyPr wrap="none" rtlCol="0">
-            <a:spAutoFit/>
-          </a:bodyPr>
-          <a:lstStyle/>
-          <a:p>
-            <a:r>
-              <a:rPr lang="en-GB" dirty="0"/>
-              <a:t>Merge with all accessions</a:t>
-            </a:r>
-          </a:p>
-        </p:txBody>
-      </p:sp>
-      <p:sp>
-        <p:nvSpPr>
-          <p:cNvPr id="10" name="TextBox 9">
-            <a:extLst>
-              <a:ext uri="{FF2B5EF4-FFF2-40B4-BE49-F238E27FC236}">
-                <a16:creationId xmlns:a16="http://schemas.microsoft.com/office/drawing/2014/main" id="{D209EA2C-FDCC-84B0-5F4C-6406C670115F}"/>
-              </a:ext>
-            </a:extLst>
-          </p:cNvPr>
-          <p:cNvSpPr txBox="1"/>
-          <p:nvPr/>
-        </p:nvSpPr>
-        <p:spPr>
-          <a:xfrm>
-            <a:off x="2903461" y="106915"/>
-            <a:ext cx="6726072" cy="369332"/>
-          </a:xfrm>
-          <a:prstGeom prst="rect">
-            <a:avLst/>
-          </a:prstGeom>
-          <a:noFill/>
-        </p:spPr>
-        <p:txBody>
-          <a:bodyPr wrap="none" rtlCol="0">
-            <a:spAutoFit/>
-          </a:bodyPr>
-          <a:lstStyle/>
-          <a:p>
-            <a:r>
-              <a:rPr lang="en-GB" dirty="0"/>
-              <a:t>Understand the effect of </a:t>
-            </a:r>
-            <a:r>
-              <a:rPr lang="en-GB" dirty="0">
-                <a:solidFill>
-                  <a:srgbClr val="FF0000"/>
-                </a:solidFill>
-              </a:rPr>
-              <a:t>Peptide file from PD </a:t>
-            </a:r>
-            <a:r>
-              <a:rPr lang="en-GB" dirty="0"/>
-              <a:t>vs </a:t>
-            </a:r>
-            <a:r>
-              <a:rPr lang="en-GB" dirty="0">
-                <a:solidFill>
-                  <a:srgbClr val="FF0000"/>
-                </a:solidFill>
-              </a:rPr>
-              <a:t>PSMs</a:t>
-            </a:r>
-            <a:r>
-              <a:rPr lang="en-GB" dirty="0"/>
-              <a:t> in the analysis</a:t>
+              <a:t>Baseline correction old function 1 (peptide return)</a:t>
             </a:r>
           </a:p>
         </p:txBody>
@@ -5579,7 +10207,7 @@
     </p:spTree>
     <p:extLst>
       <p:ext uri="{BB962C8B-B14F-4D97-AF65-F5344CB8AC3E}">
-        <p14:creationId xmlns:p14="http://schemas.microsoft.com/office/powerpoint/2010/main" val="1992087606"/>
+        <p14:creationId xmlns:p14="http://schemas.microsoft.com/office/powerpoint/2010/main" val="3907846458"/>
       </p:ext>
     </p:extLst>
   </p:cSld>
@@ -5608,10 +10236,10 @@
       </p:grpSpPr>
       <p:pic>
         <p:nvPicPr>
-          <p:cNvPr id="3" name="Picture 2" descr="A graph of blue and red dots&#10;&#10;Description automatically generated">
-            <a:extLst>
-              <a:ext uri="{FF2B5EF4-FFF2-40B4-BE49-F238E27FC236}">
-                <a16:creationId xmlns:a16="http://schemas.microsoft.com/office/drawing/2014/main" id="{692A3A13-5BDB-A7BA-9925-3281A6EECABC}"/>
+          <p:cNvPr id="5" name="Picture 4">
+            <a:extLst>
+              <a:ext uri="{FF2B5EF4-FFF2-40B4-BE49-F238E27FC236}">
+                <a16:creationId xmlns:a16="http://schemas.microsoft.com/office/drawing/2014/main" id="{E12E9550-6871-418F-95BD-DD0391271164}"/>
               </a:ext>
             </a:extLst>
           </p:cNvPr>
@@ -5621,69 +10249,27 @@
           <p:nvPr/>
         </p:nvPicPr>
         <p:blipFill>
-          <a:blip r:embed="rId2">
-            <a:extLst>
-              <a:ext uri="{28A0092B-C50C-407E-A947-70E740481C1C}">
-                <a14:useLocalDpi xmlns:a14="http://schemas.microsoft.com/office/drawing/2010/main" val="0"/>
-              </a:ext>
-            </a:extLst>
-          </a:blip>
+          <a:blip r:embed="rId2"/>
           <a:stretch>
             <a:fillRect/>
           </a:stretch>
         </p:blipFill>
         <p:spPr>
           <a:xfrm>
-            <a:off x="756124" y="209550"/>
-            <a:ext cx="5648325" cy="5648325"/>
+            <a:off x="1128186" y="1221488"/>
+            <a:ext cx="7236746" cy="4857095"/>
           </a:xfrm>
           <a:prstGeom prst="rect">
             <a:avLst/>
           </a:prstGeom>
         </p:spPr>
       </p:pic>
-      <p:pic>
-        <p:nvPicPr>
-          <p:cNvPr id="5" name="Picture 4" descr="A graph of blue and red dots&#10;&#10;Description automatically generated">
-            <a:extLst>
-              <a:ext uri="{FF2B5EF4-FFF2-40B4-BE49-F238E27FC236}">
-                <a16:creationId xmlns:a16="http://schemas.microsoft.com/office/drawing/2014/main" id="{F9CC4455-C0B9-13F3-B5F3-19FE48B92321}"/>
-              </a:ext>
-            </a:extLst>
-          </p:cNvPr>
-          <p:cNvPicPr>
-            <a:picLocks noChangeAspect="1"/>
-          </p:cNvPicPr>
-          <p:nvPr/>
-        </p:nvPicPr>
-        <p:blipFill>
-          <a:blip r:embed="rId3">
-            <a:extLst>
-              <a:ext uri="{28A0092B-C50C-407E-A947-70E740481C1C}">
-                <a14:useLocalDpi xmlns:a14="http://schemas.microsoft.com/office/drawing/2010/main" val="0"/>
-              </a:ext>
-            </a:extLst>
-          </a:blip>
-          <a:stretch>
-            <a:fillRect/>
-          </a:stretch>
-        </p:blipFill>
-        <p:spPr>
-          <a:xfrm>
-            <a:off x="6238874" y="209550"/>
-            <a:ext cx="5648325" cy="5648325"/>
-          </a:xfrm>
-          <a:prstGeom prst="rect">
-            <a:avLst/>
-          </a:prstGeom>
-        </p:spPr>
-      </p:pic>
       <p:sp>
         <p:nvSpPr>
           <p:cNvPr id="6" name="TextBox 5">
             <a:extLst>
               <a:ext uri="{FF2B5EF4-FFF2-40B4-BE49-F238E27FC236}">
-                <a16:creationId xmlns:a16="http://schemas.microsoft.com/office/drawing/2014/main" id="{9AB4A19E-E258-1FD5-D7FA-B29C55660926}"/>
+                <a16:creationId xmlns:a16="http://schemas.microsoft.com/office/drawing/2014/main" id="{1559B419-5109-09F9-64CD-C5BB170F2042}"/>
               </a:ext>
             </a:extLst>
           </p:cNvPr>
@@ -5692,8 +10278,8 @@
         </p:nvSpPr>
         <p:spPr>
           <a:xfrm>
-            <a:off x="7396967" y="5863706"/>
-            <a:ext cx="3105915" cy="369332"/>
+            <a:off x="8485864" y="1356527"/>
+            <a:ext cx="2577950" cy="646331"/>
           </a:xfrm>
           <a:prstGeom prst="rect">
             <a:avLst/>
@@ -5707,180 +10293,238 @@
           <a:lstStyle/>
           <a:p>
             <a:r>
+              <a:rPr lang="en-GB" dirty="0"/>
+              <a:t>Number of PSMs: </a:t>
+            </a:r>
+            <a:r>
               <a:rPr lang="en-GB" dirty="0">
                 <a:solidFill>
                   <a:srgbClr val="FF0000"/>
                 </a:solidFill>
               </a:rPr>
-              <a:t>Samples : CCCP+ISRIB vs DMSO</a:t>
-            </a:r>
-          </a:p>
-        </p:txBody>
-      </p:sp>
-      <p:sp>
-        <p:nvSpPr>
-          <p:cNvPr id="7" name="TextBox 6">
-            <a:extLst>
-              <a:ext uri="{FF2B5EF4-FFF2-40B4-BE49-F238E27FC236}">
-                <a16:creationId xmlns:a16="http://schemas.microsoft.com/office/drawing/2014/main" id="{C6C08CAA-2B13-4F19-1B41-83A88B194168}"/>
-              </a:ext>
-            </a:extLst>
-          </p:cNvPr>
-          <p:cNvSpPr txBox="1"/>
+              <a:t>72,814</a:t>
+            </a:r>
+            <a:r>
+              <a:rPr lang="en-GB" dirty="0"/>
+              <a:t> </a:t>
+            </a:r>
+          </a:p>
+          <a:p>
+            <a:r>
+              <a:rPr lang="en-GB" dirty="0"/>
+              <a:t>After baseline correction</a:t>
+            </a:r>
+          </a:p>
+        </p:txBody>
+      </p:sp>
+      <p:sp>
+        <p:nvSpPr>
+          <p:cNvPr id="11" name="Content Placeholder 2">
+            <a:extLst>
+              <a:ext uri="{FF2B5EF4-FFF2-40B4-BE49-F238E27FC236}">
+                <a16:creationId xmlns:a16="http://schemas.microsoft.com/office/drawing/2014/main" id="{725EFBB6-0CBC-8C0B-F65F-D57519FF14DC}"/>
+              </a:ext>
+            </a:extLst>
+          </p:cNvPr>
+          <p:cNvSpPr txBox="1">
+            <a:spLocks/>
+          </p:cNvSpPr>
           <p:nvPr/>
         </p:nvSpPr>
         <p:spPr>
           <a:xfrm>
-            <a:off x="2211004" y="5794259"/>
-            <a:ext cx="2519216" cy="369332"/>
+            <a:off x="1128186" y="410298"/>
+            <a:ext cx="9935628" cy="424732"/>
           </a:xfrm>
           <a:prstGeom prst="rect">
             <a:avLst/>
           </a:prstGeom>
           <a:noFill/>
-        </p:spPr>
-        <p:txBody>
-          <a:bodyPr wrap="none" rtlCol="0">
+          <a:ln w="9525">
+            <a:noFill/>
+            <a:miter lim="800000"/>
+            <a:headEnd/>
+            <a:tailEnd/>
+          </a:ln>
+        </p:spPr>
+        <p:txBody>
+          <a:bodyPr vert="horz" wrap="square" lIns="91440" tIns="45720" rIns="91440" bIns="45720" rtlCol="0" anchor="ctr">
             <a:spAutoFit/>
           </a:bodyPr>
-          <a:lstStyle/>
-          <a:p>
-            <a:r>
-              <a:rPr lang="en-GB" dirty="0">
-                <a:solidFill>
-                  <a:srgbClr val="FF0000"/>
-                </a:solidFill>
+          <a:lstStyle>
+            <a:defPPr>
+              <a:defRPr lang="en-US"/>
+            </a:defPPr>
+            <a:lvl1pPr>
+              <a:lnSpc>
+                <a:spcPct val="90000"/>
+              </a:lnSpc>
+              <a:spcBef>
+                <a:spcPct val="0"/>
+              </a:spcBef>
+              <a:defRPr sz="2800" b="1">
+                <a:solidFill>
+                  <a:schemeClr val="accent1"/>
+                </a:solidFill>
+                <a:latin typeface="Calibri" panose="020F0502020204030204" pitchFamily="34" charset="0"/>
+                <a:ea typeface="ＭＳ Ｐゴシック" panose="020B0600070205080204" pitchFamily="34" charset="-128"/>
+                <a:cs typeface="+mj-cs"/>
+              </a:defRPr>
+            </a:lvl1pPr>
+            <a:lvl2pPr marL="685800" indent="-228600" algn="l" defTabSz="914400" rtl="0" eaLnBrk="1" latinLnBrk="0" hangingPunct="1">
+              <a:lnSpc>
+                <a:spcPct val="90000"/>
+              </a:lnSpc>
+              <a:spcBef>
+                <a:spcPts val="500"/>
+              </a:spcBef>
+              <a:buFont typeface="Arial" panose="020B0604020202020204" pitchFamily="34" charset="0"/>
+              <a:buChar char="•"/>
+              <a:defRPr sz="2400" kern="1200">
+                <a:solidFill>
+                  <a:schemeClr val="tx1"/>
+                </a:solidFill>
+                <a:latin typeface="+mn-lt"/>
+                <a:ea typeface="+mn-ea"/>
+                <a:cs typeface="+mn-cs"/>
+              </a:defRPr>
+            </a:lvl2pPr>
+            <a:lvl3pPr marL="1143000" indent="-228600" algn="l" defTabSz="914400" rtl="0" eaLnBrk="1" latinLnBrk="0" hangingPunct="1">
+              <a:lnSpc>
+                <a:spcPct val="90000"/>
+              </a:lnSpc>
+              <a:spcBef>
+                <a:spcPts val="500"/>
+              </a:spcBef>
+              <a:buFont typeface="Arial" panose="020B0604020202020204" pitchFamily="34" charset="0"/>
+              <a:buChar char="•"/>
+              <a:defRPr sz="2000" kern="1200">
+                <a:solidFill>
+                  <a:schemeClr val="tx1"/>
+                </a:solidFill>
+                <a:latin typeface="+mn-lt"/>
+                <a:ea typeface="+mn-ea"/>
+                <a:cs typeface="+mn-cs"/>
+              </a:defRPr>
+            </a:lvl3pPr>
+            <a:lvl4pPr marL="1600200" indent="-228600" algn="l" defTabSz="914400" rtl="0" eaLnBrk="1" latinLnBrk="0" hangingPunct="1">
+              <a:lnSpc>
+                <a:spcPct val="90000"/>
+              </a:lnSpc>
+              <a:spcBef>
+                <a:spcPts val="500"/>
+              </a:spcBef>
+              <a:buFont typeface="Arial" panose="020B0604020202020204" pitchFamily="34" charset="0"/>
+              <a:buChar char="•"/>
+              <a:defRPr sz="1800" kern="1200">
+                <a:solidFill>
+                  <a:schemeClr val="tx1"/>
+                </a:solidFill>
+                <a:latin typeface="+mn-lt"/>
+                <a:ea typeface="+mn-ea"/>
+                <a:cs typeface="+mn-cs"/>
+              </a:defRPr>
+            </a:lvl4pPr>
+            <a:lvl5pPr marL="2057400" indent="-228600" algn="l" defTabSz="914400" rtl="0" eaLnBrk="1" latinLnBrk="0" hangingPunct="1">
+              <a:lnSpc>
+                <a:spcPct val="90000"/>
+              </a:lnSpc>
+              <a:spcBef>
+                <a:spcPts val="500"/>
+              </a:spcBef>
+              <a:buFont typeface="Arial" panose="020B0604020202020204" pitchFamily="34" charset="0"/>
+              <a:buChar char="•"/>
+              <a:defRPr sz="1800" kern="1200">
+                <a:solidFill>
+                  <a:schemeClr val="tx1"/>
+                </a:solidFill>
+                <a:latin typeface="+mn-lt"/>
+                <a:ea typeface="+mn-ea"/>
+                <a:cs typeface="+mn-cs"/>
+              </a:defRPr>
+            </a:lvl5pPr>
+            <a:lvl6pPr marL="2514600" indent="-228600" algn="l" defTabSz="914400" rtl="0" eaLnBrk="1" latinLnBrk="0" hangingPunct="1">
+              <a:lnSpc>
+                <a:spcPct val="90000"/>
+              </a:lnSpc>
+              <a:spcBef>
+                <a:spcPts val="500"/>
+              </a:spcBef>
+              <a:buFont typeface="Arial" panose="020B0604020202020204" pitchFamily="34" charset="0"/>
+              <a:buChar char="•"/>
+              <a:defRPr sz="1800" kern="1200">
+                <a:solidFill>
+                  <a:schemeClr val="tx1"/>
+                </a:solidFill>
+                <a:latin typeface="+mn-lt"/>
+                <a:ea typeface="+mn-ea"/>
+                <a:cs typeface="+mn-cs"/>
+              </a:defRPr>
+            </a:lvl6pPr>
+            <a:lvl7pPr marL="2971800" indent="-228600" algn="l" defTabSz="914400" rtl="0" eaLnBrk="1" latinLnBrk="0" hangingPunct="1">
+              <a:lnSpc>
+                <a:spcPct val="90000"/>
+              </a:lnSpc>
+              <a:spcBef>
+                <a:spcPts val="500"/>
+              </a:spcBef>
+              <a:buFont typeface="Arial" panose="020B0604020202020204" pitchFamily="34" charset="0"/>
+              <a:buChar char="•"/>
+              <a:defRPr sz="1800" kern="1200">
+                <a:solidFill>
+                  <a:schemeClr val="tx1"/>
+                </a:solidFill>
+                <a:latin typeface="+mn-lt"/>
+                <a:ea typeface="+mn-ea"/>
+                <a:cs typeface="+mn-cs"/>
+              </a:defRPr>
+            </a:lvl7pPr>
+            <a:lvl8pPr marL="3429000" indent="-228600" algn="l" defTabSz="914400" rtl="0" eaLnBrk="1" latinLnBrk="0" hangingPunct="1">
+              <a:lnSpc>
+                <a:spcPct val="90000"/>
+              </a:lnSpc>
+              <a:spcBef>
+                <a:spcPts val="500"/>
+              </a:spcBef>
+              <a:buFont typeface="Arial" panose="020B0604020202020204" pitchFamily="34" charset="0"/>
+              <a:buChar char="•"/>
+              <a:defRPr sz="1800" kern="1200">
+                <a:solidFill>
+                  <a:schemeClr val="tx1"/>
+                </a:solidFill>
+                <a:latin typeface="+mn-lt"/>
+                <a:ea typeface="+mn-ea"/>
+                <a:cs typeface="+mn-cs"/>
+              </a:defRPr>
+            </a:lvl8pPr>
+            <a:lvl9pPr marL="3886200" indent="-228600" algn="l" defTabSz="914400" rtl="0" eaLnBrk="1" latinLnBrk="0" hangingPunct="1">
+              <a:lnSpc>
+                <a:spcPct val="90000"/>
+              </a:lnSpc>
+              <a:spcBef>
+                <a:spcPts val="500"/>
+              </a:spcBef>
+              <a:buFont typeface="Arial" panose="020B0604020202020204" pitchFamily="34" charset="0"/>
+              <a:buChar char="•"/>
+              <a:defRPr sz="1800" kern="1200">
+                <a:solidFill>
+                  <a:schemeClr val="tx1"/>
+                </a:solidFill>
+                <a:latin typeface="+mn-lt"/>
+                <a:ea typeface="+mn-ea"/>
+                <a:cs typeface="+mn-cs"/>
+              </a:defRPr>
+            </a:lvl9pPr>
+          </a:lstStyle>
+          <a:p>
+            <a:r>
+              <a:rPr lang="en-GB" sz="2400" dirty="0">
+                <a:solidFill>
+                  <a:srgbClr val="002060"/>
+                </a:solidFill>
+                <a:latin typeface="Lora"/>
               </a:rPr>
-              <a:t>Samples : CCCP vs DMSO</a:t>
-            </a:r>
-          </a:p>
-        </p:txBody>
-      </p:sp>
-      <p:sp>
-        <p:nvSpPr>
-          <p:cNvPr id="8" name="TextBox 7">
-            <a:extLst>
-              <a:ext uri="{FF2B5EF4-FFF2-40B4-BE49-F238E27FC236}">
-                <a16:creationId xmlns:a16="http://schemas.microsoft.com/office/drawing/2014/main" id="{194DFE2C-5894-47FE-2A6A-DB2D7AC4BB6C}"/>
-              </a:ext>
-            </a:extLst>
-          </p:cNvPr>
-          <p:cNvSpPr txBox="1"/>
-          <p:nvPr/>
-        </p:nvSpPr>
-        <p:spPr>
-          <a:xfrm>
-            <a:off x="2154130" y="6278809"/>
-            <a:ext cx="2576090" cy="369332"/>
-          </a:xfrm>
-          <a:prstGeom prst="rect">
-            <a:avLst/>
-          </a:prstGeom>
-          <a:noFill/>
-        </p:spPr>
-        <p:txBody>
-          <a:bodyPr wrap="none" rtlCol="0">
-            <a:spAutoFit/>
-          </a:bodyPr>
-          <a:lstStyle/>
-          <a:p>
-            <a:r>
-              <a:rPr lang="en-GB" dirty="0"/>
-              <a:t>Merge with all accessions</a:t>
-            </a:r>
-          </a:p>
-        </p:txBody>
-      </p:sp>
-      <p:sp>
-        <p:nvSpPr>
-          <p:cNvPr id="9" name="TextBox 8">
-            <a:extLst>
-              <a:ext uri="{FF2B5EF4-FFF2-40B4-BE49-F238E27FC236}">
-                <a16:creationId xmlns:a16="http://schemas.microsoft.com/office/drawing/2014/main" id="{636CA79E-2284-9678-B08C-96FCEF00A361}"/>
-              </a:ext>
-            </a:extLst>
-          </p:cNvPr>
-          <p:cNvSpPr txBox="1"/>
-          <p:nvPr/>
-        </p:nvSpPr>
-        <p:spPr>
-          <a:xfrm>
-            <a:off x="7661879" y="6278809"/>
-            <a:ext cx="2576090" cy="369332"/>
-          </a:xfrm>
-          <a:prstGeom prst="rect">
-            <a:avLst/>
-          </a:prstGeom>
-          <a:noFill/>
-        </p:spPr>
-        <p:txBody>
-          <a:bodyPr wrap="none" rtlCol="0">
-            <a:spAutoFit/>
-          </a:bodyPr>
-          <a:lstStyle/>
-          <a:p>
-            <a:r>
-              <a:rPr lang="en-GB" dirty="0"/>
-              <a:t>Merge with all accessions</a:t>
-            </a:r>
-          </a:p>
-        </p:txBody>
-      </p:sp>
-      <p:sp>
-        <p:nvSpPr>
-          <p:cNvPr id="10" name="TextBox 9">
-            <a:extLst>
-              <a:ext uri="{FF2B5EF4-FFF2-40B4-BE49-F238E27FC236}">
-                <a16:creationId xmlns:a16="http://schemas.microsoft.com/office/drawing/2014/main" id="{27F2231F-B8F8-63E8-6273-605ED02994E5}"/>
-              </a:ext>
-            </a:extLst>
-          </p:cNvPr>
-          <p:cNvSpPr txBox="1"/>
-          <p:nvPr/>
-        </p:nvSpPr>
-        <p:spPr>
-          <a:xfrm>
-            <a:off x="2903461" y="106915"/>
-            <a:ext cx="6911572" cy="369332"/>
-          </a:xfrm>
-          <a:prstGeom prst="rect">
-            <a:avLst/>
-          </a:prstGeom>
-          <a:noFill/>
-        </p:spPr>
-        <p:txBody>
-          <a:bodyPr wrap="none" rtlCol="0">
-            <a:spAutoFit/>
-          </a:bodyPr>
-          <a:lstStyle/>
-          <a:p>
-            <a:r>
-              <a:rPr lang="en-GB" dirty="0"/>
-              <a:t>Understand the effect of </a:t>
-            </a:r>
-            <a:r>
-              <a:rPr lang="en-GB" dirty="0">
-                <a:solidFill>
-                  <a:srgbClr val="FF0000"/>
-                </a:solidFill>
-              </a:rPr>
-              <a:t>Peptide file from PD </a:t>
-            </a:r>
-            <a:r>
-              <a:rPr lang="en-GB" dirty="0"/>
-              <a:t>vs </a:t>
-            </a:r>
-            <a:r>
-              <a:rPr lang="en-GB" dirty="0">
-                <a:solidFill>
-                  <a:srgbClr val="FF0000"/>
-                </a:solidFill>
-              </a:rPr>
-              <a:t>peptides</a:t>
-            </a:r>
-            <a:r>
-              <a:rPr lang="en-GB" dirty="0"/>
-              <a:t> in the analysis</a:t>
+              <a:t>Baseline correction old function 1 (peptide return) Result</a:t>
             </a:r>
           </a:p>
         </p:txBody>
@@ -5888,7 +10532,7 @@
     </p:spTree>
     <p:extLst>
       <p:ext uri="{BB962C8B-B14F-4D97-AF65-F5344CB8AC3E}">
-        <p14:creationId xmlns:p14="http://schemas.microsoft.com/office/powerpoint/2010/main" val="1726712934"/>
+        <p14:creationId xmlns:p14="http://schemas.microsoft.com/office/powerpoint/2010/main" val="457504195"/>
       </p:ext>
     </p:extLst>
   </p:cSld>
@@ -6191,4 +10835,299 @@
     </a:ext>
   </a:extLst>
 </a:theme>
+</file>
+
+<file path=ppt/theme/theme2.xml><?xml version="1.0" encoding="utf-8"?>
+<a:theme xmlns:a="http://schemas.openxmlformats.org/drawingml/2006/main" name="Office Theme">
+  <a:themeElements>
+    <a:clrScheme name="Office">
+      <a:dk1>
+        <a:sysClr val="windowText" lastClr="000000"/>
+      </a:dk1>
+      <a:lt1>
+        <a:sysClr val="window" lastClr="FFFFFF"/>
+      </a:lt1>
+      <a:dk2>
+        <a:srgbClr val="44546A"/>
+      </a:dk2>
+      <a:lt2>
+        <a:srgbClr val="E7E6E6"/>
+      </a:lt2>
+      <a:accent1>
+        <a:srgbClr val="4472C4"/>
+      </a:accent1>
+      <a:accent2>
+        <a:srgbClr val="ED7D31"/>
+      </a:accent2>
+      <a:accent3>
+        <a:srgbClr val="A5A5A5"/>
+      </a:accent3>
+      <a:accent4>
+        <a:srgbClr val="FFC000"/>
+      </a:accent4>
+      <a:accent5>
+        <a:srgbClr val="5B9BD5"/>
+      </a:accent5>
+      <a:accent6>
+        <a:srgbClr val="70AD47"/>
+      </a:accent6>
+      <a:hlink>
+        <a:srgbClr val="0563C1"/>
+      </a:hlink>
+      <a:folHlink>
+        <a:srgbClr val="954F72"/>
+      </a:folHlink>
+    </a:clrScheme>
+    <a:fontScheme name="Office">
+      <a:majorFont>
+        <a:latin typeface="Calibri Light" panose="020F0302020204030204"/>
+        <a:ea typeface=""/>
+        <a:cs typeface=""/>
+        <a:font script="Jpan" typeface="游ゴシック Light"/>
+        <a:font script="Hang" typeface="맑은 고딕"/>
+        <a:font script="Hans" typeface="等线 Light"/>
+        <a:font script="Hant" typeface="新細明體"/>
+        <a:font script="Arab" typeface="Times New Roman"/>
+        <a:font script="Hebr" typeface="Times New Roman"/>
+        <a:font script="Thai" typeface="Angsana New"/>
+        <a:font script="Ethi" typeface="Nyala"/>
+        <a:font script="Beng" typeface="Vrinda"/>
+        <a:font script="Gujr" typeface="Shruti"/>
+        <a:font script="Khmr" typeface="MoolBoran"/>
+        <a:font script="Knda" typeface="Tunga"/>
+        <a:font script="Guru" typeface="Raavi"/>
+        <a:font script="Cans" typeface="Euphemia"/>
+        <a:font script="Cher" typeface="Plantagenet Cherokee"/>
+        <a:font script="Yiii" typeface="Microsoft Yi Baiti"/>
+        <a:font script="Tibt" typeface="Microsoft Himalaya"/>
+        <a:font script="Thaa" typeface="MV Boli"/>
+        <a:font script="Deva" typeface="Mangal"/>
+        <a:font script="Telu" typeface="Gautami"/>
+        <a:font script="Taml" typeface="Latha"/>
+        <a:font script="Syrc" typeface="Estrangelo Edessa"/>
+        <a:font script="Orya" typeface="Kalinga"/>
+        <a:font script="Mlym" typeface="Kartika"/>
+        <a:font script="Laoo" typeface="DokChampa"/>
+        <a:font script="Sinh" typeface="Iskoola Pota"/>
+        <a:font script="Mong" typeface="Mongolian Baiti"/>
+        <a:font script="Viet" typeface="Times New Roman"/>
+        <a:font script="Uigh" typeface="Microsoft Uighur"/>
+        <a:font script="Geor" typeface="Sylfaen"/>
+        <a:font script="Armn" typeface="Arial"/>
+        <a:font script="Bugi" typeface="Leelawadee UI"/>
+        <a:font script="Bopo" typeface="Microsoft JhengHei"/>
+        <a:font script="Java" typeface="Javanese Text"/>
+        <a:font script="Lisu" typeface="Segoe UI"/>
+        <a:font script="Mymr" typeface="Myanmar Text"/>
+        <a:font script="Nkoo" typeface="Ebrima"/>
+        <a:font script="Olck" typeface="Nirmala UI"/>
+        <a:font script="Osma" typeface="Ebrima"/>
+        <a:font script="Phag" typeface="Phagspa"/>
+        <a:font script="Syrn" typeface="Estrangelo Edessa"/>
+        <a:font script="Syrj" typeface="Estrangelo Edessa"/>
+        <a:font script="Syre" typeface="Estrangelo Edessa"/>
+        <a:font script="Sora" typeface="Nirmala UI"/>
+        <a:font script="Tale" typeface="Microsoft Tai Le"/>
+        <a:font script="Talu" typeface="Microsoft New Tai Lue"/>
+        <a:font script="Tfng" typeface="Ebrima"/>
+      </a:majorFont>
+      <a:minorFont>
+        <a:latin typeface="Calibri" panose="020F0502020204030204"/>
+        <a:ea typeface=""/>
+        <a:cs typeface=""/>
+        <a:font script="Jpan" typeface="游ゴシック"/>
+        <a:font script="Hang" typeface="맑은 고딕"/>
+        <a:font script="Hans" typeface="等线"/>
+        <a:font script="Hant" typeface="新細明體"/>
+        <a:font script="Arab" typeface="Arial"/>
+        <a:font script="Hebr" typeface="Arial"/>
+        <a:font script="Thai" typeface="Cordia New"/>
+        <a:font script="Ethi" typeface="Nyala"/>
+        <a:font script="Beng" typeface="Vrinda"/>
+        <a:font script="Gujr" typeface="Shruti"/>
+        <a:font script="Khmr" typeface="DaunPenh"/>
+        <a:font script="Knda" typeface="Tunga"/>
+        <a:font script="Guru" typeface="Raavi"/>
+        <a:font script="Cans" typeface="Euphemia"/>
+        <a:font script="Cher" typeface="Plantagenet Cherokee"/>
+        <a:font script="Yiii" typeface="Microsoft Yi Baiti"/>
+        <a:font script="Tibt" typeface="Microsoft Himalaya"/>
+        <a:font script="Thaa" typeface="MV Boli"/>
+        <a:font script="Deva" typeface="Mangal"/>
+        <a:font script="Telu" typeface="Gautami"/>
+        <a:font script="Taml" typeface="Latha"/>
+        <a:font script="Syrc" typeface="Estrangelo Edessa"/>
+        <a:font script="Orya" typeface="Kalinga"/>
+        <a:font script="Mlym" typeface="Kartika"/>
+        <a:font script="Laoo" typeface="DokChampa"/>
+        <a:font script="Sinh" typeface="Iskoola Pota"/>
+        <a:font script="Mong" typeface="Mongolian Baiti"/>
+        <a:font script="Viet" typeface="Arial"/>
+        <a:font script="Uigh" typeface="Microsoft Uighur"/>
+        <a:font script="Geor" typeface="Sylfaen"/>
+        <a:font script="Armn" typeface="Arial"/>
+        <a:font script="Bugi" typeface="Leelawadee UI"/>
+        <a:font script="Bopo" typeface="Microsoft JhengHei"/>
+        <a:font script="Java" typeface="Javanese Text"/>
+        <a:font script="Lisu" typeface="Segoe UI"/>
+        <a:font script="Mymr" typeface="Myanmar Text"/>
+        <a:font script="Nkoo" typeface="Ebrima"/>
+        <a:font script="Olck" typeface="Nirmala UI"/>
+        <a:font script="Osma" typeface="Ebrima"/>
+        <a:font script="Phag" typeface="Phagspa"/>
+        <a:font script="Syrn" typeface="Estrangelo Edessa"/>
+        <a:font script="Syrj" typeface="Estrangelo Edessa"/>
+        <a:font script="Syre" typeface="Estrangelo Edessa"/>
+        <a:font script="Sora" typeface="Nirmala UI"/>
+        <a:font script="Tale" typeface="Microsoft Tai Le"/>
+        <a:font script="Talu" typeface="Microsoft New Tai Lue"/>
+        <a:font script="Tfng" typeface="Ebrima"/>
+      </a:minorFont>
+    </a:fontScheme>
+    <a:fmtScheme name="Office">
+      <a:fillStyleLst>
+        <a:solidFill>
+          <a:schemeClr val="phClr"/>
+        </a:solidFill>
+        <a:gradFill rotWithShape="1">
+          <a:gsLst>
+            <a:gs pos="0">
+              <a:schemeClr val="phClr">
+                <a:lumMod val="110000"/>
+                <a:satMod val="105000"/>
+                <a:tint val="67000"/>
+              </a:schemeClr>
+            </a:gs>
+            <a:gs pos="50000">
+              <a:schemeClr val="phClr">
+                <a:lumMod val="105000"/>
+                <a:satMod val="103000"/>
+                <a:tint val="73000"/>
+              </a:schemeClr>
+            </a:gs>
+            <a:gs pos="100000">
+              <a:schemeClr val="phClr">
+                <a:lumMod val="105000"/>
+                <a:satMod val="109000"/>
+                <a:tint val="81000"/>
+              </a:schemeClr>
+            </a:gs>
+          </a:gsLst>
+          <a:lin ang="5400000" scaled="0"/>
+        </a:gradFill>
+        <a:gradFill rotWithShape="1">
+          <a:gsLst>
+            <a:gs pos="0">
+              <a:schemeClr val="phClr">
+                <a:satMod val="103000"/>
+                <a:lumMod val="102000"/>
+                <a:tint val="94000"/>
+              </a:schemeClr>
+            </a:gs>
+            <a:gs pos="50000">
+              <a:schemeClr val="phClr">
+                <a:satMod val="110000"/>
+                <a:lumMod val="100000"/>
+                <a:shade val="100000"/>
+              </a:schemeClr>
+            </a:gs>
+            <a:gs pos="100000">
+              <a:schemeClr val="phClr">
+                <a:lumMod val="99000"/>
+                <a:satMod val="120000"/>
+                <a:shade val="78000"/>
+              </a:schemeClr>
+            </a:gs>
+          </a:gsLst>
+          <a:lin ang="5400000" scaled="0"/>
+        </a:gradFill>
+      </a:fillStyleLst>
+      <a:lnStyleLst>
+        <a:ln w="6350" cap="flat" cmpd="sng" algn="ctr">
+          <a:solidFill>
+            <a:schemeClr val="phClr"/>
+          </a:solidFill>
+          <a:prstDash val="solid"/>
+          <a:miter lim="800000"/>
+        </a:ln>
+        <a:ln w="12700" cap="flat" cmpd="sng" algn="ctr">
+          <a:solidFill>
+            <a:schemeClr val="phClr"/>
+          </a:solidFill>
+          <a:prstDash val="solid"/>
+          <a:miter lim="800000"/>
+        </a:ln>
+        <a:ln w="19050" cap="flat" cmpd="sng" algn="ctr">
+          <a:solidFill>
+            <a:schemeClr val="phClr"/>
+          </a:solidFill>
+          <a:prstDash val="solid"/>
+          <a:miter lim="800000"/>
+        </a:ln>
+      </a:lnStyleLst>
+      <a:effectStyleLst>
+        <a:effectStyle>
+          <a:effectLst/>
+        </a:effectStyle>
+        <a:effectStyle>
+          <a:effectLst/>
+        </a:effectStyle>
+        <a:effectStyle>
+          <a:effectLst>
+            <a:outerShdw blurRad="57150" dist="19050" dir="5400000" algn="ctr" rotWithShape="0">
+              <a:srgbClr val="000000">
+                <a:alpha val="63000"/>
+              </a:srgbClr>
+            </a:outerShdw>
+          </a:effectLst>
+        </a:effectStyle>
+      </a:effectStyleLst>
+      <a:bgFillStyleLst>
+        <a:solidFill>
+          <a:schemeClr val="phClr"/>
+        </a:solidFill>
+        <a:solidFill>
+          <a:schemeClr val="phClr">
+            <a:tint val="95000"/>
+            <a:satMod val="170000"/>
+          </a:schemeClr>
+        </a:solidFill>
+        <a:gradFill rotWithShape="1">
+          <a:gsLst>
+            <a:gs pos="0">
+              <a:schemeClr val="phClr">
+                <a:tint val="93000"/>
+                <a:satMod val="150000"/>
+                <a:shade val="98000"/>
+                <a:lumMod val="102000"/>
+              </a:schemeClr>
+            </a:gs>
+            <a:gs pos="50000">
+              <a:schemeClr val="phClr">
+                <a:tint val="98000"/>
+                <a:satMod val="130000"/>
+                <a:shade val="90000"/>
+                <a:lumMod val="103000"/>
+              </a:schemeClr>
+            </a:gs>
+            <a:gs pos="100000">
+              <a:schemeClr val="phClr">
+                <a:shade val="63000"/>
+                <a:satMod val="120000"/>
+              </a:schemeClr>
+            </a:gs>
+          </a:gsLst>
+          <a:lin ang="5400000" scaled="0"/>
+        </a:gradFill>
+      </a:bgFillStyleLst>
+    </a:fmtScheme>
+  </a:themeElements>
+  <a:objectDefaults/>
+  <a:extraClrSchemeLst/>
+  <a:extLst>
+    <a:ext uri="{05A4C25C-085E-4340-85A3-A5531E510DB2}">
+      <thm15:themeFamily xmlns:thm15="http://schemas.microsoft.com/office/thememl/2012/main" name="Office Theme" id="{62F939B6-93AF-4DB8-9C6B-D6C7DFDC589F}" vid="{4A3C46E8-61CC-4603-A589-7422A47A8E4A}"/>
+    </a:ext>
+  </a:extLst>
+</a:theme>
 </file>